--- a/PACLIC 32 Semantics session.pptx
+++ b/PACLIC 32 Semantics session.pptx
@@ -5,8 +5,10 @@
     <p:sldMasterId id="2147483648" r:id="rId1"/>
   </p:sldMasterIdLst>
   <p:sldIdLst>
-    <p:sldId id="256" r:id="rId2"/>
-    <p:sldId id="257" r:id="rId3"/>
+    <p:sldId id="257" r:id="rId2"/>
+    <p:sldId id="256" r:id="rId3"/>
+    <p:sldId id="258" r:id="rId4"/>
+    <p:sldId id="259" r:id="rId5"/>
   </p:sldIdLst>
   <p:sldSz cx="12192000" cy="6858000"/>
   <p:notesSz cx="6858000" cy="9144000"/>
@@ -2977,47 +2979,116 @@
             <a:spLocks noGrp="1"/>
           </p:cNvSpPr>
           <p:nvPr>
-            <p:ph type="ctrTitle"/>
-          </p:nvPr>
-        </p:nvSpPr>
-        <p:spPr/>
+            <p:ph type="title"/>
+          </p:nvPr>
+        </p:nvSpPr>
+        <p:spPr/>
+        <p:txBody>
+          <a:bodyPr/>
+          <a:lstStyle/>
+          <a:p>
+            <a:r>
+              <a:rPr lang="en-US" altLang="zh-CN" dirty="0"/>
+              <a:t>Is China Winning the </a:t>
+            </a:r>
+            <a:r>
+              <a:rPr lang="en-US" altLang="zh-CN" i="1" dirty="0"/>
+              <a:t>Trade War </a:t>
+            </a:r>
+            <a:r>
+              <a:rPr lang="en-US" altLang="zh-CN" dirty="0"/>
+              <a:t>?</a:t>
+            </a:r>
+            <a:endParaRPr lang="zh-CN" altLang="en-US" dirty="0"/>
+          </a:p>
+        </p:txBody>
+      </p:sp>
+      <p:pic>
+        <p:nvPicPr>
+          <p:cNvPr id="4" name="内容占位符 3"/>
+          <p:cNvPicPr>
+            <a:picLocks noGrp="1" noChangeAspect="1"/>
+          </p:cNvPicPr>
+          <p:nvPr>
+            <p:ph idx="1"/>
+          </p:nvPr>
+        </p:nvPicPr>
+        <p:blipFill>
+          <a:blip r:embed="rId2">
+            <a:extLst>
+              <a:ext uri="{28A0092B-C50C-407E-A947-70E740481C1C}">
+                <a14:useLocalDpi xmlns:a14="http://schemas.microsoft.com/office/drawing/2010/main" val="0"/>
+              </a:ext>
+            </a:extLst>
+          </a:blip>
+          <a:stretch>
+            <a:fillRect/>
+          </a:stretch>
+        </p:blipFill>
+        <p:spPr>
+          <a:xfrm>
+            <a:off x="3005137" y="1939131"/>
+            <a:ext cx="6181725" cy="4124325"/>
+          </a:xfrm>
+        </p:spPr>
+      </p:pic>
+      <p:sp>
+        <p:nvSpPr>
+          <p:cNvPr id="3" name="矩形 2"/>
+          <p:cNvSpPr/>
+          <p:nvPr/>
+        </p:nvSpPr>
+        <p:spPr>
+          <a:xfrm>
+            <a:off x="3090862" y="6155160"/>
+            <a:ext cx="6096000" cy="290913"/>
+          </a:xfrm>
+          <a:prstGeom prst="rect">
+            <a:avLst/>
+          </a:prstGeom>
+        </p:spPr>
         <p:txBody>
           <a:bodyPr>
-            <a:normAutofit/>
+            <a:spAutoFit/>
           </a:bodyPr>
           <a:lstStyle/>
           <a:p>
-            <a:r>
-              <a:rPr lang="en-US" altLang="zh-CN" sz="5400" dirty="0"/>
-              <a:t>Distributed Representation of Chinese Collocation</a:t>
-            </a:r>
-            <a:endParaRPr lang="zh-CN" altLang="en-US" sz="5400" dirty="0"/>
-          </a:p>
-        </p:txBody>
-      </p:sp>
-      <p:sp>
-        <p:nvSpPr>
-          <p:cNvPr id="3" name="副标题 2"/>
-          <p:cNvSpPr>
-            <a:spLocks noGrp="1"/>
-          </p:cNvSpPr>
-          <p:nvPr>
-            <p:ph type="subTitle" idx="1"/>
-          </p:nvPr>
-        </p:nvSpPr>
-        <p:spPr/>
-        <p:txBody>
-          <a:bodyPr/>
-          <a:lstStyle/>
-          <a:p>
-            <a:endParaRPr lang="zh-CN" altLang="en-US"/>
+            <a:pPr>
+              <a:lnSpc>
+                <a:spcPts val="1700"/>
+              </a:lnSpc>
+              <a:spcAft>
+                <a:spcPts val="1200"/>
+              </a:spcAft>
+            </a:pPr>
+            <a:r>
+              <a:rPr lang="en-US" altLang="zh-CN" sz="1100" u="sng" dirty="0">
+                <a:solidFill>
+                  <a:srgbClr val="000000"/>
+                </a:solidFill>
+                <a:latin typeface="Helvetica" panose="020B0604020202020204" pitchFamily="34" charset="0"/>
+                <a:ea typeface="Arial Unicode MS"/>
+                <a:cs typeface="Helvetica" panose="020B0604020202020204" pitchFamily="34" charset="0"/>
+                <a:hlinkClick r:id="rId3"/>
+              </a:rPr>
+              <a:t>https://www.newyorker.com/news/our-columnists/why-china-is-winning-the-trade-war</a:t>
+            </a:r>
+            <a:endParaRPr lang="zh-CN" altLang="zh-CN" sz="900" dirty="0">
+              <a:solidFill>
+                <a:srgbClr val="000000"/>
+              </a:solidFill>
+              <a:effectLst/>
+              <a:latin typeface="Helvetica" panose="020B0604020202020204" pitchFamily="34" charset="0"/>
+              <a:ea typeface="Arial Unicode MS"/>
+              <a:cs typeface="Arial Unicode MS"/>
+            </a:endParaRPr>
           </a:p>
         </p:txBody>
       </p:sp>
     </p:spTree>
     <p:extLst>
       <p:ext uri="{BB962C8B-B14F-4D97-AF65-F5344CB8AC3E}">
-        <p14:creationId xmlns:p14="http://schemas.microsoft.com/office/powerpoint/2010/main" val="2483763537"/>
+        <p14:creationId xmlns:p14="http://schemas.microsoft.com/office/powerpoint/2010/main" val="1462421541"/>
       </p:ext>
     </p:extLst>
   </p:cSld>
@@ -3051,7 +3122,404 @@
             <a:spLocks noGrp="1"/>
           </p:cNvSpPr>
           <p:nvPr>
+            <p:ph type="ctrTitle"/>
+          </p:nvPr>
+        </p:nvSpPr>
+        <p:spPr/>
+        <p:txBody>
+          <a:bodyPr>
+            <a:normAutofit/>
+          </a:bodyPr>
+          <a:lstStyle/>
+          <a:p>
+            <a:r>
+              <a:rPr lang="en-US" altLang="zh-CN" sz="5400" dirty="0"/>
+              <a:t>Distributed Representation of Chinese Collocation</a:t>
+            </a:r>
+            <a:endParaRPr lang="zh-CN" altLang="en-US" sz="5400" dirty="0"/>
+          </a:p>
+        </p:txBody>
+      </p:sp>
+      <p:sp>
+        <p:nvSpPr>
+          <p:cNvPr id="3" name="副标题 2"/>
+          <p:cNvSpPr>
+            <a:spLocks noGrp="1"/>
+          </p:cNvSpPr>
+          <p:nvPr>
+            <p:ph type="subTitle" idx="1"/>
+          </p:nvPr>
+        </p:nvSpPr>
+        <p:spPr/>
+        <p:txBody>
+          <a:bodyPr/>
+          <a:lstStyle/>
+          <a:p>
+            <a:endParaRPr lang="zh-CN" altLang="en-US"/>
+          </a:p>
+        </p:txBody>
+      </p:sp>
+    </p:spTree>
+    <p:extLst>
+      <p:ext uri="{BB962C8B-B14F-4D97-AF65-F5344CB8AC3E}">
+        <p14:creationId xmlns:p14="http://schemas.microsoft.com/office/powerpoint/2010/main" val="2483763537"/>
+      </p:ext>
+    </p:extLst>
+  </p:cSld>
+  <p:clrMapOvr>
+    <a:masterClrMapping/>
+  </p:clrMapOvr>
+</p:sld>
+</file>
+
+<file path=ppt/slides/slide3.xml><?xml version="1.0" encoding="utf-8"?>
+<p:sld xmlns:a="http://schemas.openxmlformats.org/drawingml/2006/main" xmlns:r="http://schemas.openxmlformats.org/officeDocument/2006/relationships" xmlns:p="http://schemas.openxmlformats.org/presentationml/2006/main">
+  <p:cSld>
+    <p:spTree>
+      <p:nvGrpSpPr>
+        <p:cNvPr id="1" name=""/>
+        <p:cNvGrpSpPr/>
+        <p:nvPr/>
+      </p:nvGrpSpPr>
+      <p:grpSpPr>
+        <a:xfrm>
+          <a:off x="0" y="0"/>
+          <a:ext cx="0" cy="0"/>
+          <a:chOff x="0" y="0"/>
+          <a:chExt cx="0" cy="0"/>
+        </a:xfrm>
+      </p:grpSpPr>
+      <p:sp>
+        <p:nvSpPr>
+          <p:cNvPr id="2" name="标题 1"/>
+          <p:cNvSpPr>
+            <a:spLocks noGrp="1"/>
+          </p:cNvSpPr>
+          <p:nvPr>
             <p:ph type="title"/>
+          </p:nvPr>
+        </p:nvSpPr>
+        <p:spPr/>
+        <p:txBody>
+          <a:bodyPr/>
+          <a:lstStyle/>
+          <a:p>
+            <a:endParaRPr lang="zh-CN" altLang="en-US"/>
+          </a:p>
+        </p:txBody>
+      </p:sp>
+      <p:sp>
+        <p:nvSpPr>
+          <p:cNvPr id="3" name="内容占位符 2"/>
+          <p:cNvSpPr>
+            <a:spLocks noGrp="1"/>
+          </p:cNvSpPr>
+          <p:nvPr>
+            <p:ph idx="1"/>
+          </p:nvPr>
+        </p:nvSpPr>
+        <p:spPr/>
+        <p:txBody>
+          <a:bodyPr>
+            <a:normAutofit fontScale="77500" lnSpcReduction="20000"/>
+          </a:bodyPr>
+          <a:lstStyle/>
+          <a:p>
+            <a:r>
+              <a:rPr lang="en-US" altLang="zh-CN" dirty="0"/>
+              <a:t>Compulsory English lesson </a:t>
+            </a:r>
+            <a:endParaRPr lang="zh-CN" altLang="zh-CN" dirty="0"/>
+          </a:p>
+          <a:p>
+            <a:r>
+              <a:rPr lang="en-US" altLang="zh-CN" dirty="0"/>
+              <a:t>Unit 4 Wildlife Protection </a:t>
+            </a:r>
+            <a:r>
+              <a:rPr lang="zh-CN" altLang="zh-CN" dirty="0"/>
+              <a:t>一课中出现的词块有：</a:t>
+            </a:r>
+          </a:p>
+          <a:p>
+            <a:r>
+              <a:rPr lang="en-US" altLang="zh-CN" dirty="0"/>
+              <a:t>1  decrease to </a:t>
+            </a:r>
+            <a:r>
+              <a:rPr lang="zh-CN" altLang="zh-CN" dirty="0"/>
+              <a:t>减少到</a:t>
+            </a:r>
+            <a:r>
+              <a:rPr lang="en-US" altLang="zh-CN" dirty="0"/>
+              <a:t>                    2. decrease by</a:t>
+            </a:r>
+            <a:r>
+              <a:rPr lang="zh-CN" altLang="zh-CN" dirty="0"/>
+              <a:t>　减少了</a:t>
+            </a:r>
+          </a:p>
+          <a:p>
+            <a:r>
+              <a:rPr lang="en-US" altLang="zh-CN" dirty="0"/>
+              <a:t>3. die out </a:t>
+            </a:r>
+            <a:r>
+              <a:rPr lang="zh-CN" altLang="zh-CN" dirty="0"/>
+              <a:t>灭亡</a:t>
+            </a:r>
+            <a:r>
+              <a:rPr lang="en-US" altLang="zh-CN" dirty="0"/>
+              <a:t>                          4. loss of</a:t>
+            </a:r>
+            <a:r>
+              <a:rPr lang="zh-CN" altLang="zh-CN" dirty="0"/>
+              <a:t>缺少</a:t>
+            </a:r>
+          </a:p>
+          <a:p>
+            <a:r>
+              <a:rPr lang="en-US" altLang="zh-CN" dirty="0"/>
+              <a:t>5. in peace </a:t>
+            </a:r>
+            <a:r>
+              <a:rPr lang="zh-CN" altLang="zh-CN" dirty="0"/>
+              <a:t>和平地</a:t>
+            </a:r>
+            <a:r>
+              <a:rPr lang="en-US" altLang="zh-CN" dirty="0"/>
+              <a:t>                        6. in danger of </a:t>
+            </a:r>
+            <a:r>
+              <a:rPr lang="zh-CN" altLang="zh-CN" dirty="0"/>
+              <a:t>处于危险中</a:t>
+            </a:r>
+          </a:p>
+          <a:p>
+            <a:r>
+              <a:rPr lang="en-US" altLang="zh-CN" dirty="0"/>
+              <a:t>7. burst into laughter </a:t>
+            </a:r>
+            <a:r>
+              <a:rPr lang="zh-CN" altLang="zh-CN" dirty="0"/>
+              <a:t>突然大笑</a:t>
+            </a:r>
+            <a:r>
+              <a:rPr lang="en-US" altLang="zh-CN" dirty="0"/>
+              <a:t>              8. protect</a:t>
+            </a:r>
+            <a:r>
+              <a:rPr lang="zh-CN" altLang="zh-CN" dirty="0"/>
+              <a:t>…</a:t>
+            </a:r>
+            <a:r>
+              <a:rPr lang="en-US" altLang="zh-CN" dirty="0"/>
+              <a:t>from</a:t>
+            </a:r>
+            <a:r>
+              <a:rPr lang="zh-CN" altLang="zh-CN" dirty="0"/>
+              <a:t>…保护…不受</a:t>
+            </a:r>
+            <a:r>
+              <a:rPr lang="en-US" altLang="zh-CN" dirty="0"/>
+              <a:t>(</a:t>
+            </a:r>
+            <a:r>
+              <a:rPr lang="zh-CN" altLang="zh-CN" dirty="0"/>
+              <a:t>伤害</a:t>
+            </a:r>
+            <a:r>
+              <a:rPr lang="en-US" altLang="zh-CN" dirty="0"/>
+              <a:t>)</a:t>
+            </a:r>
+            <a:endParaRPr lang="zh-CN" altLang="zh-CN" dirty="0"/>
+          </a:p>
+          <a:p>
+            <a:r>
+              <a:rPr lang="en-US" altLang="zh-CN" dirty="0"/>
+              <a:t>9.appreciate doing </a:t>
+            </a:r>
+            <a:r>
+              <a:rPr lang="en-US" altLang="zh-CN" dirty="0" err="1"/>
+              <a:t>sth</a:t>
+            </a:r>
+            <a:r>
+              <a:rPr lang="en-US" altLang="zh-CN" dirty="0"/>
+              <a:t> </a:t>
+            </a:r>
+            <a:r>
+              <a:rPr lang="zh-CN" altLang="zh-CN" dirty="0"/>
+              <a:t>感激做某事</a:t>
+            </a:r>
+            <a:r>
+              <a:rPr lang="en-US" altLang="zh-CN" dirty="0"/>
+              <a:t>           10. long before </a:t>
+            </a:r>
+            <a:r>
+              <a:rPr lang="zh-CN" altLang="zh-CN" dirty="0"/>
+              <a:t>很久以前</a:t>
+            </a:r>
+          </a:p>
+          <a:p>
+            <a:r>
+              <a:rPr lang="en-US" altLang="zh-CN" dirty="0"/>
+              <a:t>11.before long </a:t>
+            </a:r>
+            <a:r>
+              <a:rPr lang="zh-CN" altLang="zh-CN" dirty="0"/>
+              <a:t>很快，不久</a:t>
+            </a:r>
+            <a:r>
+              <a:rPr lang="en-US" altLang="zh-CN" dirty="0"/>
+              <a:t>                 12. come into being </a:t>
+            </a:r>
+            <a:r>
+              <a:rPr lang="zh-CN" altLang="zh-CN" dirty="0"/>
+              <a:t>形成</a:t>
+            </a:r>
+          </a:p>
+          <a:p>
+            <a:r>
+              <a:rPr lang="en-US" altLang="zh-CN" dirty="0"/>
+              <a:t>13.for sure </a:t>
+            </a:r>
+            <a:r>
+              <a:rPr lang="zh-CN" altLang="zh-CN" dirty="0"/>
+              <a:t>一定要，必须</a:t>
+            </a:r>
+            <a:r>
+              <a:rPr lang="en-US" altLang="zh-CN" dirty="0"/>
+              <a:t>                 14.so that </a:t>
+            </a:r>
+            <a:r>
+              <a:rPr lang="zh-CN" altLang="zh-CN" dirty="0"/>
+              <a:t>以致于，为了</a:t>
+            </a:r>
+          </a:p>
+          <a:p>
+            <a:r>
+              <a:rPr lang="en-US" altLang="zh-CN" dirty="0"/>
+              <a:t>15.in relief </a:t>
+            </a:r>
+            <a:r>
+              <a:rPr lang="zh-CN" altLang="zh-CN" dirty="0"/>
+              <a:t>如释重负，松了口气</a:t>
+            </a:r>
+            <a:r>
+              <a:rPr lang="en-US" altLang="zh-CN" dirty="0"/>
+              <a:t>           16.pat attention to </a:t>
+            </a:r>
+            <a:r>
+              <a:rPr lang="zh-CN" altLang="zh-CN" dirty="0"/>
+              <a:t>注意</a:t>
+            </a:r>
+          </a:p>
+          <a:p>
+            <a:r>
+              <a:rPr lang="en-US" altLang="zh-CN" dirty="0"/>
+              <a:t>17.according to </a:t>
+            </a:r>
+            <a:r>
+              <a:rPr lang="zh-CN" altLang="zh-CN" dirty="0"/>
+              <a:t>按照，根据</a:t>
+            </a:r>
+            <a:r>
+              <a:rPr lang="en-US" altLang="zh-CN" dirty="0"/>
+              <a:t>               18.in such a short time </a:t>
+            </a:r>
+            <a:r>
+              <a:rPr lang="zh-CN" altLang="zh-CN" dirty="0"/>
+              <a:t>在如此短的时间内</a:t>
+            </a:r>
+          </a:p>
+          <a:p>
+            <a:r>
+              <a:rPr lang="en-US" altLang="zh-CN" dirty="0"/>
+              <a:t>19. have an effect on </a:t>
+            </a:r>
+            <a:r>
+              <a:rPr lang="zh-CN" altLang="zh-CN" dirty="0"/>
+              <a:t>对…产生影响</a:t>
+            </a:r>
+            <a:r>
+              <a:rPr lang="en-US" altLang="zh-CN" dirty="0"/>
+              <a:t>         20. succeed in doing </a:t>
+            </a:r>
+            <a:r>
+              <a:rPr lang="en-US" altLang="zh-CN" dirty="0" err="1"/>
+              <a:t>sth</a:t>
+            </a:r>
+            <a:r>
+              <a:rPr lang="en-US" altLang="zh-CN" dirty="0"/>
+              <a:t> </a:t>
+            </a:r>
+            <a:r>
+              <a:rPr lang="zh-CN" altLang="zh-CN" dirty="0"/>
+              <a:t>成功地做某事</a:t>
+            </a:r>
+          </a:p>
+          <a:p>
+            <a:endParaRPr lang="zh-CN" altLang="en-US" dirty="0"/>
+          </a:p>
+        </p:txBody>
+      </p:sp>
+    </p:spTree>
+    <p:extLst>
+      <p:ext uri="{BB962C8B-B14F-4D97-AF65-F5344CB8AC3E}">
+        <p14:creationId xmlns:p14="http://schemas.microsoft.com/office/powerpoint/2010/main" val="3800650968"/>
+      </p:ext>
+    </p:extLst>
+  </p:cSld>
+  <p:clrMapOvr>
+    <a:masterClrMapping/>
+  </p:clrMapOvr>
+</p:sld>
+</file>
+
+<file path=ppt/slides/slide4.xml><?xml version="1.0" encoding="utf-8"?>
+<p:sld xmlns:a="http://schemas.openxmlformats.org/drawingml/2006/main" xmlns:r="http://schemas.openxmlformats.org/officeDocument/2006/relationships" xmlns:p="http://schemas.openxmlformats.org/presentationml/2006/main">
+  <p:cSld>
+    <p:spTree>
+      <p:nvGrpSpPr>
+        <p:cNvPr id="1" name=""/>
+        <p:cNvGrpSpPr/>
+        <p:nvPr/>
+      </p:nvGrpSpPr>
+      <p:grpSpPr>
+        <a:xfrm>
+          <a:off x="0" y="0"/>
+          <a:ext cx="0" cy="0"/>
+          <a:chOff x="0" y="0"/>
+          <a:chExt cx="0" cy="0"/>
+        </a:xfrm>
+      </p:grpSpPr>
+      <p:sp>
+        <p:nvSpPr>
+          <p:cNvPr id="2" name="标题 1"/>
+          <p:cNvSpPr>
+            <a:spLocks noGrp="1"/>
+          </p:cNvSpPr>
+          <p:nvPr>
+            <p:ph type="title"/>
+          </p:nvPr>
+        </p:nvSpPr>
+        <p:spPr/>
+        <p:txBody>
+          <a:bodyPr/>
+          <a:lstStyle/>
+          <a:p>
+            <a:endParaRPr lang="zh-CN" altLang="en-US"/>
+          </a:p>
+        </p:txBody>
+      </p:sp>
+      <p:sp>
+        <p:nvSpPr>
+          <p:cNvPr id="3" name="内容占位符 2"/>
+          <p:cNvSpPr>
+            <a:spLocks noGrp="1"/>
+          </p:cNvSpPr>
+          <p:nvPr>
+            <p:ph idx="1"/>
           </p:nvPr>
         </p:nvSpPr>
         <p:spPr/>
@@ -3065,13 +3533,9 @@
       </p:sp>
       <p:pic>
         <p:nvPicPr>
-          <p:cNvPr id="4" name="内容占位符 3"/>
-          <p:cNvPicPr>
-            <a:picLocks noGrp="1" noChangeAspect="1"/>
-          </p:cNvPicPr>
-          <p:nvPr>
-            <p:ph idx="1"/>
-          </p:nvPr>
+          <p:cNvPr id="4" name="图片 3" descr="https://timgsa.baidu.com/timg?image&amp;quality=80&amp;size=b9999_10000&amp;sec=1543405139434&amp;di=478b3aa73a3ed75c09f6ef675f2d73dd&amp;imgtype=jpg&amp;src=http%3A%2F%2Fimg2.imgtn.bdimg.com%2Fit%2Fu%3D1470717142%2C3876773422%26fm%3D214%26gp%3D0.jpg"/>
+          <p:cNvPicPr/>
+          <p:nvPr/>
         </p:nvPicPr>
         <p:blipFill>
           <a:blip r:embed="rId2">
@@ -3081,21 +3545,29 @@
               </a:ext>
             </a:extLst>
           </a:blip>
+          <a:srcRect/>
           <a:stretch>
             <a:fillRect/>
           </a:stretch>
         </p:blipFill>
-        <p:spPr>
+        <p:spPr bwMode="auto">
           <a:xfrm>
-            <a:off x="3005137" y="1939131"/>
-            <a:ext cx="6181725" cy="4124325"/>
+            <a:off x="3109595" y="1189355"/>
+            <a:ext cx="5972810" cy="4479290"/>
           </a:xfrm>
+          <a:prstGeom prst="rect">
+            <a:avLst/>
+          </a:prstGeom>
+          <a:noFill/>
+          <a:ln>
+            <a:noFill/>
+          </a:ln>
         </p:spPr>
       </p:pic>
     </p:spTree>
     <p:extLst>
       <p:ext uri="{BB962C8B-B14F-4D97-AF65-F5344CB8AC3E}">
-        <p14:creationId xmlns:p14="http://schemas.microsoft.com/office/powerpoint/2010/main" val="1462421541"/>
+        <p14:creationId xmlns:p14="http://schemas.microsoft.com/office/powerpoint/2010/main" val="1225984856"/>
       </p:ext>
     </p:extLst>
   </p:cSld>

--- a/PACLIC 32 Semantics session.pptx
+++ b/PACLIC 32 Semantics session.pptx
@@ -1,14 +1,34 @@
 
 <file path=ppt/presentation.xml><?xml version="1.0" encoding="utf-8"?>
-<p:presentation xmlns:a="http://schemas.openxmlformats.org/drawingml/2006/main" xmlns:r="http://schemas.openxmlformats.org/officeDocument/2006/relationships" xmlns:p="http://schemas.openxmlformats.org/presentationml/2006/main" saveSubsetFonts="1">
+<p:presentation xmlns:a="http://schemas.openxmlformats.org/drawingml/2006/main" xmlns:r="http://schemas.openxmlformats.org/officeDocument/2006/relationships" xmlns:p="http://schemas.openxmlformats.org/presentationml/2006/main" showSpecialPlsOnTitleSld="0" saveSubsetFonts="1">
   <p:sldMasterIdLst>
     <p:sldMasterId id="2147483648" r:id="rId1"/>
   </p:sldMasterIdLst>
+  <p:notesMasterIdLst>
+    <p:notesMasterId r:id="rId23"/>
+  </p:notesMasterIdLst>
   <p:sldIdLst>
     <p:sldId id="257" r:id="rId2"/>
-    <p:sldId id="256" r:id="rId3"/>
-    <p:sldId id="258" r:id="rId4"/>
-    <p:sldId id="259" r:id="rId5"/>
+    <p:sldId id="263" r:id="rId3"/>
+    <p:sldId id="262" r:id="rId4"/>
+    <p:sldId id="261" r:id="rId5"/>
+    <p:sldId id="264" r:id="rId6"/>
+    <p:sldId id="278" r:id="rId7"/>
+    <p:sldId id="279" r:id="rId8"/>
+    <p:sldId id="265" r:id="rId9"/>
+    <p:sldId id="266" r:id="rId10"/>
+    <p:sldId id="267" r:id="rId11"/>
+    <p:sldId id="268" r:id="rId12"/>
+    <p:sldId id="269" r:id="rId13"/>
+    <p:sldId id="270" r:id="rId14"/>
+    <p:sldId id="271" r:id="rId15"/>
+    <p:sldId id="272" r:id="rId16"/>
+    <p:sldId id="273" r:id="rId17"/>
+    <p:sldId id="274" r:id="rId18"/>
+    <p:sldId id="276" r:id="rId19"/>
+    <p:sldId id="275" r:id="rId20"/>
+    <p:sldId id="277" r:id="rId21"/>
+    <p:sldId id="260" r:id="rId22"/>
   </p:sldIdLst>
   <p:sldSz cx="12192000" cy="6858000"/>
   <p:notesSz cx="6858000" cy="9144000"/>
@@ -115,6 +135,860 @@
 </p:presentation>
 </file>
 
+<file path=ppt/notesMasters/notesMaster1.xml><?xml version="1.0" encoding="utf-8"?>
+<p:notesMaster xmlns:a="http://schemas.openxmlformats.org/drawingml/2006/main" xmlns:r="http://schemas.openxmlformats.org/officeDocument/2006/relationships" xmlns:p="http://schemas.openxmlformats.org/presentationml/2006/main">
+  <p:cSld>
+    <p:bg>
+      <p:bgRef idx="1001">
+        <a:schemeClr val="bg1"/>
+      </p:bgRef>
+    </p:bg>
+    <p:spTree>
+      <p:nvGrpSpPr>
+        <p:cNvPr id="1" name=""/>
+        <p:cNvGrpSpPr/>
+        <p:nvPr/>
+      </p:nvGrpSpPr>
+      <p:grpSpPr>
+        <a:xfrm>
+          <a:off x="0" y="0"/>
+          <a:ext cx="0" cy="0"/>
+          <a:chOff x="0" y="0"/>
+          <a:chExt cx="0" cy="0"/>
+        </a:xfrm>
+      </p:grpSpPr>
+      <p:sp>
+        <p:nvSpPr>
+          <p:cNvPr id="2" name="页眉占位符 1"/>
+          <p:cNvSpPr>
+            <a:spLocks noGrp="1"/>
+          </p:cNvSpPr>
+          <p:nvPr>
+            <p:ph type="hdr" sz="quarter"/>
+          </p:nvPr>
+        </p:nvSpPr>
+        <p:spPr>
+          <a:xfrm>
+            <a:off x="0" y="0"/>
+            <a:ext cx="2971800" cy="458788"/>
+          </a:xfrm>
+          <a:prstGeom prst="rect">
+            <a:avLst/>
+          </a:prstGeom>
+        </p:spPr>
+        <p:txBody>
+          <a:bodyPr vert="horz" lIns="91440" tIns="45720" rIns="91440" bIns="45720" rtlCol="0"/>
+          <a:lstStyle>
+            <a:lvl1pPr algn="l">
+              <a:defRPr sz="1200"/>
+            </a:lvl1pPr>
+          </a:lstStyle>
+          <a:p>
+            <a:endParaRPr kumimoji="1" lang="zh-CN" altLang="en-US"/>
+          </a:p>
+        </p:txBody>
+      </p:sp>
+      <p:sp>
+        <p:nvSpPr>
+          <p:cNvPr id="3" name="日期占位符 2"/>
+          <p:cNvSpPr>
+            <a:spLocks noGrp="1"/>
+          </p:cNvSpPr>
+          <p:nvPr>
+            <p:ph type="dt" idx="1"/>
+          </p:nvPr>
+        </p:nvSpPr>
+        <p:spPr>
+          <a:xfrm>
+            <a:off x="3884613" y="0"/>
+            <a:ext cx="2971800" cy="458788"/>
+          </a:xfrm>
+          <a:prstGeom prst="rect">
+            <a:avLst/>
+          </a:prstGeom>
+        </p:spPr>
+        <p:txBody>
+          <a:bodyPr vert="horz" lIns="91440" tIns="45720" rIns="91440" bIns="45720" rtlCol="0"/>
+          <a:lstStyle>
+            <a:lvl1pPr algn="r">
+              <a:defRPr sz="1200"/>
+            </a:lvl1pPr>
+          </a:lstStyle>
+          <a:p>
+            <a:fld id="{C54531E0-FAB8-4246-AEF8-1110C4094D7D}" type="datetimeFigureOut">
+              <a:rPr kumimoji="1" lang="zh-CN" altLang="en-US" smtClean="0"/>
+              <a:t>2018/11/28</a:t>
+            </a:fld>
+            <a:endParaRPr kumimoji="1" lang="zh-CN" altLang="en-US"/>
+          </a:p>
+        </p:txBody>
+      </p:sp>
+      <p:sp>
+        <p:nvSpPr>
+          <p:cNvPr id="4" name="幻灯片图像占位符 3"/>
+          <p:cNvSpPr>
+            <a:spLocks noGrp="1" noRot="1" noChangeAspect="1"/>
+          </p:cNvSpPr>
+          <p:nvPr>
+            <p:ph type="sldImg" idx="2"/>
+          </p:nvPr>
+        </p:nvSpPr>
+        <p:spPr>
+          <a:xfrm>
+            <a:off x="685800" y="1143000"/>
+            <a:ext cx="5486400" cy="3086100"/>
+          </a:xfrm>
+          <a:prstGeom prst="rect">
+            <a:avLst/>
+          </a:prstGeom>
+          <a:noFill/>
+          <a:ln w="12700">
+            <a:solidFill>
+              <a:prstClr val="black"/>
+            </a:solidFill>
+          </a:ln>
+        </p:spPr>
+        <p:txBody>
+          <a:bodyPr vert="horz" lIns="91440" tIns="45720" rIns="91440" bIns="45720" rtlCol="0" anchor="ctr"/>
+          <a:lstStyle/>
+          <a:p>
+            <a:endParaRPr lang="zh-CN" altLang="en-US"/>
+          </a:p>
+        </p:txBody>
+      </p:sp>
+      <p:sp>
+        <p:nvSpPr>
+          <p:cNvPr id="5" name="备注占位符 4"/>
+          <p:cNvSpPr>
+            <a:spLocks noGrp="1"/>
+          </p:cNvSpPr>
+          <p:nvPr>
+            <p:ph type="body" sz="quarter" idx="3"/>
+          </p:nvPr>
+        </p:nvSpPr>
+        <p:spPr>
+          <a:xfrm>
+            <a:off x="685800" y="4400550"/>
+            <a:ext cx="5486400" cy="3600450"/>
+          </a:xfrm>
+          <a:prstGeom prst="rect">
+            <a:avLst/>
+          </a:prstGeom>
+        </p:spPr>
+        <p:txBody>
+          <a:bodyPr vert="horz" lIns="91440" tIns="45720" rIns="91440" bIns="45720" rtlCol="0"/>
+          <a:lstStyle/>
+          <a:p>
+            <a:pPr lvl="0"/>
+            <a:r>
+              <a:rPr kumimoji="1" lang="zh-CN" altLang="en-US" smtClean="0"/>
+              <a:t>单击此处编辑母版文本样式</a:t>
+            </a:r>
+          </a:p>
+          <a:p>
+            <a:pPr lvl="1"/>
+            <a:r>
+              <a:rPr kumimoji="1" lang="zh-CN" altLang="en-US" smtClean="0"/>
+              <a:t>二级</a:t>
+            </a:r>
+          </a:p>
+          <a:p>
+            <a:pPr lvl="2"/>
+            <a:r>
+              <a:rPr kumimoji="1" lang="zh-CN" altLang="en-US" smtClean="0"/>
+              <a:t>三级</a:t>
+            </a:r>
+          </a:p>
+          <a:p>
+            <a:pPr lvl="3"/>
+            <a:r>
+              <a:rPr kumimoji="1" lang="zh-CN" altLang="en-US" smtClean="0"/>
+              <a:t>四级</a:t>
+            </a:r>
+          </a:p>
+          <a:p>
+            <a:pPr lvl="4"/>
+            <a:r>
+              <a:rPr kumimoji="1" lang="zh-CN" altLang="en-US" smtClean="0"/>
+              <a:t>五级</a:t>
+            </a:r>
+            <a:endParaRPr kumimoji="1" lang="zh-CN" altLang="en-US"/>
+          </a:p>
+        </p:txBody>
+      </p:sp>
+      <p:sp>
+        <p:nvSpPr>
+          <p:cNvPr id="6" name="页脚占位符 5"/>
+          <p:cNvSpPr>
+            <a:spLocks noGrp="1"/>
+          </p:cNvSpPr>
+          <p:nvPr>
+            <p:ph type="ftr" sz="quarter" idx="4"/>
+          </p:nvPr>
+        </p:nvSpPr>
+        <p:spPr>
+          <a:xfrm>
+            <a:off x="0" y="8685213"/>
+            <a:ext cx="2971800" cy="458787"/>
+          </a:xfrm>
+          <a:prstGeom prst="rect">
+            <a:avLst/>
+          </a:prstGeom>
+        </p:spPr>
+        <p:txBody>
+          <a:bodyPr vert="horz" lIns="91440" tIns="45720" rIns="91440" bIns="45720" rtlCol="0" anchor="b"/>
+          <a:lstStyle>
+            <a:lvl1pPr algn="l">
+              <a:defRPr sz="1200"/>
+            </a:lvl1pPr>
+          </a:lstStyle>
+          <a:p>
+            <a:endParaRPr kumimoji="1" lang="zh-CN" altLang="en-US"/>
+          </a:p>
+        </p:txBody>
+      </p:sp>
+      <p:sp>
+        <p:nvSpPr>
+          <p:cNvPr id="7" name="幻灯片编号占位符 6"/>
+          <p:cNvSpPr>
+            <a:spLocks noGrp="1"/>
+          </p:cNvSpPr>
+          <p:nvPr>
+            <p:ph type="sldNum" sz="quarter" idx="5"/>
+          </p:nvPr>
+        </p:nvSpPr>
+        <p:spPr>
+          <a:xfrm>
+            <a:off x="3884613" y="8685213"/>
+            <a:ext cx="2971800" cy="458787"/>
+          </a:xfrm>
+          <a:prstGeom prst="rect">
+            <a:avLst/>
+          </a:prstGeom>
+        </p:spPr>
+        <p:txBody>
+          <a:bodyPr vert="horz" lIns="91440" tIns="45720" rIns="91440" bIns="45720" rtlCol="0" anchor="b"/>
+          <a:lstStyle>
+            <a:lvl1pPr algn="r">
+              <a:defRPr sz="1200"/>
+            </a:lvl1pPr>
+          </a:lstStyle>
+          <a:p>
+            <a:fld id="{760FE355-BD4A-7B4B-B3DC-3FAC407D5D0A}" type="slidenum">
+              <a:rPr kumimoji="1" lang="zh-CN" altLang="en-US" smtClean="0"/>
+              <a:t>‹#›</a:t>
+            </a:fld>
+            <a:endParaRPr kumimoji="1" lang="zh-CN" altLang="en-US"/>
+          </a:p>
+        </p:txBody>
+      </p:sp>
+    </p:spTree>
+    <p:extLst>
+      <p:ext uri="{BB962C8B-B14F-4D97-AF65-F5344CB8AC3E}">
+        <p14:creationId xmlns:p14="http://schemas.microsoft.com/office/powerpoint/2010/main" val="1654511781"/>
+      </p:ext>
+    </p:extLst>
+  </p:cSld>
+  <p:clrMap bg1="lt1" tx1="dk1" bg2="lt2" tx2="dk2" accent1="accent1" accent2="accent2" accent3="accent3" accent4="accent4" accent5="accent5" accent6="accent6" hlink="hlink" folHlink="folHlink"/>
+  <p:notesStyle>
+    <a:lvl1pPr marL="0" algn="l" defTabSz="914400" rtl="0" eaLnBrk="1" latinLnBrk="0" hangingPunct="1">
+      <a:defRPr sz="1200" kern="1200">
+        <a:solidFill>
+          <a:schemeClr val="tx1"/>
+        </a:solidFill>
+        <a:latin typeface="+mn-lt"/>
+        <a:ea typeface="+mn-ea"/>
+        <a:cs typeface="+mn-cs"/>
+      </a:defRPr>
+    </a:lvl1pPr>
+    <a:lvl2pPr marL="457200" algn="l" defTabSz="914400" rtl="0" eaLnBrk="1" latinLnBrk="0" hangingPunct="1">
+      <a:defRPr sz="1200" kern="1200">
+        <a:solidFill>
+          <a:schemeClr val="tx1"/>
+        </a:solidFill>
+        <a:latin typeface="+mn-lt"/>
+        <a:ea typeface="+mn-ea"/>
+        <a:cs typeface="+mn-cs"/>
+      </a:defRPr>
+    </a:lvl2pPr>
+    <a:lvl3pPr marL="914400" algn="l" defTabSz="914400" rtl="0" eaLnBrk="1" latinLnBrk="0" hangingPunct="1">
+      <a:defRPr sz="1200" kern="1200">
+        <a:solidFill>
+          <a:schemeClr val="tx1"/>
+        </a:solidFill>
+        <a:latin typeface="+mn-lt"/>
+        <a:ea typeface="+mn-ea"/>
+        <a:cs typeface="+mn-cs"/>
+      </a:defRPr>
+    </a:lvl3pPr>
+    <a:lvl4pPr marL="1371600" algn="l" defTabSz="914400" rtl="0" eaLnBrk="1" latinLnBrk="0" hangingPunct="1">
+      <a:defRPr sz="1200" kern="1200">
+        <a:solidFill>
+          <a:schemeClr val="tx1"/>
+        </a:solidFill>
+        <a:latin typeface="+mn-lt"/>
+        <a:ea typeface="+mn-ea"/>
+        <a:cs typeface="+mn-cs"/>
+      </a:defRPr>
+    </a:lvl4pPr>
+    <a:lvl5pPr marL="1828800" algn="l" defTabSz="914400" rtl="0" eaLnBrk="1" latinLnBrk="0" hangingPunct="1">
+      <a:defRPr sz="1200" kern="1200">
+        <a:solidFill>
+          <a:schemeClr val="tx1"/>
+        </a:solidFill>
+        <a:latin typeface="+mn-lt"/>
+        <a:ea typeface="+mn-ea"/>
+        <a:cs typeface="+mn-cs"/>
+      </a:defRPr>
+    </a:lvl5pPr>
+    <a:lvl6pPr marL="2286000" algn="l" defTabSz="914400" rtl="0" eaLnBrk="1" latinLnBrk="0" hangingPunct="1">
+      <a:defRPr sz="1200" kern="1200">
+        <a:solidFill>
+          <a:schemeClr val="tx1"/>
+        </a:solidFill>
+        <a:latin typeface="+mn-lt"/>
+        <a:ea typeface="+mn-ea"/>
+        <a:cs typeface="+mn-cs"/>
+      </a:defRPr>
+    </a:lvl6pPr>
+    <a:lvl7pPr marL="2743200" algn="l" defTabSz="914400" rtl="0" eaLnBrk="1" latinLnBrk="0" hangingPunct="1">
+      <a:defRPr sz="1200" kern="1200">
+        <a:solidFill>
+          <a:schemeClr val="tx1"/>
+        </a:solidFill>
+        <a:latin typeface="+mn-lt"/>
+        <a:ea typeface="+mn-ea"/>
+        <a:cs typeface="+mn-cs"/>
+      </a:defRPr>
+    </a:lvl7pPr>
+    <a:lvl8pPr marL="3200400" algn="l" defTabSz="914400" rtl="0" eaLnBrk="1" latinLnBrk="0" hangingPunct="1">
+      <a:defRPr sz="1200" kern="1200">
+        <a:solidFill>
+          <a:schemeClr val="tx1"/>
+        </a:solidFill>
+        <a:latin typeface="+mn-lt"/>
+        <a:ea typeface="+mn-ea"/>
+        <a:cs typeface="+mn-cs"/>
+      </a:defRPr>
+    </a:lvl8pPr>
+    <a:lvl9pPr marL="3657600" algn="l" defTabSz="914400" rtl="0" eaLnBrk="1" latinLnBrk="0" hangingPunct="1">
+      <a:defRPr sz="1200" kern="1200">
+        <a:solidFill>
+          <a:schemeClr val="tx1"/>
+        </a:solidFill>
+        <a:latin typeface="+mn-lt"/>
+        <a:ea typeface="+mn-ea"/>
+        <a:cs typeface="+mn-cs"/>
+      </a:defRPr>
+    </a:lvl9pPr>
+  </p:notesStyle>
+</p:notesMaster>
+</file>
+
+<file path=ppt/notesSlides/notesSlide1.xml><?xml version="1.0" encoding="utf-8"?>
+<p:notes xmlns:a="http://schemas.openxmlformats.org/drawingml/2006/main" xmlns:r="http://schemas.openxmlformats.org/officeDocument/2006/relationships" xmlns:p="http://schemas.openxmlformats.org/presentationml/2006/main">
+  <p:cSld>
+    <p:spTree>
+      <p:nvGrpSpPr>
+        <p:cNvPr id="1" name=""/>
+        <p:cNvGrpSpPr/>
+        <p:nvPr/>
+      </p:nvGrpSpPr>
+      <p:grpSpPr>
+        <a:xfrm>
+          <a:off x="0" y="0"/>
+          <a:ext cx="0" cy="0"/>
+          <a:chOff x="0" y="0"/>
+          <a:chExt cx="0" cy="0"/>
+        </a:xfrm>
+      </p:grpSpPr>
+      <p:sp>
+        <p:nvSpPr>
+          <p:cNvPr id="2" name="幻灯片图像占位符 1"/>
+          <p:cNvSpPr>
+            <a:spLocks noGrp="1" noRot="1" noChangeAspect="1"/>
+          </p:cNvSpPr>
+          <p:nvPr>
+            <p:ph type="sldImg"/>
+          </p:nvPr>
+        </p:nvSpPr>
+        <p:spPr/>
+      </p:sp>
+      <p:sp>
+        <p:nvSpPr>
+          <p:cNvPr id="3" name="备注占位符 2"/>
+          <p:cNvSpPr>
+            <a:spLocks noGrp="1"/>
+          </p:cNvSpPr>
+          <p:nvPr>
+            <p:ph type="body" idx="1"/>
+          </p:nvPr>
+        </p:nvSpPr>
+        <p:spPr/>
+        <p:txBody>
+          <a:bodyPr/>
+          <a:lstStyle/>
+          <a:p>
+            <a:endParaRPr kumimoji="1" lang="zh-CN" altLang="en-US"/>
+          </a:p>
+        </p:txBody>
+      </p:sp>
+      <p:sp>
+        <p:nvSpPr>
+          <p:cNvPr id="4" name="幻灯片编号占位符 3"/>
+          <p:cNvSpPr>
+            <a:spLocks noGrp="1"/>
+          </p:cNvSpPr>
+          <p:nvPr>
+            <p:ph type="sldNum" sz="quarter" idx="10"/>
+          </p:nvPr>
+        </p:nvSpPr>
+        <p:spPr/>
+        <p:txBody>
+          <a:bodyPr/>
+          <a:lstStyle/>
+          <a:p>
+            <a:fld id="{760FE355-BD4A-7B4B-B3DC-3FAC407D5D0A}" type="slidenum">
+              <a:rPr kumimoji="1" lang="zh-CN" altLang="en-US" smtClean="0"/>
+              <a:t>3</a:t>
+            </a:fld>
+            <a:endParaRPr kumimoji="1" lang="zh-CN" altLang="en-US"/>
+          </a:p>
+        </p:txBody>
+      </p:sp>
+    </p:spTree>
+    <p:extLst>
+      <p:ext uri="{BB962C8B-B14F-4D97-AF65-F5344CB8AC3E}">
+        <p14:creationId xmlns:p14="http://schemas.microsoft.com/office/powerpoint/2010/main" val="347289094"/>
+      </p:ext>
+    </p:extLst>
+  </p:cSld>
+  <p:clrMapOvr>
+    <a:masterClrMapping/>
+  </p:clrMapOvr>
+</p:notes>
+</file>
+
+<file path=ppt/notesSlides/notesSlide2.xml><?xml version="1.0" encoding="utf-8"?>
+<p:notes xmlns:a="http://schemas.openxmlformats.org/drawingml/2006/main" xmlns:r="http://schemas.openxmlformats.org/officeDocument/2006/relationships" xmlns:p="http://schemas.openxmlformats.org/presentationml/2006/main">
+  <p:cSld>
+    <p:spTree>
+      <p:nvGrpSpPr>
+        <p:cNvPr id="1" name=""/>
+        <p:cNvGrpSpPr/>
+        <p:nvPr/>
+      </p:nvGrpSpPr>
+      <p:grpSpPr>
+        <a:xfrm>
+          <a:off x="0" y="0"/>
+          <a:ext cx="0" cy="0"/>
+          <a:chOff x="0" y="0"/>
+          <a:chExt cx="0" cy="0"/>
+        </a:xfrm>
+      </p:grpSpPr>
+      <p:sp>
+        <p:nvSpPr>
+          <p:cNvPr id="2" name="幻灯片图像占位符 1"/>
+          <p:cNvSpPr>
+            <a:spLocks noGrp="1" noRot="1" noChangeAspect="1"/>
+          </p:cNvSpPr>
+          <p:nvPr>
+            <p:ph type="sldImg"/>
+          </p:nvPr>
+        </p:nvSpPr>
+        <p:spPr/>
+      </p:sp>
+      <p:sp>
+        <p:nvSpPr>
+          <p:cNvPr id="3" name="备注占位符 2"/>
+          <p:cNvSpPr>
+            <a:spLocks noGrp="1"/>
+          </p:cNvSpPr>
+          <p:nvPr>
+            <p:ph type="body" idx="1"/>
+          </p:nvPr>
+        </p:nvSpPr>
+        <p:spPr/>
+        <p:txBody>
+          <a:bodyPr/>
+          <a:lstStyle/>
+          <a:p>
+            <a:endParaRPr kumimoji="1" lang="zh-CN" altLang="en-US"/>
+          </a:p>
+        </p:txBody>
+      </p:sp>
+      <p:sp>
+        <p:nvSpPr>
+          <p:cNvPr id="4" name="幻灯片编号占位符 3"/>
+          <p:cNvSpPr>
+            <a:spLocks noGrp="1"/>
+          </p:cNvSpPr>
+          <p:nvPr>
+            <p:ph type="sldNum" sz="quarter" idx="10"/>
+          </p:nvPr>
+        </p:nvSpPr>
+        <p:spPr/>
+        <p:txBody>
+          <a:bodyPr/>
+          <a:lstStyle/>
+          <a:p>
+            <a:fld id="{760FE355-BD4A-7B4B-B3DC-3FAC407D5D0A}" type="slidenum">
+              <a:rPr kumimoji="1" lang="zh-CN" altLang="en-US" smtClean="0"/>
+              <a:t>4</a:t>
+            </a:fld>
+            <a:endParaRPr kumimoji="1" lang="zh-CN" altLang="en-US"/>
+          </a:p>
+        </p:txBody>
+      </p:sp>
+    </p:spTree>
+    <p:extLst>
+      <p:ext uri="{BB962C8B-B14F-4D97-AF65-F5344CB8AC3E}">
+        <p14:creationId xmlns:p14="http://schemas.microsoft.com/office/powerpoint/2010/main" val="1734011270"/>
+      </p:ext>
+    </p:extLst>
+  </p:cSld>
+  <p:clrMapOvr>
+    <a:masterClrMapping/>
+  </p:clrMapOvr>
+</p:notes>
+</file>
+
+<file path=ppt/notesSlides/notesSlide3.xml><?xml version="1.0" encoding="utf-8"?>
+<p:notes xmlns:a="http://schemas.openxmlformats.org/drawingml/2006/main" xmlns:r="http://schemas.openxmlformats.org/officeDocument/2006/relationships" xmlns:p="http://schemas.openxmlformats.org/presentationml/2006/main">
+  <p:cSld>
+    <p:spTree>
+      <p:nvGrpSpPr>
+        <p:cNvPr id="1" name=""/>
+        <p:cNvGrpSpPr/>
+        <p:nvPr/>
+      </p:nvGrpSpPr>
+      <p:grpSpPr>
+        <a:xfrm>
+          <a:off x="0" y="0"/>
+          <a:ext cx="0" cy="0"/>
+          <a:chOff x="0" y="0"/>
+          <a:chExt cx="0" cy="0"/>
+        </a:xfrm>
+      </p:grpSpPr>
+      <p:sp>
+        <p:nvSpPr>
+          <p:cNvPr id="2" name="幻灯片图像占位符 1"/>
+          <p:cNvSpPr>
+            <a:spLocks noGrp="1" noRot="1" noChangeAspect="1"/>
+          </p:cNvSpPr>
+          <p:nvPr>
+            <p:ph type="sldImg"/>
+          </p:nvPr>
+        </p:nvSpPr>
+        <p:spPr/>
+      </p:sp>
+      <p:sp>
+        <p:nvSpPr>
+          <p:cNvPr id="3" name="备注占位符 2"/>
+          <p:cNvSpPr>
+            <a:spLocks noGrp="1"/>
+          </p:cNvSpPr>
+          <p:nvPr>
+            <p:ph type="body" idx="1"/>
+          </p:nvPr>
+        </p:nvSpPr>
+        <p:spPr/>
+        <p:txBody>
+          <a:bodyPr/>
+          <a:lstStyle/>
+          <a:p>
+            <a:endParaRPr kumimoji="1" lang="zh-CN" altLang="en-US"/>
+          </a:p>
+        </p:txBody>
+      </p:sp>
+      <p:sp>
+        <p:nvSpPr>
+          <p:cNvPr id="4" name="幻灯片编号占位符 3"/>
+          <p:cNvSpPr>
+            <a:spLocks noGrp="1"/>
+          </p:cNvSpPr>
+          <p:nvPr>
+            <p:ph type="sldNum" sz="quarter" idx="10"/>
+          </p:nvPr>
+        </p:nvSpPr>
+        <p:spPr/>
+        <p:txBody>
+          <a:bodyPr/>
+          <a:lstStyle/>
+          <a:p>
+            <a:fld id="{760FE355-BD4A-7B4B-B3DC-3FAC407D5D0A}" type="slidenum">
+              <a:rPr kumimoji="1" lang="zh-CN" altLang="en-US" smtClean="0"/>
+              <a:t>5</a:t>
+            </a:fld>
+            <a:endParaRPr kumimoji="1" lang="zh-CN" altLang="en-US"/>
+          </a:p>
+        </p:txBody>
+      </p:sp>
+    </p:spTree>
+    <p:extLst>
+      <p:ext uri="{BB962C8B-B14F-4D97-AF65-F5344CB8AC3E}">
+        <p14:creationId xmlns:p14="http://schemas.microsoft.com/office/powerpoint/2010/main" val="397168179"/>
+      </p:ext>
+    </p:extLst>
+  </p:cSld>
+  <p:clrMapOvr>
+    <a:masterClrMapping/>
+  </p:clrMapOvr>
+</p:notes>
+</file>
+
+<file path=ppt/notesSlides/notesSlide4.xml><?xml version="1.0" encoding="utf-8"?>
+<p:notes xmlns:a="http://schemas.openxmlformats.org/drawingml/2006/main" xmlns:r="http://schemas.openxmlformats.org/officeDocument/2006/relationships" xmlns:p="http://schemas.openxmlformats.org/presentationml/2006/main">
+  <p:cSld>
+    <p:spTree>
+      <p:nvGrpSpPr>
+        <p:cNvPr id="1" name=""/>
+        <p:cNvGrpSpPr/>
+        <p:nvPr/>
+      </p:nvGrpSpPr>
+      <p:grpSpPr>
+        <a:xfrm>
+          <a:off x="0" y="0"/>
+          <a:ext cx="0" cy="0"/>
+          <a:chOff x="0" y="0"/>
+          <a:chExt cx="0" cy="0"/>
+        </a:xfrm>
+      </p:grpSpPr>
+      <p:sp>
+        <p:nvSpPr>
+          <p:cNvPr id="2" name="幻灯片图像占位符 1"/>
+          <p:cNvSpPr>
+            <a:spLocks noGrp="1" noRot="1" noChangeAspect="1"/>
+          </p:cNvSpPr>
+          <p:nvPr>
+            <p:ph type="sldImg"/>
+          </p:nvPr>
+        </p:nvSpPr>
+        <p:spPr/>
+      </p:sp>
+      <p:sp>
+        <p:nvSpPr>
+          <p:cNvPr id="3" name="备注占位符 2"/>
+          <p:cNvSpPr>
+            <a:spLocks noGrp="1"/>
+          </p:cNvSpPr>
+          <p:nvPr>
+            <p:ph type="body" idx="1"/>
+          </p:nvPr>
+        </p:nvSpPr>
+        <p:spPr/>
+        <p:txBody>
+          <a:bodyPr/>
+          <a:lstStyle/>
+          <a:p>
+            <a:endParaRPr kumimoji="1" lang="zh-CN" altLang="en-US"/>
+          </a:p>
+        </p:txBody>
+      </p:sp>
+      <p:sp>
+        <p:nvSpPr>
+          <p:cNvPr id="4" name="幻灯片编号占位符 3"/>
+          <p:cNvSpPr>
+            <a:spLocks noGrp="1"/>
+          </p:cNvSpPr>
+          <p:nvPr>
+            <p:ph type="sldNum" sz="quarter" idx="10"/>
+          </p:nvPr>
+        </p:nvSpPr>
+        <p:spPr/>
+        <p:txBody>
+          <a:bodyPr/>
+          <a:lstStyle/>
+          <a:p>
+            <a:fld id="{760FE355-BD4A-7B4B-B3DC-3FAC407D5D0A}" type="slidenum">
+              <a:rPr kumimoji="1" lang="zh-CN" altLang="en-US" smtClean="0"/>
+              <a:t>8</a:t>
+            </a:fld>
+            <a:endParaRPr kumimoji="1" lang="zh-CN" altLang="en-US"/>
+          </a:p>
+        </p:txBody>
+      </p:sp>
+    </p:spTree>
+    <p:extLst>
+      <p:ext uri="{BB962C8B-B14F-4D97-AF65-F5344CB8AC3E}">
+        <p14:creationId xmlns:p14="http://schemas.microsoft.com/office/powerpoint/2010/main" val="71687979"/>
+      </p:ext>
+    </p:extLst>
+  </p:cSld>
+  <p:clrMapOvr>
+    <a:masterClrMapping/>
+  </p:clrMapOvr>
+</p:notes>
+</file>
+
+<file path=ppt/notesSlides/notesSlide5.xml><?xml version="1.0" encoding="utf-8"?>
+<p:notes xmlns:a="http://schemas.openxmlformats.org/drawingml/2006/main" xmlns:r="http://schemas.openxmlformats.org/officeDocument/2006/relationships" xmlns:p="http://schemas.openxmlformats.org/presentationml/2006/main">
+  <p:cSld>
+    <p:spTree>
+      <p:nvGrpSpPr>
+        <p:cNvPr id="1" name=""/>
+        <p:cNvGrpSpPr/>
+        <p:nvPr/>
+      </p:nvGrpSpPr>
+      <p:grpSpPr>
+        <a:xfrm>
+          <a:off x="0" y="0"/>
+          <a:ext cx="0" cy="0"/>
+          <a:chOff x="0" y="0"/>
+          <a:chExt cx="0" cy="0"/>
+        </a:xfrm>
+      </p:grpSpPr>
+      <p:sp>
+        <p:nvSpPr>
+          <p:cNvPr id="2" name="幻灯片图像占位符 1"/>
+          <p:cNvSpPr>
+            <a:spLocks noGrp="1" noRot="1" noChangeAspect="1"/>
+          </p:cNvSpPr>
+          <p:nvPr>
+            <p:ph type="sldImg"/>
+          </p:nvPr>
+        </p:nvSpPr>
+        <p:spPr/>
+      </p:sp>
+      <p:sp>
+        <p:nvSpPr>
+          <p:cNvPr id="3" name="备注占位符 2"/>
+          <p:cNvSpPr>
+            <a:spLocks noGrp="1"/>
+          </p:cNvSpPr>
+          <p:nvPr>
+            <p:ph type="body" idx="1"/>
+          </p:nvPr>
+        </p:nvSpPr>
+        <p:spPr/>
+        <p:txBody>
+          <a:bodyPr/>
+          <a:lstStyle/>
+          <a:p>
+            <a:endParaRPr kumimoji="1" lang="zh-CN" altLang="en-US"/>
+          </a:p>
+        </p:txBody>
+      </p:sp>
+      <p:sp>
+        <p:nvSpPr>
+          <p:cNvPr id="4" name="幻灯片编号占位符 3"/>
+          <p:cNvSpPr>
+            <a:spLocks noGrp="1"/>
+          </p:cNvSpPr>
+          <p:nvPr>
+            <p:ph type="sldNum" sz="quarter" idx="10"/>
+          </p:nvPr>
+        </p:nvSpPr>
+        <p:spPr/>
+        <p:txBody>
+          <a:bodyPr/>
+          <a:lstStyle/>
+          <a:p>
+            <a:fld id="{760FE355-BD4A-7B4B-B3DC-3FAC407D5D0A}" type="slidenum">
+              <a:rPr kumimoji="1" lang="zh-CN" altLang="en-US" smtClean="0"/>
+              <a:t>9</a:t>
+            </a:fld>
+            <a:endParaRPr kumimoji="1" lang="zh-CN" altLang="en-US"/>
+          </a:p>
+        </p:txBody>
+      </p:sp>
+    </p:spTree>
+    <p:extLst>
+      <p:ext uri="{BB962C8B-B14F-4D97-AF65-F5344CB8AC3E}">
+        <p14:creationId xmlns:p14="http://schemas.microsoft.com/office/powerpoint/2010/main" val="416856105"/>
+      </p:ext>
+    </p:extLst>
+  </p:cSld>
+  <p:clrMapOvr>
+    <a:masterClrMapping/>
+  </p:clrMapOvr>
+</p:notes>
+</file>
+
+<file path=ppt/notesSlides/notesSlide6.xml><?xml version="1.0" encoding="utf-8"?>
+<p:notes xmlns:a="http://schemas.openxmlformats.org/drawingml/2006/main" xmlns:r="http://schemas.openxmlformats.org/officeDocument/2006/relationships" xmlns:p="http://schemas.openxmlformats.org/presentationml/2006/main">
+  <p:cSld>
+    <p:spTree>
+      <p:nvGrpSpPr>
+        <p:cNvPr id="1" name=""/>
+        <p:cNvGrpSpPr/>
+        <p:nvPr/>
+      </p:nvGrpSpPr>
+      <p:grpSpPr>
+        <a:xfrm>
+          <a:off x="0" y="0"/>
+          <a:ext cx="0" cy="0"/>
+          <a:chOff x="0" y="0"/>
+          <a:chExt cx="0" cy="0"/>
+        </a:xfrm>
+      </p:grpSpPr>
+      <p:sp>
+        <p:nvSpPr>
+          <p:cNvPr id="2" name="幻灯片图像占位符 1"/>
+          <p:cNvSpPr>
+            <a:spLocks noGrp="1" noRot="1" noChangeAspect="1"/>
+          </p:cNvSpPr>
+          <p:nvPr>
+            <p:ph type="sldImg"/>
+          </p:nvPr>
+        </p:nvSpPr>
+        <p:spPr/>
+      </p:sp>
+      <p:sp>
+        <p:nvSpPr>
+          <p:cNvPr id="3" name="备注占位符 2"/>
+          <p:cNvSpPr>
+            <a:spLocks noGrp="1"/>
+          </p:cNvSpPr>
+          <p:nvPr>
+            <p:ph type="body" idx="1"/>
+          </p:nvPr>
+        </p:nvSpPr>
+        <p:spPr/>
+        <p:txBody>
+          <a:bodyPr/>
+          <a:lstStyle/>
+          <a:p>
+            <a:endParaRPr kumimoji="1" lang="zh-CN" altLang="en-US"/>
+          </a:p>
+        </p:txBody>
+      </p:sp>
+      <p:sp>
+        <p:nvSpPr>
+          <p:cNvPr id="4" name="幻灯片编号占位符 3"/>
+          <p:cNvSpPr>
+            <a:spLocks noGrp="1"/>
+          </p:cNvSpPr>
+          <p:nvPr>
+            <p:ph type="sldNum" sz="quarter" idx="10"/>
+          </p:nvPr>
+        </p:nvSpPr>
+        <p:spPr/>
+        <p:txBody>
+          <a:bodyPr/>
+          <a:lstStyle/>
+          <a:p>
+            <a:fld id="{760FE355-BD4A-7B4B-B3DC-3FAC407D5D0A}" type="slidenum">
+              <a:rPr kumimoji="1" lang="zh-CN" altLang="en-US" smtClean="0"/>
+              <a:t>12</a:t>
+            </a:fld>
+            <a:endParaRPr kumimoji="1" lang="zh-CN" altLang="en-US"/>
+          </a:p>
+        </p:txBody>
+      </p:sp>
+    </p:spTree>
+    <p:extLst>
+      <p:ext uri="{BB962C8B-B14F-4D97-AF65-F5344CB8AC3E}">
+        <p14:creationId xmlns:p14="http://schemas.microsoft.com/office/powerpoint/2010/main" val="1468182706"/>
+      </p:ext>
+    </p:extLst>
+  </p:cSld>
+  <p:clrMapOvr>
+    <a:masterClrMapping/>
+  </p:clrMapOvr>
+</p:notes>
+</file>
+
 <file path=ppt/slideLayouts/slideLayout1.xml><?xml version="1.0" encoding="utf-8"?>
 <p:sldLayout xmlns:a="http://schemas.openxmlformats.org/drawingml/2006/main" xmlns:r="http://schemas.openxmlformats.org/officeDocument/2006/relationships" xmlns:p="http://schemas.openxmlformats.org/presentationml/2006/main" type="title" preserve="1">
   <p:cSld name="标题幻灯片">
@@ -244,7 +1118,7 @@
           <a:bodyPr/>
           <a:lstStyle/>
           <a:p>
-            <a:fld id="{EB94F83C-ABB6-4246-9292-BD7BF46E310A}" type="datetimeFigureOut">
+            <a:fld id="{087B97D4-6D46-1041-A1ED-3FE8E497FF2E}" type="datetime1">
               <a:rPr lang="zh-CN" altLang="en-US" smtClean="0"/>
               <a:t>2018/11/28</a:t>
             </a:fld>
@@ -267,6 +1141,10 @@
           <a:bodyPr/>
           <a:lstStyle/>
           <a:p>
+            <a:r>
+              <a:rPr lang="en-US" altLang="zh-CN" smtClean="0"/>
+              <a:t>PACLIC 32 Semantics</a:t>
+            </a:r>
             <a:endParaRPr lang="zh-CN" altLang="en-US"/>
           </a:p>
         </p:txBody>
@@ -414,7 +1292,7 @@
           <a:bodyPr/>
           <a:lstStyle/>
           <a:p>
-            <a:fld id="{EB94F83C-ABB6-4246-9292-BD7BF46E310A}" type="datetimeFigureOut">
+            <a:fld id="{EDA4597C-DE04-DB47-A3B9-843CAE209316}" type="datetime1">
               <a:rPr lang="zh-CN" altLang="en-US" smtClean="0"/>
               <a:t>2018/11/28</a:t>
             </a:fld>
@@ -437,6 +1315,10 @@
           <a:bodyPr/>
           <a:lstStyle/>
           <a:p>
+            <a:r>
+              <a:rPr lang="en-US" altLang="zh-CN" smtClean="0"/>
+              <a:t>PACLIC 32 Semantics</a:t>
+            </a:r>
             <a:endParaRPr lang="zh-CN" altLang="en-US"/>
           </a:p>
         </p:txBody>
@@ -594,7 +1476,7 @@
           <a:bodyPr/>
           <a:lstStyle/>
           <a:p>
-            <a:fld id="{EB94F83C-ABB6-4246-9292-BD7BF46E310A}" type="datetimeFigureOut">
+            <a:fld id="{03BF8CCC-CA5F-2948-92F3-3438F4C28F53}" type="datetime1">
               <a:rPr lang="zh-CN" altLang="en-US" smtClean="0"/>
               <a:t>2018/11/28</a:t>
             </a:fld>
@@ -617,6 +1499,10 @@
           <a:bodyPr/>
           <a:lstStyle/>
           <a:p>
+            <a:r>
+              <a:rPr lang="en-US" altLang="zh-CN" smtClean="0"/>
+              <a:t>PACLIC 32 Semantics</a:t>
+            </a:r>
             <a:endParaRPr lang="zh-CN" altLang="en-US"/>
           </a:p>
         </p:txBody>
@@ -764,7 +1650,7 @@
           <a:bodyPr/>
           <a:lstStyle/>
           <a:p>
-            <a:fld id="{EB94F83C-ABB6-4246-9292-BD7BF46E310A}" type="datetimeFigureOut">
+            <a:fld id="{63AD52B7-210F-6740-ADE8-C5857A2B016F}" type="datetime1">
               <a:rPr lang="zh-CN" altLang="en-US" smtClean="0"/>
               <a:t>2018/11/28</a:t>
             </a:fld>
@@ -787,6 +1673,10 @@
           <a:bodyPr/>
           <a:lstStyle/>
           <a:p>
+            <a:r>
+              <a:rPr lang="en-US" altLang="zh-CN" smtClean="0"/>
+              <a:t>PACLIC 32 Semantics</a:t>
+            </a:r>
             <a:endParaRPr lang="zh-CN" altLang="en-US"/>
           </a:p>
         </p:txBody>
@@ -1010,7 +1900,7 @@
           <a:bodyPr/>
           <a:lstStyle/>
           <a:p>
-            <a:fld id="{EB94F83C-ABB6-4246-9292-BD7BF46E310A}" type="datetimeFigureOut">
+            <a:fld id="{E2FA8A4B-90AF-5F4B-B19E-A139D68D0A04}" type="datetime1">
               <a:rPr lang="zh-CN" altLang="en-US" smtClean="0"/>
               <a:t>2018/11/28</a:t>
             </a:fld>
@@ -1033,6 +1923,10 @@
           <a:bodyPr/>
           <a:lstStyle/>
           <a:p>
+            <a:r>
+              <a:rPr lang="en-US" altLang="zh-CN" smtClean="0"/>
+              <a:t>PACLIC 32 Semantics</a:t>
+            </a:r>
             <a:endParaRPr lang="zh-CN" altLang="en-US"/>
           </a:p>
         </p:txBody>
@@ -1242,7 +2136,7 @@
           <a:bodyPr/>
           <a:lstStyle/>
           <a:p>
-            <a:fld id="{EB94F83C-ABB6-4246-9292-BD7BF46E310A}" type="datetimeFigureOut">
+            <a:fld id="{2DDFBF8C-9210-7941-A910-9D8BB209BB02}" type="datetime1">
               <a:rPr lang="zh-CN" altLang="en-US" smtClean="0"/>
               <a:t>2018/11/28</a:t>
             </a:fld>
@@ -1265,6 +2159,10 @@
           <a:bodyPr/>
           <a:lstStyle/>
           <a:p>
+            <a:r>
+              <a:rPr lang="en-US" altLang="zh-CN" smtClean="0"/>
+              <a:t>PACLIC 32 Semantics</a:t>
+            </a:r>
             <a:endParaRPr lang="zh-CN" altLang="en-US"/>
           </a:p>
         </p:txBody>
@@ -1609,7 +2507,7 @@
           <a:bodyPr/>
           <a:lstStyle/>
           <a:p>
-            <a:fld id="{EB94F83C-ABB6-4246-9292-BD7BF46E310A}" type="datetimeFigureOut">
+            <a:fld id="{9595C46B-2BE8-5E4D-93D1-76CC6C97C1FF}" type="datetime1">
               <a:rPr lang="zh-CN" altLang="en-US" smtClean="0"/>
               <a:t>2018/11/28</a:t>
             </a:fld>
@@ -1632,6 +2530,10 @@
           <a:bodyPr/>
           <a:lstStyle/>
           <a:p>
+            <a:r>
+              <a:rPr lang="en-US" altLang="zh-CN" smtClean="0"/>
+              <a:t>PACLIC 32 Semantics</a:t>
+            </a:r>
             <a:endParaRPr lang="zh-CN" altLang="en-US"/>
           </a:p>
         </p:txBody>
@@ -1727,7 +2629,7 @@
           <a:bodyPr/>
           <a:lstStyle/>
           <a:p>
-            <a:fld id="{EB94F83C-ABB6-4246-9292-BD7BF46E310A}" type="datetimeFigureOut">
+            <a:fld id="{3CFA0E4A-BC1F-6241-A961-6A61B157A174}" type="datetime1">
               <a:rPr lang="zh-CN" altLang="en-US" smtClean="0"/>
               <a:t>2018/11/28</a:t>
             </a:fld>
@@ -1750,6 +2652,10 @@
           <a:bodyPr/>
           <a:lstStyle/>
           <a:p>
+            <a:r>
+              <a:rPr lang="en-US" altLang="zh-CN" smtClean="0"/>
+              <a:t>PACLIC 32 Semantics</a:t>
+            </a:r>
             <a:endParaRPr lang="zh-CN" altLang="en-US"/>
           </a:p>
         </p:txBody>
@@ -1822,7 +2728,7 @@
           <a:bodyPr/>
           <a:lstStyle/>
           <a:p>
-            <a:fld id="{EB94F83C-ABB6-4246-9292-BD7BF46E310A}" type="datetimeFigureOut">
+            <a:fld id="{A1819EE2-5A96-3C4A-AA3E-DF051840ECF2}" type="datetime1">
               <a:rPr lang="zh-CN" altLang="en-US" smtClean="0"/>
               <a:t>2018/11/28</a:t>
             </a:fld>
@@ -1845,6 +2751,10 @@
           <a:bodyPr/>
           <a:lstStyle/>
           <a:p>
+            <a:r>
+              <a:rPr lang="en-US" altLang="zh-CN" smtClean="0"/>
+              <a:t>PACLIC 32 Semantics</a:t>
+            </a:r>
             <a:endParaRPr lang="zh-CN" altLang="en-US"/>
           </a:p>
         </p:txBody>
@@ -2099,7 +3009,7 @@
           <a:bodyPr/>
           <a:lstStyle/>
           <a:p>
-            <a:fld id="{EB94F83C-ABB6-4246-9292-BD7BF46E310A}" type="datetimeFigureOut">
+            <a:fld id="{B361C68C-AFFF-0D4B-AF67-51F5E53B3E8B}" type="datetime1">
               <a:rPr lang="zh-CN" altLang="en-US" smtClean="0"/>
               <a:t>2018/11/28</a:t>
             </a:fld>
@@ -2122,6 +3032,10 @@
           <a:bodyPr/>
           <a:lstStyle/>
           <a:p>
+            <a:r>
+              <a:rPr lang="en-US" altLang="zh-CN" smtClean="0"/>
+              <a:t>PACLIC 32 Semantics</a:t>
+            </a:r>
             <a:endParaRPr lang="zh-CN" altLang="en-US"/>
           </a:p>
         </p:txBody>
@@ -2352,7 +3266,7 @@
           <a:bodyPr/>
           <a:lstStyle/>
           <a:p>
-            <a:fld id="{EB94F83C-ABB6-4246-9292-BD7BF46E310A}" type="datetimeFigureOut">
+            <a:fld id="{2FD2B568-BB2C-FC48-B2C6-82810E94C89A}" type="datetime1">
               <a:rPr lang="zh-CN" altLang="en-US" smtClean="0"/>
               <a:t>2018/11/28</a:t>
             </a:fld>
@@ -2375,6 +3289,10 @@
           <a:bodyPr/>
           <a:lstStyle/>
           <a:p>
+            <a:r>
+              <a:rPr lang="en-US" altLang="zh-CN" smtClean="0"/>
+              <a:t>PACLIC 32 Semantics</a:t>
+            </a:r>
             <a:endParaRPr lang="zh-CN" altLang="en-US"/>
           </a:p>
         </p:txBody>
@@ -2565,7 +3483,7 @@
             </a:lvl1pPr>
           </a:lstStyle>
           <a:p>
-            <a:fld id="{EB94F83C-ABB6-4246-9292-BD7BF46E310A}" type="datetimeFigureOut">
+            <a:fld id="{AE87C2EF-1FAB-5249-A003-EB62803EB623}" type="datetime1">
               <a:rPr lang="zh-CN" altLang="en-US" smtClean="0"/>
               <a:t>2018/11/28</a:t>
             </a:fld>
@@ -2606,6 +3524,10 @@
             </a:lvl1pPr>
           </a:lstStyle>
           <a:p>
+            <a:r>
+              <a:rPr lang="en-US" altLang="zh-CN" smtClean="0"/>
+              <a:t>PACLIC 32 Semantics</a:t>
+            </a:r>
             <a:endParaRPr lang="zh-CN" altLang="en-US"/>
           </a:p>
         </p:txBody>
@@ -2672,6 +3594,7 @@
     <p:sldLayoutId id="2147483658" r:id="rId10"/>
     <p:sldLayoutId id="2147483659" r:id="rId11"/>
   </p:sldLayoutIdLst>
+  <p:hf hdr="0" dt="0"/>
   <p:txStyles>
     <p:titleStyle>
       <a:lvl1pPr algn="l" defTabSz="914400" rtl="0" eaLnBrk="1" latinLnBrk="0" hangingPunct="1">
@@ -3085,6 +4008,52 @@
           </a:p>
         </p:txBody>
       </p:sp>
+      <p:sp>
+        <p:nvSpPr>
+          <p:cNvPr id="5" name="页脚占位符 4"/>
+          <p:cNvSpPr>
+            <a:spLocks noGrp="1"/>
+          </p:cNvSpPr>
+          <p:nvPr>
+            <p:ph type="ftr" sz="quarter" idx="11"/>
+          </p:nvPr>
+        </p:nvSpPr>
+        <p:spPr/>
+        <p:txBody>
+          <a:bodyPr/>
+          <a:lstStyle/>
+          <a:p>
+            <a:r>
+              <a:rPr lang="en-US" altLang="zh-CN" smtClean="0"/>
+              <a:t>PACLIC 32 Semantics</a:t>
+            </a:r>
+            <a:endParaRPr lang="zh-CN" altLang="en-US"/>
+          </a:p>
+        </p:txBody>
+      </p:sp>
+      <p:sp>
+        <p:nvSpPr>
+          <p:cNvPr id="6" name="幻灯片编号占位符 5"/>
+          <p:cNvSpPr>
+            <a:spLocks noGrp="1"/>
+          </p:cNvSpPr>
+          <p:nvPr>
+            <p:ph type="sldNum" sz="quarter" idx="12"/>
+          </p:nvPr>
+        </p:nvSpPr>
+        <p:spPr/>
+        <p:txBody>
+          <a:bodyPr/>
+          <a:lstStyle/>
+          <a:p>
+            <a:fld id="{3E9D6AB3-6D86-4BF2-AE34-936A8D37E25D}" type="slidenum">
+              <a:rPr lang="zh-CN" altLang="en-US" smtClean="0"/>
+              <a:t>1</a:t>
+            </a:fld>
+            <a:endParaRPr lang="zh-CN" altLang="en-US"/>
+          </a:p>
+        </p:txBody>
+      </p:sp>
     </p:spTree>
     <p:extLst>
       <p:ext uri="{BB962C8B-B14F-4D97-AF65-F5344CB8AC3E}">
@@ -3095,6 +4064,1539 @@
   <p:clrMapOvr>
     <a:masterClrMapping/>
   </p:clrMapOvr>
+  <p:timing>
+    <p:tnLst>
+      <p:par>
+        <p:cTn id="1" dur="indefinite" restart="never" nodeType="tmRoot"/>
+      </p:par>
+    </p:tnLst>
+  </p:timing>
+</p:sld>
+</file>
+
+<file path=ppt/slides/slide10.xml><?xml version="1.0" encoding="utf-8"?>
+<p:sld xmlns:a="http://schemas.openxmlformats.org/drawingml/2006/main" xmlns:r="http://schemas.openxmlformats.org/officeDocument/2006/relationships" xmlns:p="http://schemas.openxmlformats.org/presentationml/2006/main">
+  <p:cSld>
+    <p:spTree>
+      <p:nvGrpSpPr>
+        <p:cNvPr id="1" name=""/>
+        <p:cNvGrpSpPr/>
+        <p:nvPr/>
+      </p:nvGrpSpPr>
+      <p:grpSpPr>
+        <a:xfrm>
+          <a:off x="0" y="0"/>
+          <a:ext cx="0" cy="0"/>
+          <a:chOff x="0" y="0"/>
+          <a:chExt cx="0" cy="0"/>
+        </a:xfrm>
+      </p:grpSpPr>
+      <p:sp>
+        <p:nvSpPr>
+          <p:cNvPr id="2" name="标题 1"/>
+          <p:cNvSpPr>
+            <a:spLocks noGrp="1"/>
+          </p:cNvSpPr>
+          <p:nvPr>
+            <p:ph type="title"/>
+          </p:nvPr>
+        </p:nvSpPr>
+        <p:spPr/>
+        <p:txBody>
+          <a:bodyPr/>
+          <a:lstStyle/>
+          <a:p>
+            <a:pPr lvl="0"/>
+            <a:r>
+              <a:rPr lang="zh-CN" altLang="zh-CN" dirty="0"/>
+              <a:t>Basic </a:t>
+            </a:r>
+            <a:r>
+              <a:rPr lang="zh-CN" altLang="zh-CN" dirty="0" smtClean="0"/>
+              <a:t>Notions</a:t>
+            </a:r>
+            <a:endParaRPr kumimoji="1" lang="zh-CN" altLang="en-US" dirty="0"/>
+          </a:p>
+        </p:txBody>
+      </p:sp>
+      <p:sp>
+        <p:nvSpPr>
+          <p:cNvPr id="3" name="内容占位符 2"/>
+          <p:cNvSpPr>
+            <a:spLocks noGrp="1"/>
+          </p:cNvSpPr>
+          <p:nvPr>
+            <p:ph idx="1"/>
+          </p:nvPr>
+        </p:nvSpPr>
+        <p:spPr/>
+        <p:txBody>
+          <a:bodyPr/>
+          <a:lstStyle/>
+          <a:p>
+            <a:endParaRPr kumimoji="1" lang="zh-CN" altLang="en-US"/>
+          </a:p>
+        </p:txBody>
+      </p:sp>
+      <p:sp>
+        <p:nvSpPr>
+          <p:cNvPr id="4" name="页脚占位符 3"/>
+          <p:cNvSpPr>
+            <a:spLocks noGrp="1"/>
+          </p:cNvSpPr>
+          <p:nvPr>
+            <p:ph type="ftr" sz="quarter" idx="11"/>
+          </p:nvPr>
+        </p:nvSpPr>
+        <p:spPr/>
+        <p:txBody>
+          <a:bodyPr/>
+          <a:lstStyle/>
+          <a:p>
+            <a:r>
+              <a:rPr lang="en-US" altLang="zh-CN" smtClean="0"/>
+              <a:t>PACLIC 32 Semantics</a:t>
+            </a:r>
+            <a:endParaRPr lang="zh-CN" altLang="en-US"/>
+          </a:p>
+        </p:txBody>
+      </p:sp>
+      <p:sp>
+        <p:nvSpPr>
+          <p:cNvPr id="5" name="幻灯片编号占位符 4"/>
+          <p:cNvSpPr>
+            <a:spLocks noGrp="1"/>
+          </p:cNvSpPr>
+          <p:nvPr>
+            <p:ph type="sldNum" sz="quarter" idx="12"/>
+          </p:nvPr>
+        </p:nvSpPr>
+        <p:spPr/>
+        <p:txBody>
+          <a:bodyPr/>
+          <a:lstStyle/>
+          <a:p>
+            <a:fld id="{3E9D6AB3-6D86-4BF2-AE34-936A8D37E25D}" type="slidenum">
+              <a:rPr lang="zh-CN" altLang="en-US" smtClean="0"/>
+              <a:t>10</a:t>
+            </a:fld>
+            <a:endParaRPr lang="zh-CN" altLang="en-US"/>
+          </a:p>
+        </p:txBody>
+      </p:sp>
+    </p:spTree>
+    <p:extLst>
+      <p:ext uri="{BB962C8B-B14F-4D97-AF65-F5344CB8AC3E}">
+        <p14:creationId xmlns:p14="http://schemas.microsoft.com/office/powerpoint/2010/main" val="793092181"/>
+      </p:ext>
+    </p:extLst>
+  </p:cSld>
+  <p:clrMapOvr>
+    <a:masterClrMapping/>
+  </p:clrMapOvr>
+  <p:timing>
+    <p:tnLst>
+      <p:par>
+        <p:cTn id="1" dur="indefinite" restart="never" nodeType="tmRoot"/>
+      </p:par>
+    </p:tnLst>
+  </p:timing>
+</p:sld>
+</file>
+
+<file path=ppt/slides/slide11.xml><?xml version="1.0" encoding="utf-8"?>
+<p:sld xmlns:a="http://schemas.openxmlformats.org/drawingml/2006/main" xmlns:r="http://schemas.openxmlformats.org/officeDocument/2006/relationships" xmlns:p="http://schemas.openxmlformats.org/presentationml/2006/main">
+  <p:cSld>
+    <p:spTree>
+      <p:nvGrpSpPr>
+        <p:cNvPr id="1" name=""/>
+        <p:cNvGrpSpPr/>
+        <p:nvPr/>
+      </p:nvGrpSpPr>
+      <p:grpSpPr>
+        <a:xfrm>
+          <a:off x="0" y="0"/>
+          <a:ext cx="0" cy="0"/>
+          <a:chOff x="0" y="0"/>
+          <a:chExt cx="0" cy="0"/>
+        </a:xfrm>
+      </p:grpSpPr>
+      <p:sp>
+        <p:nvSpPr>
+          <p:cNvPr id="2" name="标题 1"/>
+          <p:cNvSpPr>
+            <a:spLocks noGrp="1"/>
+          </p:cNvSpPr>
+          <p:nvPr>
+            <p:ph type="title"/>
+          </p:nvPr>
+        </p:nvSpPr>
+        <p:spPr/>
+        <p:txBody>
+          <a:bodyPr/>
+          <a:lstStyle/>
+          <a:p>
+            <a:r>
+              <a:rPr lang="de-DE" altLang="zh-CN" dirty="0"/>
+              <a:t>Model </a:t>
+            </a:r>
+            <a:r>
+              <a:rPr lang="de-DE" altLang="zh-CN" dirty="0" err="1" smtClean="0"/>
+              <a:t>Architecture</a:t>
+            </a:r>
+            <a:endParaRPr kumimoji="1" lang="zh-CN" altLang="en-US" dirty="0"/>
+          </a:p>
+        </p:txBody>
+      </p:sp>
+      <p:sp>
+        <p:nvSpPr>
+          <p:cNvPr id="3" name="内容占位符 2"/>
+          <p:cNvSpPr>
+            <a:spLocks noGrp="1"/>
+          </p:cNvSpPr>
+          <p:nvPr>
+            <p:ph idx="1"/>
+          </p:nvPr>
+        </p:nvSpPr>
+        <p:spPr/>
+        <p:txBody>
+          <a:bodyPr/>
+          <a:lstStyle/>
+          <a:p>
+            <a:endParaRPr kumimoji="1" lang="zh-CN" altLang="en-US"/>
+          </a:p>
+        </p:txBody>
+      </p:sp>
+      <p:sp>
+        <p:nvSpPr>
+          <p:cNvPr id="4" name="页脚占位符 3"/>
+          <p:cNvSpPr>
+            <a:spLocks noGrp="1"/>
+          </p:cNvSpPr>
+          <p:nvPr>
+            <p:ph type="ftr" sz="quarter" idx="11"/>
+          </p:nvPr>
+        </p:nvSpPr>
+        <p:spPr/>
+        <p:txBody>
+          <a:bodyPr/>
+          <a:lstStyle/>
+          <a:p>
+            <a:r>
+              <a:rPr lang="en-US" altLang="zh-CN" smtClean="0"/>
+              <a:t>PACLIC 32 Semantics</a:t>
+            </a:r>
+            <a:endParaRPr lang="zh-CN" altLang="en-US"/>
+          </a:p>
+        </p:txBody>
+      </p:sp>
+      <p:sp>
+        <p:nvSpPr>
+          <p:cNvPr id="5" name="幻灯片编号占位符 4"/>
+          <p:cNvSpPr>
+            <a:spLocks noGrp="1"/>
+          </p:cNvSpPr>
+          <p:nvPr>
+            <p:ph type="sldNum" sz="quarter" idx="12"/>
+          </p:nvPr>
+        </p:nvSpPr>
+        <p:spPr/>
+        <p:txBody>
+          <a:bodyPr/>
+          <a:lstStyle/>
+          <a:p>
+            <a:fld id="{3E9D6AB3-6D86-4BF2-AE34-936A8D37E25D}" type="slidenum">
+              <a:rPr lang="zh-CN" altLang="en-US" smtClean="0"/>
+              <a:t>11</a:t>
+            </a:fld>
+            <a:endParaRPr lang="zh-CN" altLang="en-US"/>
+          </a:p>
+        </p:txBody>
+      </p:sp>
+    </p:spTree>
+    <p:extLst>
+      <p:ext uri="{BB962C8B-B14F-4D97-AF65-F5344CB8AC3E}">
+        <p14:creationId xmlns:p14="http://schemas.microsoft.com/office/powerpoint/2010/main" val="2050560429"/>
+      </p:ext>
+    </p:extLst>
+  </p:cSld>
+  <p:clrMapOvr>
+    <a:masterClrMapping/>
+  </p:clrMapOvr>
+  <p:timing>
+    <p:tnLst>
+      <p:par>
+        <p:cTn id="1" dur="indefinite" restart="never" nodeType="tmRoot"/>
+      </p:par>
+    </p:tnLst>
+  </p:timing>
+</p:sld>
+</file>
+
+<file path=ppt/slides/slide12.xml><?xml version="1.0" encoding="utf-8"?>
+<p:sld xmlns:a="http://schemas.openxmlformats.org/drawingml/2006/main" xmlns:r="http://schemas.openxmlformats.org/officeDocument/2006/relationships" xmlns:p="http://schemas.openxmlformats.org/presentationml/2006/main">
+  <p:cSld>
+    <p:spTree>
+      <p:nvGrpSpPr>
+        <p:cNvPr id="1" name=""/>
+        <p:cNvGrpSpPr/>
+        <p:nvPr/>
+      </p:nvGrpSpPr>
+      <p:grpSpPr>
+        <a:xfrm>
+          <a:off x="0" y="0"/>
+          <a:ext cx="0" cy="0"/>
+          <a:chOff x="0" y="0"/>
+          <a:chExt cx="0" cy="0"/>
+        </a:xfrm>
+      </p:grpSpPr>
+      <p:sp>
+        <p:nvSpPr>
+          <p:cNvPr id="2" name="标题 1"/>
+          <p:cNvSpPr>
+            <a:spLocks noGrp="1"/>
+          </p:cNvSpPr>
+          <p:nvPr>
+            <p:ph type="title"/>
+          </p:nvPr>
+        </p:nvSpPr>
+        <p:spPr/>
+        <p:txBody>
+          <a:bodyPr/>
+          <a:lstStyle/>
+          <a:p>
+            <a:r>
+              <a:rPr lang="en-US" altLang="zh-CN" dirty="0" smtClean="0"/>
+              <a:t>The </a:t>
+            </a:r>
+            <a:r>
+              <a:rPr lang="en-US" altLang="zh-CN" dirty="0"/>
+              <a:t>objective of Collocation prediction</a:t>
+            </a:r>
+            <a:endParaRPr lang="en-US" altLang="zh-CN" dirty="0"/>
+          </a:p>
+        </p:txBody>
+      </p:sp>
+      <p:sp>
+        <p:nvSpPr>
+          <p:cNvPr id="3" name="内容占位符 2"/>
+          <p:cNvSpPr>
+            <a:spLocks noGrp="1"/>
+          </p:cNvSpPr>
+          <p:nvPr>
+            <p:ph idx="1"/>
+          </p:nvPr>
+        </p:nvSpPr>
+        <p:spPr/>
+        <p:txBody>
+          <a:bodyPr/>
+          <a:lstStyle/>
+          <a:p>
+            <a:endParaRPr lang="en-US" altLang="zh-CN" dirty="0"/>
+          </a:p>
+        </p:txBody>
+      </p:sp>
+      <p:sp>
+        <p:nvSpPr>
+          <p:cNvPr id="4" name="页脚占位符 3"/>
+          <p:cNvSpPr>
+            <a:spLocks noGrp="1"/>
+          </p:cNvSpPr>
+          <p:nvPr>
+            <p:ph type="ftr" sz="quarter" idx="11"/>
+          </p:nvPr>
+        </p:nvSpPr>
+        <p:spPr/>
+        <p:txBody>
+          <a:bodyPr/>
+          <a:lstStyle/>
+          <a:p>
+            <a:r>
+              <a:rPr lang="en-US" altLang="zh-CN" smtClean="0"/>
+              <a:t>PACLIC 32 Semantics</a:t>
+            </a:r>
+            <a:endParaRPr lang="zh-CN" altLang="en-US"/>
+          </a:p>
+        </p:txBody>
+      </p:sp>
+      <p:sp>
+        <p:nvSpPr>
+          <p:cNvPr id="5" name="幻灯片编号占位符 4"/>
+          <p:cNvSpPr>
+            <a:spLocks noGrp="1"/>
+          </p:cNvSpPr>
+          <p:nvPr>
+            <p:ph type="sldNum" sz="quarter" idx="12"/>
+          </p:nvPr>
+        </p:nvSpPr>
+        <p:spPr/>
+        <p:txBody>
+          <a:bodyPr/>
+          <a:lstStyle/>
+          <a:p>
+            <a:fld id="{3E9D6AB3-6D86-4BF2-AE34-936A8D37E25D}" type="slidenum">
+              <a:rPr lang="zh-CN" altLang="en-US" smtClean="0"/>
+              <a:t>12</a:t>
+            </a:fld>
+            <a:endParaRPr lang="zh-CN" altLang="en-US"/>
+          </a:p>
+        </p:txBody>
+      </p:sp>
+      <p:sp>
+        <p:nvSpPr>
+          <p:cNvPr id="6" name="矩形 5"/>
+          <p:cNvSpPr/>
+          <p:nvPr/>
+        </p:nvSpPr>
+        <p:spPr>
+          <a:xfrm>
+            <a:off x="9173395" y="365125"/>
+            <a:ext cx="2085827" cy="369332"/>
+          </a:xfrm>
+          <a:prstGeom prst="rect">
+            <a:avLst/>
+          </a:prstGeom>
+        </p:spPr>
+        <p:txBody>
+          <a:bodyPr wrap="none">
+            <a:spAutoFit/>
+          </a:bodyPr>
+          <a:lstStyle/>
+          <a:p>
+            <a:r>
+              <a:rPr lang="de-DE" altLang="zh-CN" dirty="0"/>
+              <a:t>Model </a:t>
+            </a:r>
+            <a:r>
+              <a:rPr lang="de-DE" altLang="zh-CN" dirty="0" err="1" smtClean="0"/>
+              <a:t>Architecture</a:t>
+            </a:r>
+            <a:endParaRPr lang="zh-CN" altLang="en-US" dirty="0"/>
+          </a:p>
+        </p:txBody>
+      </p:sp>
+    </p:spTree>
+    <p:extLst>
+      <p:ext uri="{BB962C8B-B14F-4D97-AF65-F5344CB8AC3E}">
+        <p14:creationId xmlns:p14="http://schemas.microsoft.com/office/powerpoint/2010/main" val="596688565"/>
+      </p:ext>
+    </p:extLst>
+  </p:cSld>
+  <p:clrMapOvr>
+    <a:masterClrMapping/>
+  </p:clrMapOvr>
+  <p:timing>
+    <p:tnLst>
+      <p:par>
+        <p:cTn id="1" dur="indefinite" restart="never" nodeType="tmRoot"/>
+      </p:par>
+    </p:tnLst>
+  </p:timing>
+</p:sld>
+</file>
+
+<file path=ppt/slides/slide13.xml><?xml version="1.0" encoding="utf-8"?>
+<p:sld xmlns:a="http://schemas.openxmlformats.org/drawingml/2006/main" xmlns:r="http://schemas.openxmlformats.org/officeDocument/2006/relationships" xmlns:p="http://schemas.openxmlformats.org/presentationml/2006/main">
+  <p:cSld>
+    <p:spTree>
+      <p:nvGrpSpPr>
+        <p:cNvPr id="1" name=""/>
+        <p:cNvGrpSpPr/>
+        <p:nvPr/>
+      </p:nvGrpSpPr>
+      <p:grpSpPr>
+        <a:xfrm>
+          <a:off x="0" y="0"/>
+          <a:ext cx="0" cy="0"/>
+          <a:chOff x="0" y="0"/>
+          <a:chExt cx="0" cy="0"/>
+        </a:xfrm>
+      </p:grpSpPr>
+      <p:sp>
+        <p:nvSpPr>
+          <p:cNvPr id="2" name="标题 1"/>
+          <p:cNvSpPr>
+            <a:spLocks noGrp="1"/>
+          </p:cNvSpPr>
+          <p:nvPr>
+            <p:ph type="title"/>
+          </p:nvPr>
+        </p:nvSpPr>
+        <p:spPr/>
+        <p:txBody>
+          <a:bodyPr/>
+          <a:lstStyle/>
+          <a:p>
+            <a:r>
+              <a:rPr lang="en-US" altLang="zh-CN" dirty="0"/>
+              <a:t>Continuous Skip-gram Model</a:t>
+            </a:r>
+            <a:endParaRPr kumimoji="1" lang="zh-CN" altLang="en-US" dirty="0"/>
+          </a:p>
+        </p:txBody>
+      </p:sp>
+      <p:sp>
+        <p:nvSpPr>
+          <p:cNvPr id="3" name="内容占位符 2"/>
+          <p:cNvSpPr>
+            <a:spLocks noGrp="1"/>
+          </p:cNvSpPr>
+          <p:nvPr>
+            <p:ph idx="1"/>
+          </p:nvPr>
+        </p:nvSpPr>
+        <p:spPr/>
+        <p:txBody>
+          <a:bodyPr/>
+          <a:lstStyle/>
+          <a:p>
+            <a:endParaRPr kumimoji="1" lang="zh-CN" altLang="en-US"/>
+          </a:p>
+        </p:txBody>
+      </p:sp>
+      <p:sp>
+        <p:nvSpPr>
+          <p:cNvPr id="4" name="页脚占位符 3"/>
+          <p:cNvSpPr>
+            <a:spLocks noGrp="1"/>
+          </p:cNvSpPr>
+          <p:nvPr>
+            <p:ph type="ftr" sz="quarter" idx="11"/>
+          </p:nvPr>
+        </p:nvSpPr>
+        <p:spPr/>
+        <p:txBody>
+          <a:bodyPr/>
+          <a:lstStyle/>
+          <a:p>
+            <a:r>
+              <a:rPr lang="en-US" altLang="zh-CN" smtClean="0"/>
+              <a:t>PACLIC 32 Semantics</a:t>
+            </a:r>
+            <a:endParaRPr lang="zh-CN" altLang="en-US"/>
+          </a:p>
+        </p:txBody>
+      </p:sp>
+      <p:sp>
+        <p:nvSpPr>
+          <p:cNvPr id="5" name="幻灯片编号占位符 4"/>
+          <p:cNvSpPr>
+            <a:spLocks noGrp="1"/>
+          </p:cNvSpPr>
+          <p:nvPr>
+            <p:ph type="sldNum" sz="quarter" idx="12"/>
+          </p:nvPr>
+        </p:nvSpPr>
+        <p:spPr/>
+        <p:txBody>
+          <a:bodyPr/>
+          <a:lstStyle/>
+          <a:p>
+            <a:fld id="{3E9D6AB3-6D86-4BF2-AE34-936A8D37E25D}" type="slidenum">
+              <a:rPr lang="zh-CN" altLang="en-US" smtClean="0"/>
+              <a:t>13</a:t>
+            </a:fld>
+            <a:endParaRPr lang="zh-CN" altLang="en-US"/>
+          </a:p>
+        </p:txBody>
+      </p:sp>
+      <p:sp>
+        <p:nvSpPr>
+          <p:cNvPr id="6" name="矩形 5"/>
+          <p:cNvSpPr/>
+          <p:nvPr/>
+        </p:nvSpPr>
+        <p:spPr>
+          <a:xfrm>
+            <a:off x="9173395" y="365125"/>
+            <a:ext cx="2085827" cy="369332"/>
+          </a:xfrm>
+          <a:prstGeom prst="rect">
+            <a:avLst/>
+          </a:prstGeom>
+        </p:spPr>
+        <p:txBody>
+          <a:bodyPr wrap="none">
+            <a:spAutoFit/>
+          </a:bodyPr>
+          <a:lstStyle/>
+          <a:p>
+            <a:r>
+              <a:rPr lang="de-DE" altLang="zh-CN" dirty="0"/>
+              <a:t>Model </a:t>
+            </a:r>
+            <a:r>
+              <a:rPr lang="de-DE" altLang="zh-CN" dirty="0" err="1" smtClean="0"/>
+              <a:t>Architecture</a:t>
+            </a:r>
+            <a:endParaRPr lang="zh-CN" altLang="en-US" dirty="0"/>
+          </a:p>
+        </p:txBody>
+      </p:sp>
+    </p:spTree>
+    <p:extLst>
+      <p:ext uri="{BB962C8B-B14F-4D97-AF65-F5344CB8AC3E}">
+        <p14:creationId xmlns:p14="http://schemas.microsoft.com/office/powerpoint/2010/main" val="1943564112"/>
+      </p:ext>
+    </p:extLst>
+  </p:cSld>
+  <p:clrMapOvr>
+    <a:masterClrMapping/>
+  </p:clrMapOvr>
+  <p:timing>
+    <p:tnLst>
+      <p:par>
+        <p:cTn id="1" dur="indefinite" restart="never" nodeType="tmRoot"/>
+      </p:par>
+    </p:tnLst>
+  </p:timing>
+</p:sld>
+</file>
+
+<file path=ppt/slides/slide14.xml><?xml version="1.0" encoding="utf-8"?>
+<p:sld xmlns:a="http://schemas.openxmlformats.org/drawingml/2006/main" xmlns:r="http://schemas.openxmlformats.org/officeDocument/2006/relationships" xmlns:p="http://schemas.openxmlformats.org/presentationml/2006/main">
+  <p:cSld>
+    <p:spTree>
+      <p:nvGrpSpPr>
+        <p:cNvPr id="1" name=""/>
+        <p:cNvGrpSpPr/>
+        <p:nvPr/>
+      </p:nvGrpSpPr>
+      <p:grpSpPr>
+        <a:xfrm>
+          <a:off x="0" y="0"/>
+          <a:ext cx="0" cy="0"/>
+          <a:chOff x="0" y="0"/>
+          <a:chExt cx="0" cy="0"/>
+        </a:xfrm>
+      </p:grpSpPr>
+      <p:sp>
+        <p:nvSpPr>
+          <p:cNvPr id="2" name="标题 1"/>
+          <p:cNvSpPr>
+            <a:spLocks noGrp="1"/>
+          </p:cNvSpPr>
+          <p:nvPr>
+            <p:ph type="title"/>
+          </p:nvPr>
+        </p:nvSpPr>
+        <p:spPr/>
+        <p:txBody>
+          <a:bodyPr>
+            <a:normAutofit/>
+          </a:bodyPr>
+          <a:lstStyle/>
+          <a:p>
+            <a:r>
+              <a:rPr lang="en-US" altLang="zh-CN" sz="3600" dirty="0" smtClean="0"/>
+              <a:t>A </a:t>
+            </a:r>
+            <a:r>
+              <a:rPr lang="en-US" altLang="zh-CN" sz="3600" dirty="0"/>
+              <a:t>combination of </a:t>
+            </a:r>
+            <a:r>
+              <a:rPr lang="en-US" altLang="zh-CN" sz="3600" dirty="0"/>
+              <a:t>ontology </a:t>
+            </a:r>
+            <a:r>
+              <a:rPr lang="en-US" altLang="zh-CN" sz="3600" dirty="0" smtClean="0"/>
+              <a:t>and hierarchical </a:t>
+            </a:r>
+            <a:r>
+              <a:rPr lang="en-US" altLang="zh-CN" sz="3600" dirty="0" err="1" smtClean="0"/>
+              <a:t>softmax</a:t>
+            </a:r>
+            <a:endParaRPr kumimoji="1" lang="zh-CN" altLang="en-US" sz="3600" dirty="0"/>
+          </a:p>
+        </p:txBody>
+      </p:sp>
+      <p:sp>
+        <p:nvSpPr>
+          <p:cNvPr id="3" name="内容占位符 2"/>
+          <p:cNvSpPr>
+            <a:spLocks noGrp="1"/>
+          </p:cNvSpPr>
+          <p:nvPr>
+            <p:ph idx="1"/>
+          </p:nvPr>
+        </p:nvSpPr>
+        <p:spPr/>
+        <p:txBody>
+          <a:bodyPr/>
+          <a:lstStyle/>
+          <a:p>
+            <a:endParaRPr kumimoji="1" lang="zh-CN" altLang="en-US" dirty="0"/>
+          </a:p>
+        </p:txBody>
+      </p:sp>
+      <p:sp>
+        <p:nvSpPr>
+          <p:cNvPr id="4" name="页脚占位符 3"/>
+          <p:cNvSpPr>
+            <a:spLocks noGrp="1"/>
+          </p:cNvSpPr>
+          <p:nvPr>
+            <p:ph type="ftr" sz="quarter" idx="11"/>
+          </p:nvPr>
+        </p:nvSpPr>
+        <p:spPr/>
+        <p:txBody>
+          <a:bodyPr/>
+          <a:lstStyle/>
+          <a:p>
+            <a:r>
+              <a:rPr lang="en-US" altLang="zh-CN" smtClean="0"/>
+              <a:t>PACLIC 32 Semantics</a:t>
+            </a:r>
+            <a:endParaRPr lang="zh-CN" altLang="en-US"/>
+          </a:p>
+        </p:txBody>
+      </p:sp>
+      <p:sp>
+        <p:nvSpPr>
+          <p:cNvPr id="5" name="幻灯片编号占位符 4"/>
+          <p:cNvSpPr>
+            <a:spLocks noGrp="1"/>
+          </p:cNvSpPr>
+          <p:nvPr>
+            <p:ph type="sldNum" sz="quarter" idx="12"/>
+          </p:nvPr>
+        </p:nvSpPr>
+        <p:spPr/>
+        <p:txBody>
+          <a:bodyPr/>
+          <a:lstStyle/>
+          <a:p>
+            <a:fld id="{3E9D6AB3-6D86-4BF2-AE34-936A8D37E25D}" type="slidenum">
+              <a:rPr lang="zh-CN" altLang="en-US" smtClean="0"/>
+              <a:t>14</a:t>
+            </a:fld>
+            <a:endParaRPr lang="zh-CN" altLang="en-US"/>
+          </a:p>
+        </p:txBody>
+      </p:sp>
+      <p:sp>
+        <p:nvSpPr>
+          <p:cNvPr id="6" name="矩形 5"/>
+          <p:cNvSpPr/>
+          <p:nvPr/>
+        </p:nvSpPr>
+        <p:spPr>
+          <a:xfrm>
+            <a:off x="9173395" y="365125"/>
+            <a:ext cx="2085827" cy="369332"/>
+          </a:xfrm>
+          <a:prstGeom prst="rect">
+            <a:avLst/>
+          </a:prstGeom>
+        </p:spPr>
+        <p:txBody>
+          <a:bodyPr wrap="none">
+            <a:spAutoFit/>
+          </a:bodyPr>
+          <a:lstStyle/>
+          <a:p>
+            <a:r>
+              <a:rPr lang="de-DE" altLang="zh-CN" dirty="0"/>
+              <a:t>Model </a:t>
+            </a:r>
+            <a:r>
+              <a:rPr lang="de-DE" altLang="zh-CN" dirty="0" err="1" smtClean="0"/>
+              <a:t>Architecture</a:t>
+            </a:r>
+            <a:endParaRPr lang="zh-CN" altLang="en-US" dirty="0"/>
+          </a:p>
+        </p:txBody>
+      </p:sp>
+    </p:spTree>
+    <p:extLst>
+      <p:ext uri="{BB962C8B-B14F-4D97-AF65-F5344CB8AC3E}">
+        <p14:creationId xmlns:p14="http://schemas.microsoft.com/office/powerpoint/2010/main" val="108275867"/>
+      </p:ext>
+    </p:extLst>
+  </p:cSld>
+  <p:clrMapOvr>
+    <a:masterClrMapping/>
+  </p:clrMapOvr>
+  <p:timing>
+    <p:tnLst>
+      <p:par>
+        <p:cTn id="1" dur="indefinite" restart="never" nodeType="tmRoot"/>
+      </p:par>
+    </p:tnLst>
+  </p:timing>
+</p:sld>
+</file>
+
+<file path=ppt/slides/slide15.xml><?xml version="1.0" encoding="utf-8"?>
+<p:sld xmlns:a="http://schemas.openxmlformats.org/drawingml/2006/main" xmlns:r="http://schemas.openxmlformats.org/officeDocument/2006/relationships" xmlns:p="http://schemas.openxmlformats.org/presentationml/2006/main">
+  <p:cSld>
+    <p:spTree>
+      <p:nvGrpSpPr>
+        <p:cNvPr id="1" name=""/>
+        <p:cNvGrpSpPr/>
+        <p:nvPr/>
+      </p:nvGrpSpPr>
+      <p:grpSpPr>
+        <a:xfrm>
+          <a:off x="0" y="0"/>
+          <a:ext cx="0" cy="0"/>
+          <a:chOff x="0" y="0"/>
+          <a:chExt cx="0" cy="0"/>
+        </a:xfrm>
+      </p:grpSpPr>
+      <p:sp>
+        <p:nvSpPr>
+          <p:cNvPr id="2" name="标题 1"/>
+          <p:cNvSpPr>
+            <a:spLocks noGrp="1"/>
+          </p:cNvSpPr>
+          <p:nvPr>
+            <p:ph type="title"/>
+          </p:nvPr>
+        </p:nvSpPr>
+        <p:spPr/>
+        <p:txBody>
+          <a:bodyPr/>
+          <a:lstStyle/>
+          <a:p>
+            <a:r>
+              <a:rPr lang="en-US" altLang="zh-CN" dirty="0" smtClean="0"/>
+              <a:t>Experiment</a:t>
+            </a:r>
+            <a:endParaRPr kumimoji="1" lang="zh-CN" altLang="en-US" dirty="0"/>
+          </a:p>
+        </p:txBody>
+      </p:sp>
+      <p:sp>
+        <p:nvSpPr>
+          <p:cNvPr id="3" name="内容占位符 2"/>
+          <p:cNvSpPr>
+            <a:spLocks noGrp="1"/>
+          </p:cNvSpPr>
+          <p:nvPr>
+            <p:ph idx="1"/>
+          </p:nvPr>
+        </p:nvSpPr>
+        <p:spPr/>
+        <p:txBody>
+          <a:bodyPr/>
+          <a:lstStyle/>
+          <a:p>
+            <a:endParaRPr kumimoji="1" lang="zh-CN" altLang="en-US"/>
+          </a:p>
+        </p:txBody>
+      </p:sp>
+      <p:sp>
+        <p:nvSpPr>
+          <p:cNvPr id="4" name="页脚占位符 3"/>
+          <p:cNvSpPr>
+            <a:spLocks noGrp="1"/>
+          </p:cNvSpPr>
+          <p:nvPr>
+            <p:ph type="ftr" sz="quarter" idx="11"/>
+          </p:nvPr>
+        </p:nvSpPr>
+        <p:spPr/>
+        <p:txBody>
+          <a:bodyPr/>
+          <a:lstStyle/>
+          <a:p>
+            <a:r>
+              <a:rPr lang="en-US" altLang="zh-CN" smtClean="0"/>
+              <a:t>PACLIC 32 Semantics</a:t>
+            </a:r>
+            <a:endParaRPr lang="zh-CN" altLang="en-US"/>
+          </a:p>
+        </p:txBody>
+      </p:sp>
+      <p:sp>
+        <p:nvSpPr>
+          <p:cNvPr id="5" name="幻灯片编号占位符 4"/>
+          <p:cNvSpPr>
+            <a:spLocks noGrp="1"/>
+          </p:cNvSpPr>
+          <p:nvPr>
+            <p:ph type="sldNum" sz="quarter" idx="12"/>
+          </p:nvPr>
+        </p:nvSpPr>
+        <p:spPr/>
+        <p:txBody>
+          <a:bodyPr/>
+          <a:lstStyle/>
+          <a:p>
+            <a:fld id="{3E9D6AB3-6D86-4BF2-AE34-936A8D37E25D}" type="slidenum">
+              <a:rPr lang="zh-CN" altLang="en-US" smtClean="0"/>
+              <a:t>15</a:t>
+            </a:fld>
+            <a:endParaRPr lang="zh-CN" altLang="en-US"/>
+          </a:p>
+        </p:txBody>
+      </p:sp>
+    </p:spTree>
+    <p:extLst>
+      <p:ext uri="{BB962C8B-B14F-4D97-AF65-F5344CB8AC3E}">
+        <p14:creationId xmlns:p14="http://schemas.microsoft.com/office/powerpoint/2010/main" val="347869960"/>
+      </p:ext>
+    </p:extLst>
+  </p:cSld>
+  <p:clrMapOvr>
+    <a:masterClrMapping/>
+  </p:clrMapOvr>
+  <p:timing>
+    <p:tnLst>
+      <p:par>
+        <p:cTn id="1" dur="indefinite" restart="never" nodeType="tmRoot"/>
+      </p:par>
+    </p:tnLst>
+  </p:timing>
+</p:sld>
+</file>
+
+<file path=ppt/slides/slide16.xml><?xml version="1.0" encoding="utf-8"?>
+<p:sld xmlns:a="http://schemas.openxmlformats.org/drawingml/2006/main" xmlns:r="http://schemas.openxmlformats.org/officeDocument/2006/relationships" xmlns:p="http://schemas.openxmlformats.org/presentationml/2006/main">
+  <p:cSld>
+    <p:spTree>
+      <p:nvGrpSpPr>
+        <p:cNvPr id="1" name=""/>
+        <p:cNvGrpSpPr/>
+        <p:nvPr/>
+      </p:nvGrpSpPr>
+      <p:grpSpPr>
+        <a:xfrm>
+          <a:off x="0" y="0"/>
+          <a:ext cx="0" cy="0"/>
+          <a:chOff x="0" y="0"/>
+          <a:chExt cx="0" cy="0"/>
+        </a:xfrm>
+      </p:grpSpPr>
+      <p:sp>
+        <p:nvSpPr>
+          <p:cNvPr id="2" name="标题 1"/>
+          <p:cNvSpPr>
+            <a:spLocks noGrp="1"/>
+          </p:cNvSpPr>
+          <p:nvPr>
+            <p:ph type="title"/>
+          </p:nvPr>
+        </p:nvSpPr>
+        <p:spPr/>
+        <p:txBody>
+          <a:bodyPr/>
+          <a:lstStyle/>
+          <a:p>
+            <a:r>
+              <a:rPr lang="en-US" altLang="zh-CN" dirty="0"/>
+              <a:t>Experimental </a:t>
+            </a:r>
+            <a:r>
+              <a:rPr lang="en-US" altLang="zh-CN" dirty="0" smtClean="0"/>
+              <a:t>setup</a:t>
+            </a:r>
+            <a:endParaRPr kumimoji="1" lang="zh-CN" altLang="en-US" dirty="0"/>
+          </a:p>
+        </p:txBody>
+      </p:sp>
+      <p:sp>
+        <p:nvSpPr>
+          <p:cNvPr id="3" name="内容占位符 2"/>
+          <p:cNvSpPr>
+            <a:spLocks noGrp="1"/>
+          </p:cNvSpPr>
+          <p:nvPr>
+            <p:ph idx="1"/>
+          </p:nvPr>
+        </p:nvSpPr>
+        <p:spPr/>
+        <p:txBody>
+          <a:bodyPr/>
+          <a:lstStyle/>
+          <a:p>
+            <a:endParaRPr kumimoji="1" lang="zh-CN" altLang="en-US" dirty="0"/>
+          </a:p>
+        </p:txBody>
+      </p:sp>
+      <p:sp>
+        <p:nvSpPr>
+          <p:cNvPr id="4" name="页脚占位符 3"/>
+          <p:cNvSpPr>
+            <a:spLocks noGrp="1"/>
+          </p:cNvSpPr>
+          <p:nvPr>
+            <p:ph type="ftr" sz="quarter" idx="11"/>
+          </p:nvPr>
+        </p:nvSpPr>
+        <p:spPr/>
+        <p:txBody>
+          <a:bodyPr/>
+          <a:lstStyle/>
+          <a:p>
+            <a:r>
+              <a:rPr lang="en-US" altLang="zh-CN" smtClean="0"/>
+              <a:t>PACLIC 32 Semantics</a:t>
+            </a:r>
+            <a:endParaRPr lang="zh-CN" altLang="en-US"/>
+          </a:p>
+        </p:txBody>
+      </p:sp>
+      <p:sp>
+        <p:nvSpPr>
+          <p:cNvPr id="5" name="幻灯片编号占位符 4"/>
+          <p:cNvSpPr>
+            <a:spLocks noGrp="1"/>
+          </p:cNvSpPr>
+          <p:nvPr>
+            <p:ph type="sldNum" sz="quarter" idx="12"/>
+          </p:nvPr>
+        </p:nvSpPr>
+        <p:spPr/>
+        <p:txBody>
+          <a:bodyPr/>
+          <a:lstStyle/>
+          <a:p>
+            <a:fld id="{3E9D6AB3-6D86-4BF2-AE34-936A8D37E25D}" type="slidenum">
+              <a:rPr lang="zh-CN" altLang="en-US" smtClean="0"/>
+              <a:t>16</a:t>
+            </a:fld>
+            <a:endParaRPr lang="zh-CN" altLang="en-US"/>
+          </a:p>
+        </p:txBody>
+      </p:sp>
+      <p:sp>
+        <p:nvSpPr>
+          <p:cNvPr id="6" name="矩形 5"/>
+          <p:cNvSpPr/>
+          <p:nvPr/>
+        </p:nvSpPr>
+        <p:spPr>
+          <a:xfrm>
+            <a:off x="10058253" y="365125"/>
+            <a:ext cx="1295547" cy="369332"/>
+          </a:xfrm>
+          <a:prstGeom prst="rect">
+            <a:avLst/>
+          </a:prstGeom>
+        </p:spPr>
+        <p:txBody>
+          <a:bodyPr wrap="none">
+            <a:spAutoFit/>
+          </a:bodyPr>
+          <a:lstStyle/>
+          <a:p>
+            <a:r>
+              <a:rPr lang="en-US" altLang="zh-CN"/>
+              <a:t>Experiment</a:t>
+            </a:r>
+            <a:endParaRPr lang="zh-CN" altLang="en-US" dirty="0"/>
+          </a:p>
+        </p:txBody>
+      </p:sp>
+    </p:spTree>
+    <p:extLst>
+      <p:ext uri="{BB962C8B-B14F-4D97-AF65-F5344CB8AC3E}">
+        <p14:creationId xmlns:p14="http://schemas.microsoft.com/office/powerpoint/2010/main" val="1532218313"/>
+      </p:ext>
+    </p:extLst>
+  </p:cSld>
+  <p:clrMapOvr>
+    <a:masterClrMapping/>
+  </p:clrMapOvr>
+  <p:timing>
+    <p:tnLst>
+      <p:par>
+        <p:cTn id="1" dur="indefinite" restart="never" nodeType="tmRoot"/>
+      </p:par>
+    </p:tnLst>
+  </p:timing>
+</p:sld>
+</file>
+
+<file path=ppt/slides/slide17.xml><?xml version="1.0" encoding="utf-8"?>
+<p:sld xmlns:a="http://schemas.openxmlformats.org/drawingml/2006/main" xmlns:r="http://schemas.openxmlformats.org/officeDocument/2006/relationships" xmlns:p="http://schemas.openxmlformats.org/presentationml/2006/main">
+  <p:cSld>
+    <p:spTree>
+      <p:nvGrpSpPr>
+        <p:cNvPr id="1" name=""/>
+        <p:cNvGrpSpPr/>
+        <p:nvPr/>
+      </p:nvGrpSpPr>
+      <p:grpSpPr>
+        <a:xfrm>
+          <a:off x="0" y="0"/>
+          <a:ext cx="0" cy="0"/>
+          <a:chOff x="0" y="0"/>
+          <a:chExt cx="0" cy="0"/>
+        </a:xfrm>
+      </p:grpSpPr>
+      <p:sp>
+        <p:nvSpPr>
+          <p:cNvPr id="2" name="标题 1"/>
+          <p:cNvSpPr>
+            <a:spLocks noGrp="1"/>
+          </p:cNvSpPr>
+          <p:nvPr>
+            <p:ph type="title"/>
+          </p:nvPr>
+        </p:nvSpPr>
+        <p:spPr/>
+        <p:txBody>
+          <a:bodyPr>
+            <a:normAutofit/>
+          </a:bodyPr>
+          <a:lstStyle/>
+          <a:p>
+            <a:r>
+              <a:rPr lang="en-US" altLang="zh-CN" dirty="0" smtClean="0"/>
+              <a:t>Neighbors </a:t>
+            </a:r>
+            <a:r>
+              <a:rPr lang="en-US" altLang="zh-CN" dirty="0"/>
+              <a:t>of </a:t>
+            </a:r>
+            <a:r>
+              <a:rPr lang="en-US" altLang="zh-CN" dirty="0" smtClean="0"/>
+              <a:t>one</a:t>
+            </a:r>
+            <a:r>
+              <a:rPr lang="zh-CN" altLang="en-US" dirty="0" smtClean="0"/>
+              <a:t> </a:t>
+            </a:r>
+            <a:r>
+              <a:rPr lang="en-US" altLang="zh-CN" dirty="0" smtClean="0"/>
+              <a:t>collocation </a:t>
+            </a:r>
+            <a:endParaRPr lang="en-US" altLang="zh-CN" dirty="0">
+              <a:effectLst/>
+            </a:endParaRPr>
+          </a:p>
+        </p:txBody>
+      </p:sp>
+      <p:sp>
+        <p:nvSpPr>
+          <p:cNvPr id="3" name="内容占位符 2"/>
+          <p:cNvSpPr>
+            <a:spLocks noGrp="1"/>
+          </p:cNvSpPr>
+          <p:nvPr>
+            <p:ph idx="1"/>
+          </p:nvPr>
+        </p:nvSpPr>
+        <p:spPr/>
+        <p:txBody>
+          <a:bodyPr/>
+          <a:lstStyle/>
+          <a:p>
+            <a:endParaRPr kumimoji="1" lang="zh-CN" altLang="en-US" dirty="0"/>
+          </a:p>
+        </p:txBody>
+      </p:sp>
+      <p:sp>
+        <p:nvSpPr>
+          <p:cNvPr id="4" name="页脚占位符 3"/>
+          <p:cNvSpPr>
+            <a:spLocks noGrp="1"/>
+          </p:cNvSpPr>
+          <p:nvPr>
+            <p:ph type="ftr" sz="quarter" idx="11"/>
+          </p:nvPr>
+        </p:nvSpPr>
+        <p:spPr/>
+        <p:txBody>
+          <a:bodyPr/>
+          <a:lstStyle/>
+          <a:p>
+            <a:r>
+              <a:rPr lang="en-US" altLang="zh-CN" smtClean="0"/>
+              <a:t>PACLIC 32 Semantics</a:t>
+            </a:r>
+            <a:endParaRPr lang="zh-CN" altLang="en-US"/>
+          </a:p>
+        </p:txBody>
+      </p:sp>
+      <p:sp>
+        <p:nvSpPr>
+          <p:cNvPr id="5" name="幻灯片编号占位符 4"/>
+          <p:cNvSpPr>
+            <a:spLocks noGrp="1"/>
+          </p:cNvSpPr>
+          <p:nvPr>
+            <p:ph type="sldNum" sz="quarter" idx="12"/>
+          </p:nvPr>
+        </p:nvSpPr>
+        <p:spPr/>
+        <p:txBody>
+          <a:bodyPr/>
+          <a:lstStyle/>
+          <a:p>
+            <a:fld id="{3E9D6AB3-6D86-4BF2-AE34-936A8D37E25D}" type="slidenum">
+              <a:rPr lang="zh-CN" altLang="en-US" smtClean="0"/>
+              <a:t>17</a:t>
+            </a:fld>
+            <a:endParaRPr lang="zh-CN" altLang="en-US"/>
+          </a:p>
+        </p:txBody>
+      </p:sp>
+      <p:sp>
+        <p:nvSpPr>
+          <p:cNvPr id="6" name="矩形 5"/>
+          <p:cNvSpPr/>
+          <p:nvPr/>
+        </p:nvSpPr>
+        <p:spPr>
+          <a:xfrm>
+            <a:off x="10058253" y="365125"/>
+            <a:ext cx="1295547" cy="369332"/>
+          </a:xfrm>
+          <a:prstGeom prst="rect">
+            <a:avLst/>
+          </a:prstGeom>
+        </p:spPr>
+        <p:txBody>
+          <a:bodyPr wrap="none">
+            <a:spAutoFit/>
+          </a:bodyPr>
+          <a:lstStyle/>
+          <a:p>
+            <a:r>
+              <a:rPr lang="en-US" altLang="zh-CN"/>
+              <a:t>Experiment</a:t>
+            </a:r>
+            <a:endParaRPr lang="zh-CN" altLang="en-US" dirty="0"/>
+          </a:p>
+        </p:txBody>
+      </p:sp>
+    </p:spTree>
+    <p:extLst>
+      <p:ext uri="{BB962C8B-B14F-4D97-AF65-F5344CB8AC3E}">
+        <p14:creationId xmlns:p14="http://schemas.microsoft.com/office/powerpoint/2010/main" val="437029538"/>
+      </p:ext>
+    </p:extLst>
+  </p:cSld>
+  <p:clrMapOvr>
+    <a:masterClrMapping/>
+  </p:clrMapOvr>
+  <p:timing>
+    <p:tnLst>
+      <p:par>
+        <p:cTn id="1" dur="indefinite" restart="never" nodeType="tmRoot"/>
+      </p:par>
+    </p:tnLst>
+  </p:timing>
+</p:sld>
+</file>
+
+<file path=ppt/slides/slide18.xml><?xml version="1.0" encoding="utf-8"?>
+<p:sld xmlns:a="http://schemas.openxmlformats.org/drawingml/2006/main" xmlns:r="http://schemas.openxmlformats.org/officeDocument/2006/relationships" xmlns:p="http://schemas.openxmlformats.org/presentationml/2006/main">
+  <p:cSld>
+    <p:spTree>
+      <p:nvGrpSpPr>
+        <p:cNvPr id="1" name=""/>
+        <p:cNvGrpSpPr/>
+        <p:nvPr/>
+      </p:nvGrpSpPr>
+      <p:grpSpPr>
+        <a:xfrm>
+          <a:off x="0" y="0"/>
+          <a:ext cx="0" cy="0"/>
+          <a:chOff x="0" y="0"/>
+          <a:chExt cx="0" cy="0"/>
+        </a:xfrm>
+      </p:grpSpPr>
+      <p:sp>
+        <p:nvSpPr>
+          <p:cNvPr id="2" name="标题 1"/>
+          <p:cNvSpPr>
+            <a:spLocks noGrp="1"/>
+          </p:cNvSpPr>
+          <p:nvPr>
+            <p:ph type="title"/>
+          </p:nvPr>
+        </p:nvSpPr>
+        <p:spPr/>
+        <p:txBody>
+          <a:bodyPr/>
+          <a:lstStyle/>
+          <a:p>
+            <a:r>
+              <a:rPr kumimoji="1" lang="en-US" altLang="zh-CN" dirty="0" smtClean="0"/>
+              <a:t>Measuring collocation intensity</a:t>
+            </a:r>
+            <a:endParaRPr kumimoji="1" lang="zh-CN" altLang="en-US" dirty="0"/>
+          </a:p>
+        </p:txBody>
+      </p:sp>
+      <p:sp>
+        <p:nvSpPr>
+          <p:cNvPr id="3" name="内容占位符 2"/>
+          <p:cNvSpPr>
+            <a:spLocks noGrp="1"/>
+          </p:cNvSpPr>
+          <p:nvPr>
+            <p:ph idx="1"/>
+          </p:nvPr>
+        </p:nvSpPr>
+        <p:spPr/>
+        <p:txBody>
+          <a:bodyPr/>
+          <a:lstStyle/>
+          <a:p>
+            <a:endParaRPr kumimoji="1" lang="zh-CN" altLang="en-US" dirty="0"/>
+          </a:p>
+        </p:txBody>
+      </p:sp>
+      <p:sp>
+        <p:nvSpPr>
+          <p:cNvPr id="4" name="页脚占位符 3"/>
+          <p:cNvSpPr>
+            <a:spLocks noGrp="1"/>
+          </p:cNvSpPr>
+          <p:nvPr>
+            <p:ph type="ftr" sz="quarter" idx="11"/>
+          </p:nvPr>
+        </p:nvSpPr>
+        <p:spPr/>
+        <p:txBody>
+          <a:bodyPr/>
+          <a:lstStyle/>
+          <a:p>
+            <a:r>
+              <a:rPr lang="en-US" altLang="zh-CN" smtClean="0"/>
+              <a:t>PACLIC 32 Semantics</a:t>
+            </a:r>
+            <a:endParaRPr lang="zh-CN" altLang="en-US"/>
+          </a:p>
+        </p:txBody>
+      </p:sp>
+      <p:sp>
+        <p:nvSpPr>
+          <p:cNvPr id="5" name="幻灯片编号占位符 4"/>
+          <p:cNvSpPr>
+            <a:spLocks noGrp="1"/>
+          </p:cNvSpPr>
+          <p:nvPr>
+            <p:ph type="sldNum" sz="quarter" idx="12"/>
+          </p:nvPr>
+        </p:nvSpPr>
+        <p:spPr/>
+        <p:txBody>
+          <a:bodyPr/>
+          <a:lstStyle/>
+          <a:p>
+            <a:fld id="{3E9D6AB3-6D86-4BF2-AE34-936A8D37E25D}" type="slidenum">
+              <a:rPr lang="zh-CN" altLang="en-US" smtClean="0"/>
+              <a:t>18</a:t>
+            </a:fld>
+            <a:endParaRPr lang="zh-CN" altLang="en-US"/>
+          </a:p>
+        </p:txBody>
+      </p:sp>
+      <p:sp>
+        <p:nvSpPr>
+          <p:cNvPr id="6" name="矩形 5"/>
+          <p:cNvSpPr/>
+          <p:nvPr/>
+        </p:nvSpPr>
+        <p:spPr>
+          <a:xfrm>
+            <a:off x="10058253" y="365125"/>
+            <a:ext cx="1295547" cy="369332"/>
+          </a:xfrm>
+          <a:prstGeom prst="rect">
+            <a:avLst/>
+          </a:prstGeom>
+        </p:spPr>
+        <p:txBody>
+          <a:bodyPr wrap="none">
+            <a:spAutoFit/>
+          </a:bodyPr>
+          <a:lstStyle/>
+          <a:p>
+            <a:r>
+              <a:rPr lang="en-US" altLang="zh-CN"/>
+              <a:t>Experiment</a:t>
+            </a:r>
+            <a:endParaRPr lang="zh-CN" altLang="en-US" dirty="0"/>
+          </a:p>
+        </p:txBody>
+      </p:sp>
+    </p:spTree>
+    <p:extLst>
+      <p:ext uri="{BB962C8B-B14F-4D97-AF65-F5344CB8AC3E}">
+        <p14:creationId xmlns:p14="http://schemas.microsoft.com/office/powerpoint/2010/main" val="1678794956"/>
+      </p:ext>
+    </p:extLst>
+  </p:cSld>
+  <p:clrMapOvr>
+    <a:masterClrMapping/>
+  </p:clrMapOvr>
+  <p:timing>
+    <p:tnLst>
+      <p:par>
+        <p:cTn id="1" dur="indefinite" restart="never" nodeType="tmRoot"/>
+      </p:par>
+    </p:tnLst>
+  </p:timing>
+</p:sld>
+</file>
+
+<file path=ppt/slides/slide19.xml><?xml version="1.0" encoding="utf-8"?>
+<p:sld xmlns:a="http://schemas.openxmlformats.org/drawingml/2006/main" xmlns:r="http://schemas.openxmlformats.org/officeDocument/2006/relationships" xmlns:p="http://schemas.openxmlformats.org/presentationml/2006/main">
+  <p:cSld>
+    <p:spTree>
+      <p:nvGrpSpPr>
+        <p:cNvPr id="1" name=""/>
+        <p:cNvGrpSpPr/>
+        <p:nvPr/>
+      </p:nvGrpSpPr>
+      <p:grpSpPr>
+        <a:xfrm>
+          <a:off x="0" y="0"/>
+          <a:ext cx="0" cy="0"/>
+          <a:chOff x="0" y="0"/>
+          <a:chExt cx="0" cy="0"/>
+        </a:xfrm>
+      </p:grpSpPr>
+      <p:sp>
+        <p:nvSpPr>
+          <p:cNvPr id="2" name="标题 1"/>
+          <p:cNvSpPr>
+            <a:spLocks noGrp="1"/>
+          </p:cNvSpPr>
+          <p:nvPr>
+            <p:ph type="title"/>
+          </p:nvPr>
+        </p:nvSpPr>
+        <p:spPr/>
+        <p:txBody>
+          <a:bodyPr/>
+          <a:lstStyle/>
+          <a:p>
+            <a:r>
+              <a:rPr lang="en-US" altLang="zh-CN" dirty="0"/>
+              <a:t>Verb-verb phrase </a:t>
+            </a:r>
+            <a:r>
+              <a:rPr lang="en-US" altLang="zh-CN" dirty="0" smtClean="0"/>
+              <a:t>recognition</a:t>
+            </a:r>
+            <a:endParaRPr lang="en-US" altLang="zh-CN" dirty="0">
+              <a:effectLst/>
+            </a:endParaRPr>
+          </a:p>
+        </p:txBody>
+      </p:sp>
+      <p:sp>
+        <p:nvSpPr>
+          <p:cNvPr id="3" name="内容占位符 2"/>
+          <p:cNvSpPr>
+            <a:spLocks noGrp="1"/>
+          </p:cNvSpPr>
+          <p:nvPr>
+            <p:ph idx="1"/>
+          </p:nvPr>
+        </p:nvSpPr>
+        <p:spPr/>
+        <p:txBody>
+          <a:bodyPr/>
+          <a:lstStyle/>
+          <a:p>
+            <a:endParaRPr kumimoji="1" lang="zh-CN" altLang="en-US" dirty="0"/>
+          </a:p>
+        </p:txBody>
+      </p:sp>
+      <p:sp>
+        <p:nvSpPr>
+          <p:cNvPr id="4" name="页脚占位符 3"/>
+          <p:cNvSpPr>
+            <a:spLocks noGrp="1"/>
+          </p:cNvSpPr>
+          <p:nvPr>
+            <p:ph type="ftr" sz="quarter" idx="11"/>
+          </p:nvPr>
+        </p:nvSpPr>
+        <p:spPr/>
+        <p:txBody>
+          <a:bodyPr/>
+          <a:lstStyle/>
+          <a:p>
+            <a:r>
+              <a:rPr lang="en-US" altLang="zh-CN" smtClean="0"/>
+              <a:t>PACLIC 32 Semantics</a:t>
+            </a:r>
+            <a:endParaRPr lang="zh-CN" altLang="en-US"/>
+          </a:p>
+        </p:txBody>
+      </p:sp>
+      <p:sp>
+        <p:nvSpPr>
+          <p:cNvPr id="5" name="幻灯片编号占位符 4"/>
+          <p:cNvSpPr>
+            <a:spLocks noGrp="1"/>
+          </p:cNvSpPr>
+          <p:nvPr>
+            <p:ph type="sldNum" sz="quarter" idx="12"/>
+          </p:nvPr>
+        </p:nvSpPr>
+        <p:spPr/>
+        <p:txBody>
+          <a:bodyPr/>
+          <a:lstStyle/>
+          <a:p>
+            <a:fld id="{3E9D6AB3-6D86-4BF2-AE34-936A8D37E25D}" type="slidenum">
+              <a:rPr lang="zh-CN" altLang="en-US" smtClean="0"/>
+              <a:t>19</a:t>
+            </a:fld>
+            <a:endParaRPr lang="zh-CN" altLang="en-US"/>
+          </a:p>
+        </p:txBody>
+      </p:sp>
+      <p:sp>
+        <p:nvSpPr>
+          <p:cNvPr id="6" name="矩形 5"/>
+          <p:cNvSpPr/>
+          <p:nvPr/>
+        </p:nvSpPr>
+        <p:spPr>
+          <a:xfrm>
+            <a:off x="10058253" y="365125"/>
+            <a:ext cx="1295547" cy="369332"/>
+          </a:xfrm>
+          <a:prstGeom prst="rect">
+            <a:avLst/>
+          </a:prstGeom>
+        </p:spPr>
+        <p:txBody>
+          <a:bodyPr wrap="none">
+            <a:spAutoFit/>
+          </a:bodyPr>
+          <a:lstStyle/>
+          <a:p>
+            <a:r>
+              <a:rPr lang="en-US" altLang="zh-CN"/>
+              <a:t>Experiment</a:t>
+            </a:r>
+            <a:endParaRPr lang="zh-CN" altLang="en-US" dirty="0"/>
+          </a:p>
+        </p:txBody>
+      </p:sp>
+    </p:spTree>
+    <p:extLst>
+      <p:ext uri="{BB962C8B-B14F-4D97-AF65-F5344CB8AC3E}">
+        <p14:creationId xmlns:p14="http://schemas.microsoft.com/office/powerpoint/2010/main" val="761372426"/>
+      </p:ext>
+    </p:extLst>
+  </p:cSld>
+  <p:clrMapOvr>
+    <a:masterClrMapping/>
+  </p:clrMapOvr>
+  <p:timing>
+    <p:tnLst>
+      <p:par>
+        <p:cTn id="1" dur="indefinite" restart="never" nodeType="tmRoot"/>
+      </p:par>
+    </p:tnLst>
+  </p:timing>
 </p:sld>
 </file>
 
@@ -3122,39 +5624,158 @@
             <a:spLocks noGrp="1"/>
           </p:cNvSpPr>
           <p:nvPr>
-            <p:ph type="ctrTitle"/>
-          </p:nvPr>
-        </p:nvSpPr>
-        <p:spPr/>
+            <p:ph type="title"/>
+          </p:nvPr>
+        </p:nvSpPr>
+        <p:spPr/>
+        <p:txBody>
+          <a:bodyPr/>
+          <a:lstStyle/>
+          <a:p>
+            <a:r>
+              <a:rPr lang="en-US" altLang="zh-CN" dirty="0"/>
+              <a:t>Is China Winning the </a:t>
+            </a:r>
+            <a:r>
+              <a:rPr lang="en-US" altLang="zh-CN" i="1" u="sng" dirty="0"/>
+              <a:t>Trade War</a:t>
+            </a:r>
+            <a:r>
+              <a:rPr lang="en-US" altLang="zh-CN" i="1" dirty="0"/>
+              <a:t> </a:t>
+            </a:r>
+            <a:r>
+              <a:rPr lang="en-US" altLang="zh-CN" dirty="0"/>
+              <a:t>?</a:t>
+            </a:r>
+            <a:endParaRPr lang="zh-CN" altLang="en-US" dirty="0"/>
+          </a:p>
+        </p:txBody>
+      </p:sp>
+      <p:pic>
+        <p:nvPicPr>
+          <p:cNvPr id="4" name="内容占位符 3"/>
+          <p:cNvPicPr>
+            <a:picLocks noGrp="1" noChangeAspect="1"/>
+          </p:cNvPicPr>
+          <p:nvPr>
+            <p:ph idx="1"/>
+          </p:nvPr>
+        </p:nvPicPr>
+        <p:blipFill>
+          <a:blip r:embed="rId2">
+            <a:extLst>
+              <a:ext uri="{28A0092B-C50C-407E-A947-70E740481C1C}">
+                <a14:useLocalDpi xmlns:a14="http://schemas.microsoft.com/office/drawing/2010/main" val="0"/>
+              </a:ext>
+            </a:extLst>
+          </a:blip>
+          <a:stretch>
+            <a:fillRect/>
+          </a:stretch>
+        </p:blipFill>
+        <p:spPr>
+          <a:xfrm>
+            <a:off x="3005137" y="1939131"/>
+            <a:ext cx="6181725" cy="4124325"/>
+          </a:xfrm>
+        </p:spPr>
+      </p:pic>
+      <p:sp>
+        <p:nvSpPr>
+          <p:cNvPr id="3" name="矩形 2"/>
+          <p:cNvSpPr/>
+          <p:nvPr/>
+        </p:nvSpPr>
+        <p:spPr>
+          <a:xfrm>
+            <a:off x="3090862" y="6155160"/>
+            <a:ext cx="6096000" cy="290913"/>
+          </a:xfrm>
+          <a:prstGeom prst="rect">
+            <a:avLst/>
+          </a:prstGeom>
+        </p:spPr>
         <p:txBody>
           <a:bodyPr>
-            <a:normAutofit/>
+            <a:spAutoFit/>
           </a:bodyPr>
           <a:lstStyle/>
           <a:p>
-            <a:r>
-              <a:rPr lang="en-US" altLang="zh-CN" sz="5400" dirty="0"/>
-              <a:t>Distributed Representation of Chinese Collocation</a:t>
-            </a:r>
-            <a:endParaRPr lang="zh-CN" altLang="en-US" sz="5400" dirty="0"/>
-          </a:p>
-        </p:txBody>
-      </p:sp>
-      <p:sp>
-        <p:nvSpPr>
-          <p:cNvPr id="3" name="副标题 2"/>
-          <p:cNvSpPr>
-            <a:spLocks noGrp="1"/>
-          </p:cNvSpPr>
-          <p:nvPr>
-            <p:ph type="subTitle" idx="1"/>
-          </p:nvPr>
-        </p:nvSpPr>
-        <p:spPr/>
-        <p:txBody>
-          <a:bodyPr/>
-          <a:lstStyle/>
-          <a:p>
+            <a:pPr>
+              <a:lnSpc>
+                <a:spcPts val="1700"/>
+              </a:lnSpc>
+              <a:spcAft>
+                <a:spcPts val="1200"/>
+              </a:spcAft>
+            </a:pPr>
+            <a:r>
+              <a:rPr lang="en-US" altLang="zh-CN" sz="1100" u="sng" dirty="0">
+                <a:solidFill>
+                  <a:srgbClr val="000000"/>
+                </a:solidFill>
+                <a:latin typeface="Helvetica" panose="020B0604020202020204" pitchFamily="34" charset="0"/>
+                <a:ea typeface="Arial Unicode MS"/>
+                <a:cs typeface="Helvetica" panose="020B0604020202020204" pitchFamily="34" charset="0"/>
+                <a:hlinkClick r:id="rId3"/>
+              </a:rPr>
+              <a:t>https://www.newyorker.com/news/our-columnists/why-china-is-winning-the-trade-war</a:t>
+            </a:r>
+            <a:endParaRPr lang="zh-CN" altLang="zh-CN" sz="900" dirty="0">
+              <a:solidFill>
+                <a:srgbClr val="000000"/>
+              </a:solidFill>
+              <a:effectLst/>
+              <a:latin typeface="Helvetica" panose="020B0604020202020204" pitchFamily="34" charset="0"/>
+              <a:ea typeface="Arial Unicode MS"/>
+              <a:cs typeface="Arial Unicode MS"/>
+            </a:endParaRPr>
+          </a:p>
+        </p:txBody>
+      </p:sp>
+      <p:sp>
+        <p:nvSpPr>
+          <p:cNvPr id="5" name="页脚占位符 4"/>
+          <p:cNvSpPr>
+            <a:spLocks noGrp="1"/>
+          </p:cNvSpPr>
+          <p:nvPr>
+            <p:ph type="ftr" sz="quarter" idx="11"/>
+          </p:nvPr>
+        </p:nvSpPr>
+        <p:spPr/>
+        <p:txBody>
+          <a:bodyPr/>
+          <a:lstStyle/>
+          <a:p>
+            <a:r>
+              <a:rPr lang="en-US" altLang="zh-CN" smtClean="0"/>
+              <a:t>PACLIC 32 Semantics</a:t>
+            </a:r>
+            <a:endParaRPr lang="zh-CN" altLang="en-US"/>
+          </a:p>
+        </p:txBody>
+      </p:sp>
+      <p:sp>
+        <p:nvSpPr>
+          <p:cNvPr id="6" name="幻灯片编号占位符 5"/>
+          <p:cNvSpPr>
+            <a:spLocks noGrp="1"/>
+          </p:cNvSpPr>
+          <p:nvPr>
+            <p:ph type="sldNum" sz="quarter" idx="12"/>
+          </p:nvPr>
+        </p:nvSpPr>
+        <p:spPr/>
+        <p:txBody>
+          <a:bodyPr/>
+          <a:lstStyle/>
+          <a:p>
+            <a:fld id="{3E9D6AB3-6D86-4BF2-AE34-936A8D37E25D}" type="slidenum">
+              <a:rPr lang="zh-CN" altLang="en-US" smtClean="0"/>
+              <a:t>2</a:t>
+            </a:fld>
             <a:endParaRPr lang="zh-CN" altLang="en-US"/>
           </a:p>
         </p:txBody>
@@ -3162,13 +5783,266 @@
     </p:spTree>
     <p:extLst>
       <p:ext uri="{BB962C8B-B14F-4D97-AF65-F5344CB8AC3E}">
-        <p14:creationId xmlns:p14="http://schemas.microsoft.com/office/powerpoint/2010/main" val="2483763537"/>
+        <p14:creationId xmlns:p14="http://schemas.microsoft.com/office/powerpoint/2010/main" val="2060439829"/>
       </p:ext>
     </p:extLst>
   </p:cSld>
   <p:clrMapOvr>
     <a:masterClrMapping/>
   </p:clrMapOvr>
+  <p:timing>
+    <p:tnLst>
+      <p:par>
+        <p:cTn id="1" dur="indefinite" restart="never" nodeType="tmRoot"/>
+      </p:par>
+    </p:tnLst>
+  </p:timing>
+</p:sld>
+</file>
+
+<file path=ppt/slides/slide20.xml><?xml version="1.0" encoding="utf-8"?>
+<p:sld xmlns:a="http://schemas.openxmlformats.org/drawingml/2006/main" xmlns:r="http://schemas.openxmlformats.org/officeDocument/2006/relationships" xmlns:p="http://schemas.openxmlformats.org/presentationml/2006/main">
+  <p:cSld>
+    <p:spTree>
+      <p:nvGrpSpPr>
+        <p:cNvPr id="1" name=""/>
+        <p:cNvGrpSpPr/>
+        <p:nvPr/>
+      </p:nvGrpSpPr>
+      <p:grpSpPr>
+        <a:xfrm>
+          <a:off x="0" y="0"/>
+          <a:ext cx="0" cy="0"/>
+          <a:chOff x="0" y="0"/>
+          <a:chExt cx="0" cy="0"/>
+        </a:xfrm>
+      </p:grpSpPr>
+      <p:sp>
+        <p:nvSpPr>
+          <p:cNvPr id="2" name="标题 1"/>
+          <p:cNvSpPr>
+            <a:spLocks noGrp="1"/>
+          </p:cNvSpPr>
+          <p:nvPr>
+            <p:ph type="title"/>
+          </p:nvPr>
+        </p:nvSpPr>
+        <p:spPr/>
+        <p:txBody>
+          <a:bodyPr/>
+          <a:lstStyle/>
+          <a:p>
+            <a:r>
+              <a:rPr lang="en-US" altLang="zh-CN" dirty="0"/>
+              <a:t>Conclusion and future work </a:t>
+            </a:r>
+            <a:endParaRPr kumimoji="1" lang="zh-CN" altLang="en-US" dirty="0"/>
+          </a:p>
+        </p:txBody>
+      </p:sp>
+      <p:sp>
+        <p:nvSpPr>
+          <p:cNvPr id="3" name="内容占位符 2"/>
+          <p:cNvSpPr>
+            <a:spLocks noGrp="1"/>
+          </p:cNvSpPr>
+          <p:nvPr>
+            <p:ph idx="1"/>
+          </p:nvPr>
+        </p:nvSpPr>
+        <p:spPr/>
+        <p:txBody>
+          <a:bodyPr/>
+          <a:lstStyle/>
+          <a:p>
+            <a:endParaRPr kumimoji="1" lang="zh-CN" altLang="en-US"/>
+          </a:p>
+        </p:txBody>
+      </p:sp>
+      <p:sp>
+        <p:nvSpPr>
+          <p:cNvPr id="4" name="页脚占位符 3"/>
+          <p:cNvSpPr>
+            <a:spLocks noGrp="1"/>
+          </p:cNvSpPr>
+          <p:nvPr>
+            <p:ph type="ftr" sz="quarter" idx="11"/>
+          </p:nvPr>
+        </p:nvSpPr>
+        <p:spPr/>
+        <p:txBody>
+          <a:bodyPr/>
+          <a:lstStyle/>
+          <a:p>
+            <a:r>
+              <a:rPr lang="en-US" altLang="zh-CN" smtClean="0"/>
+              <a:t>PACLIC 32 Semantics</a:t>
+            </a:r>
+            <a:endParaRPr lang="zh-CN" altLang="en-US"/>
+          </a:p>
+        </p:txBody>
+      </p:sp>
+      <p:sp>
+        <p:nvSpPr>
+          <p:cNvPr id="5" name="幻灯片编号占位符 4"/>
+          <p:cNvSpPr>
+            <a:spLocks noGrp="1"/>
+          </p:cNvSpPr>
+          <p:nvPr>
+            <p:ph type="sldNum" sz="quarter" idx="12"/>
+          </p:nvPr>
+        </p:nvSpPr>
+        <p:spPr/>
+        <p:txBody>
+          <a:bodyPr/>
+          <a:lstStyle/>
+          <a:p>
+            <a:fld id="{3E9D6AB3-6D86-4BF2-AE34-936A8D37E25D}" type="slidenum">
+              <a:rPr lang="zh-CN" altLang="en-US" smtClean="0"/>
+              <a:t>20</a:t>
+            </a:fld>
+            <a:endParaRPr lang="zh-CN" altLang="en-US"/>
+          </a:p>
+        </p:txBody>
+      </p:sp>
+    </p:spTree>
+    <p:extLst>
+      <p:ext uri="{BB962C8B-B14F-4D97-AF65-F5344CB8AC3E}">
+        <p14:creationId xmlns:p14="http://schemas.microsoft.com/office/powerpoint/2010/main" val="1002113766"/>
+      </p:ext>
+    </p:extLst>
+  </p:cSld>
+  <p:clrMapOvr>
+    <a:masterClrMapping/>
+  </p:clrMapOvr>
+  <p:timing>
+    <p:tnLst>
+      <p:par>
+        <p:cTn id="1" dur="indefinite" restart="never" nodeType="tmRoot"/>
+      </p:par>
+    </p:tnLst>
+  </p:timing>
+</p:sld>
+</file>
+
+<file path=ppt/slides/slide21.xml><?xml version="1.0" encoding="utf-8"?>
+<p:sld xmlns:a="http://schemas.openxmlformats.org/drawingml/2006/main" xmlns:r="http://schemas.openxmlformats.org/officeDocument/2006/relationships" xmlns:p="http://schemas.openxmlformats.org/presentationml/2006/main">
+  <p:cSld>
+    <p:spTree>
+      <p:nvGrpSpPr>
+        <p:cNvPr id="1" name=""/>
+        <p:cNvGrpSpPr/>
+        <p:nvPr/>
+      </p:nvGrpSpPr>
+      <p:grpSpPr>
+        <a:xfrm>
+          <a:off x="0" y="0"/>
+          <a:ext cx="0" cy="0"/>
+          <a:chOff x="0" y="0"/>
+          <a:chExt cx="0" cy="0"/>
+        </a:xfrm>
+      </p:grpSpPr>
+      <p:sp>
+        <p:nvSpPr>
+          <p:cNvPr id="2" name="标题 1"/>
+          <p:cNvSpPr>
+            <a:spLocks noGrp="1"/>
+          </p:cNvSpPr>
+          <p:nvPr>
+            <p:ph type="title"/>
+          </p:nvPr>
+        </p:nvSpPr>
+        <p:spPr/>
+        <p:txBody>
+          <a:bodyPr/>
+          <a:lstStyle/>
+          <a:p>
+            <a:endParaRPr kumimoji="1" lang="zh-CN" altLang="en-US"/>
+          </a:p>
+        </p:txBody>
+      </p:sp>
+      <p:sp>
+        <p:nvSpPr>
+          <p:cNvPr id="3" name="内容占位符 2"/>
+          <p:cNvSpPr>
+            <a:spLocks noGrp="1"/>
+          </p:cNvSpPr>
+          <p:nvPr>
+            <p:ph idx="1"/>
+          </p:nvPr>
+        </p:nvSpPr>
+        <p:spPr/>
+        <p:txBody>
+          <a:bodyPr/>
+          <a:lstStyle/>
+          <a:p>
+            <a:endParaRPr kumimoji="1" lang="zh-CN" altLang="en-US"/>
+          </a:p>
+        </p:txBody>
+      </p:sp>
+      <p:sp>
+        <p:nvSpPr>
+          <p:cNvPr id="4" name="页脚占位符 3"/>
+          <p:cNvSpPr>
+            <a:spLocks noGrp="1"/>
+          </p:cNvSpPr>
+          <p:nvPr>
+            <p:ph type="ftr" sz="quarter" idx="11"/>
+          </p:nvPr>
+        </p:nvSpPr>
+        <p:spPr/>
+        <p:txBody>
+          <a:bodyPr/>
+          <a:lstStyle/>
+          <a:p>
+            <a:r>
+              <a:rPr lang="en-US" altLang="zh-CN" smtClean="0"/>
+              <a:t>PACLIC 32 Semantics</a:t>
+            </a:r>
+            <a:endParaRPr lang="zh-CN" altLang="en-US"/>
+          </a:p>
+        </p:txBody>
+      </p:sp>
+      <p:sp>
+        <p:nvSpPr>
+          <p:cNvPr id="5" name="幻灯片编号占位符 4"/>
+          <p:cNvSpPr>
+            <a:spLocks noGrp="1"/>
+          </p:cNvSpPr>
+          <p:nvPr>
+            <p:ph type="sldNum" sz="quarter" idx="12"/>
+          </p:nvPr>
+        </p:nvSpPr>
+        <p:spPr/>
+        <p:txBody>
+          <a:bodyPr/>
+          <a:lstStyle/>
+          <a:p>
+            <a:fld id="{3E9D6AB3-6D86-4BF2-AE34-936A8D37E25D}" type="slidenum">
+              <a:rPr lang="zh-CN" altLang="en-US" smtClean="0"/>
+              <a:t>21</a:t>
+            </a:fld>
+            <a:endParaRPr lang="zh-CN" altLang="en-US"/>
+          </a:p>
+        </p:txBody>
+      </p:sp>
+    </p:spTree>
+    <p:extLst>
+      <p:ext uri="{BB962C8B-B14F-4D97-AF65-F5344CB8AC3E}">
+        <p14:creationId xmlns:p14="http://schemas.microsoft.com/office/powerpoint/2010/main" val="1733500757"/>
+      </p:ext>
+    </p:extLst>
+  </p:cSld>
+  <p:clrMapOvr>
+    <a:masterClrMapping/>
+  </p:clrMapOvr>
+  <p:timing>
+    <p:tnLst>
+      <p:par>
+        <p:cTn id="1" dur="indefinite" restart="never" nodeType="tmRoot"/>
+      </p:par>
+    </p:tnLst>
+  </p:timing>
 </p:sld>
 </file>
 
@@ -3196,269 +6070,75 @@
             <a:spLocks noGrp="1"/>
           </p:cNvSpPr>
           <p:nvPr>
-            <p:ph type="title"/>
-          </p:nvPr>
-        </p:nvSpPr>
-        <p:spPr/>
-        <p:txBody>
-          <a:bodyPr/>
-          <a:lstStyle/>
-          <a:p>
-            <a:endParaRPr lang="zh-CN" altLang="en-US"/>
-          </a:p>
-        </p:txBody>
-      </p:sp>
-      <p:sp>
-        <p:nvSpPr>
-          <p:cNvPr id="3" name="内容占位符 2"/>
-          <p:cNvSpPr>
-            <a:spLocks noGrp="1"/>
-          </p:cNvSpPr>
-          <p:nvPr>
-            <p:ph idx="1"/>
+            <p:ph type="ctrTitle"/>
           </p:nvPr>
         </p:nvSpPr>
         <p:spPr/>
         <p:txBody>
           <a:bodyPr>
-            <a:normAutofit fontScale="77500" lnSpcReduction="20000"/>
+            <a:normAutofit/>
           </a:bodyPr>
           <a:lstStyle/>
           <a:p>
             <a:r>
-              <a:rPr lang="en-US" altLang="zh-CN" dirty="0"/>
-              <a:t>Compulsory English lesson </a:t>
-            </a:r>
-            <a:endParaRPr lang="zh-CN" altLang="zh-CN" dirty="0"/>
-          </a:p>
-          <a:p>
-            <a:r>
-              <a:rPr lang="en-US" altLang="zh-CN" dirty="0"/>
-              <a:t>Unit 4 Wildlife Protection </a:t>
-            </a:r>
-            <a:r>
-              <a:rPr lang="zh-CN" altLang="zh-CN" dirty="0"/>
-              <a:t>一课中出现的词块有：</a:t>
-            </a:r>
-          </a:p>
-          <a:p>
-            <a:r>
-              <a:rPr lang="en-US" altLang="zh-CN" dirty="0"/>
-              <a:t>1  decrease to </a:t>
-            </a:r>
-            <a:r>
-              <a:rPr lang="zh-CN" altLang="zh-CN" dirty="0"/>
-              <a:t>减少到</a:t>
-            </a:r>
-            <a:r>
-              <a:rPr lang="en-US" altLang="zh-CN" dirty="0"/>
-              <a:t>                    2. decrease by</a:t>
-            </a:r>
-            <a:r>
-              <a:rPr lang="zh-CN" altLang="zh-CN" dirty="0"/>
-              <a:t>　减少了</a:t>
-            </a:r>
-          </a:p>
-          <a:p>
-            <a:r>
-              <a:rPr lang="en-US" altLang="zh-CN" dirty="0"/>
-              <a:t>3. die out </a:t>
-            </a:r>
-            <a:r>
-              <a:rPr lang="zh-CN" altLang="zh-CN" dirty="0"/>
-              <a:t>灭亡</a:t>
-            </a:r>
-            <a:r>
-              <a:rPr lang="en-US" altLang="zh-CN" dirty="0"/>
-              <a:t>                          4. loss of</a:t>
-            </a:r>
-            <a:r>
-              <a:rPr lang="zh-CN" altLang="zh-CN" dirty="0"/>
-              <a:t>缺少</a:t>
-            </a:r>
-          </a:p>
-          <a:p>
-            <a:r>
-              <a:rPr lang="en-US" altLang="zh-CN" dirty="0"/>
-              <a:t>5. in peace </a:t>
-            </a:r>
-            <a:r>
-              <a:rPr lang="zh-CN" altLang="zh-CN" dirty="0"/>
-              <a:t>和平地</a:t>
-            </a:r>
-            <a:r>
-              <a:rPr lang="en-US" altLang="zh-CN" dirty="0"/>
-              <a:t>                        6. in danger of </a:t>
-            </a:r>
-            <a:r>
-              <a:rPr lang="zh-CN" altLang="zh-CN" dirty="0"/>
-              <a:t>处于危险中</a:t>
-            </a:r>
-          </a:p>
-          <a:p>
-            <a:r>
-              <a:rPr lang="en-US" altLang="zh-CN" dirty="0"/>
-              <a:t>7. burst into laughter </a:t>
-            </a:r>
-            <a:r>
-              <a:rPr lang="zh-CN" altLang="zh-CN" dirty="0"/>
-              <a:t>突然大笑</a:t>
-            </a:r>
-            <a:r>
-              <a:rPr lang="en-US" altLang="zh-CN" dirty="0"/>
-              <a:t>              8. protect</a:t>
-            </a:r>
-            <a:r>
-              <a:rPr lang="zh-CN" altLang="zh-CN" dirty="0"/>
-              <a:t>…</a:t>
-            </a:r>
-            <a:r>
-              <a:rPr lang="en-US" altLang="zh-CN" dirty="0"/>
-              <a:t>from</a:t>
-            </a:r>
-            <a:r>
-              <a:rPr lang="zh-CN" altLang="zh-CN" dirty="0"/>
-              <a:t>…保护…不受</a:t>
-            </a:r>
-            <a:r>
-              <a:rPr lang="en-US" altLang="zh-CN" dirty="0"/>
-              <a:t>(</a:t>
-            </a:r>
-            <a:r>
-              <a:rPr lang="zh-CN" altLang="zh-CN" dirty="0"/>
-              <a:t>伤害</a:t>
-            </a:r>
-            <a:r>
-              <a:rPr lang="en-US" altLang="zh-CN" dirty="0"/>
-              <a:t>)</a:t>
-            </a:r>
-            <a:endParaRPr lang="zh-CN" altLang="zh-CN" dirty="0"/>
-          </a:p>
-          <a:p>
-            <a:r>
-              <a:rPr lang="en-US" altLang="zh-CN" dirty="0"/>
-              <a:t>9.appreciate doing </a:t>
-            </a:r>
-            <a:r>
-              <a:rPr lang="en-US" altLang="zh-CN" dirty="0" err="1"/>
-              <a:t>sth</a:t>
-            </a:r>
-            <a:r>
-              <a:rPr lang="en-US" altLang="zh-CN" dirty="0"/>
+              <a:rPr lang="en-US" altLang="zh-CN" sz="5400" dirty="0"/>
+              <a:t>Distributed Representation of Chinese Collocation</a:t>
+            </a:r>
+            <a:endParaRPr lang="zh-CN" altLang="en-US" sz="5400" dirty="0"/>
+          </a:p>
+        </p:txBody>
+      </p:sp>
+      <p:sp>
+        <p:nvSpPr>
+          <p:cNvPr id="3" name="副标题 2"/>
+          <p:cNvSpPr>
+            <a:spLocks noGrp="1"/>
+          </p:cNvSpPr>
+          <p:nvPr>
+            <p:ph type="subTitle" idx="1"/>
+          </p:nvPr>
+        </p:nvSpPr>
+        <p:spPr/>
+        <p:txBody>
+          <a:bodyPr/>
+          <a:lstStyle/>
+          <a:p>
+            <a:r>
+              <a:rPr lang="en-US" altLang="zh-CN" dirty="0" smtClean="0"/>
+              <a:t>Bo</a:t>
+            </a:r>
+            <a:r>
+              <a:rPr lang="zh-CN" altLang="en-US" dirty="0" smtClean="0"/>
               <a:t> </a:t>
             </a:r>
             <a:r>
-              <a:rPr lang="zh-CN" altLang="zh-CN" dirty="0"/>
-              <a:t>感激做某事</a:t>
-            </a:r>
-            <a:r>
-              <a:rPr lang="en-US" altLang="zh-CN" dirty="0"/>
-              <a:t>           10. long before </a:t>
-            </a:r>
-            <a:r>
-              <a:rPr lang="zh-CN" altLang="zh-CN" dirty="0"/>
-              <a:t>很久以前</a:t>
-            </a:r>
-          </a:p>
-          <a:p>
-            <a:r>
-              <a:rPr lang="en-US" altLang="zh-CN" dirty="0"/>
-              <a:t>11.before long </a:t>
-            </a:r>
-            <a:r>
-              <a:rPr lang="zh-CN" altLang="zh-CN" dirty="0"/>
-              <a:t>很快，不久</a:t>
-            </a:r>
-            <a:r>
-              <a:rPr lang="en-US" altLang="zh-CN" dirty="0"/>
-              <a:t>                 12. come into being </a:t>
-            </a:r>
-            <a:r>
-              <a:rPr lang="zh-CN" altLang="zh-CN" dirty="0"/>
-              <a:t>形成</a:t>
-            </a:r>
-          </a:p>
-          <a:p>
-            <a:r>
-              <a:rPr lang="en-US" altLang="zh-CN" dirty="0"/>
-              <a:t>13.for sure </a:t>
-            </a:r>
-            <a:r>
-              <a:rPr lang="zh-CN" altLang="zh-CN" dirty="0"/>
-              <a:t>一定要，必须</a:t>
-            </a:r>
-            <a:r>
-              <a:rPr lang="en-US" altLang="zh-CN" dirty="0"/>
-              <a:t>                 14.so that </a:t>
-            </a:r>
-            <a:r>
-              <a:rPr lang="zh-CN" altLang="zh-CN" dirty="0"/>
-              <a:t>以致于，为了</a:t>
-            </a:r>
-          </a:p>
-          <a:p>
-            <a:r>
-              <a:rPr lang="en-US" altLang="zh-CN" dirty="0"/>
-              <a:t>15.in relief </a:t>
-            </a:r>
-            <a:r>
-              <a:rPr lang="zh-CN" altLang="zh-CN" dirty="0"/>
-              <a:t>如释重负，松了口气</a:t>
-            </a:r>
-            <a:r>
-              <a:rPr lang="en-US" altLang="zh-CN" dirty="0"/>
-              <a:t>           16.pat attention to </a:t>
-            </a:r>
-            <a:r>
-              <a:rPr lang="zh-CN" altLang="zh-CN" dirty="0"/>
-              <a:t>注意</a:t>
-            </a:r>
-          </a:p>
-          <a:p>
-            <a:r>
-              <a:rPr lang="en-US" altLang="zh-CN" dirty="0"/>
-              <a:t>17.according to </a:t>
-            </a:r>
-            <a:r>
-              <a:rPr lang="zh-CN" altLang="zh-CN" dirty="0"/>
-              <a:t>按照，根据</a:t>
-            </a:r>
-            <a:r>
-              <a:rPr lang="en-US" altLang="zh-CN" dirty="0"/>
-              <a:t>               18.in such a short time </a:t>
-            </a:r>
-            <a:r>
-              <a:rPr lang="zh-CN" altLang="zh-CN" dirty="0"/>
-              <a:t>在如此短的时间内</a:t>
-            </a:r>
-          </a:p>
-          <a:p>
-            <a:r>
-              <a:rPr lang="en-US" altLang="zh-CN" dirty="0"/>
-              <a:t>19. have an effect on </a:t>
-            </a:r>
-            <a:r>
-              <a:rPr lang="zh-CN" altLang="zh-CN" dirty="0"/>
-              <a:t>对…产生影响</a:t>
-            </a:r>
-            <a:r>
-              <a:rPr lang="en-US" altLang="zh-CN" dirty="0"/>
-              <a:t>         20. succeed in doing </a:t>
-            </a:r>
-            <a:r>
-              <a:rPr lang="en-US" altLang="zh-CN" dirty="0" err="1"/>
-              <a:t>sth</a:t>
-            </a:r>
-            <a:r>
-              <a:rPr lang="en-US" altLang="zh-CN" dirty="0"/>
+              <a:rPr lang="en-US" altLang="zh-CN" dirty="0" smtClean="0"/>
+              <a:t>Xia</a:t>
+            </a:r>
+            <a:r>
+              <a:rPr lang="zh-CN" altLang="en-US" dirty="0" smtClean="0"/>
               <a:t> </a:t>
             </a:r>
             <a:r>
-              <a:rPr lang="zh-CN" altLang="zh-CN" dirty="0"/>
-              <a:t>成功地做某事</a:t>
-            </a:r>
-          </a:p>
-          <a:p>
+              <a:rPr lang="en-US" altLang="zh-CN" dirty="0" smtClean="0"/>
+              <a:t>and</a:t>
+            </a:r>
+            <a:r>
+              <a:rPr lang="zh-CN" altLang="en-US" dirty="0" smtClean="0"/>
+              <a:t> </a:t>
+            </a:r>
+            <a:r>
+              <a:rPr lang="en-US" altLang="zh-CN" dirty="0" err="1" smtClean="0"/>
+              <a:t>Endong</a:t>
+            </a:r>
+            <a:r>
+              <a:rPr lang="zh-CN" altLang="en-US" dirty="0" smtClean="0"/>
+              <a:t> </a:t>
+            </a:r>
+            <a:r>
+              <a:rPr lang="en-US" altLang="zh-CN" dirty="0" err="1" smtClean="0"/>
+              <a:t>Xun</a:t>
+            </a:r>
             <a:endParaRPr lang="zh-CN" altLang="en-US" dirty="0"/>
           </a:p>
         </p:txBody>
@@ -3466,17 +6146,337 @@
     </p:spTree>
     <p:extLst>
       <p:ext uri="{BB962C8B-B14F-4D97-AF65-F5344CB8AC3E}">
-        <p14:creationId xmlns:p14="http://schemas.microsoft.com/office/powerpoint/2010/main" val="3800650968"/>
+        <p14:creationId xmlns:p14="http://schemas.microsoft.com/office/powerpoint/2010/main" val="1601274014"/>
       </p:ext>
     </p:extLst>
   </p:cSld>
   <p:clrMapOvr>
     <a:masterClrMapping/>
   </p:clrMapOvr>
+  <p:timing>
+    <p:tnLst>
+      <p:par>
+        <p:cTn id="1" dur="indefinite" restart="never" nodeType="tmRoot"/>
+      </p:par>
+    </p:tnLst>
+  </p:timing>
 </p:sld>
 </file>
 
 <file path=ppt/slides/slide4.xml><?xml version="1.0" encoding="utf-8"?>
+<p:sld xmlns:a="http://schemas.openxmlformats.org/drawingml/2006/main" xmlns:r="http://schemas.openxmlformats.org/officeDocument/2006/relationships" xmlns:p="http://schemas.openxmlformats.org/presentationml/2006/main">
+  <p:cSld>
+    <p:spTree>
+      <p:nvGrpSpPr>
+        <p:cNvPr id="1" name=""/>
+        <p:cNvGrpSpPr/>
+        <p:nvPr/>
+      </p:nvGrpSpPr>
+      <p:grpSpPr>
+        <a:xfrm>
+          <a:off x="0" y="0"/>
+          <a:ext cx="0" cy="0"/>
+          <a:chOff x="0" y="0"/>
+          <a:chExt cx="0" cy="0"/>
+        </a:xfrm>
+      </p:grpSpPr>
+      <p:sp>
+        <p:nvSpPr>
+          <p:cNvPr id="2" name="标题 1"/>
+          <p:cNvSpPr>
+            <a:spLocks noGrp="1"/>
+          </p:cNvSpPr>
+          <p:nvPr>
+            <p:ph type="title"/>
+          </p:nvPr>
+        </p:nvSpPr>
+        <p:spPr/>
+        <p:txBody>
+          <a:bodyPr/>
+          <a:lstStyle/>
+          <a:p>
+            <a:pPr lvl="0"/>
+            <a:r>
+              <a:rPr lang="zh-CN" altLang="zh-CN" dirty="0"/>
+              <a:t>I</a:t>
+            </a:r>
+            <a:r>
+              <a:rPr lang="fr-FR" altLang="zh-CN" dirty="0" err="1" smtClean="0"/>
+              <a:t>ntroduction</a:t>
+            </a:r>
+            <a:endParaRPr kumimoji="1" lang="zh-CN" altLang="en-US" dirty="0"/>
+          </a:p>
+        </p:txBody>
+      </p:sp>
+      <p:sp>
+        <p:nvSpPr>
+          <p:cNvPr id="3" name="内容占位符 2"/>
+          <p:cNvSpPr>
+            <a:spLocks noGrp="1"/>
+          </p:cNvSpPr>
+          <p:nvPr>
+            <p:ph idx="1"/>
+          </p:nvPr>
+        </p:nvSpPr>
+        <p:spPr/>
+        <p:txBody>
+          <a:bodyPr/>
+          <a:lstStyle/>
+          <a:p>
+            <a:endParaRPr kumimoji="1" lang="zh-CN" altLang="en-US" dirty="0"/>
+          </a:p>
+        </p:txBody>
+      </p:sp>
+      <p:sp>
+        <p:nvSpPr>
+          <p:cNvPr id="4" name="页脚占位符 3"/>
+          <p:cNvSpPr>
+            <a:spLocks noGrp="1"/>
+          </p:cNvSpPr>
+          <p:nvPr>
+            <p:ph type="ftr" sz="quarter" idx="11"/>
+          </p:nvPr>
+        </p:nvSpPr>
+        <p:spPr/>
+        <p:txBody>
+          <a:bodyPr/>
+          <a:lstStyle/>
+          <a:p>
+            <a:r>
+              <a:rPr lang="en-US" altLang="zh-CN" dirty="0" smtClean="0"/>
+              <a:t>PACLIC 32 Semantics</a:t>
+            </a:r>
+            <a:endParaRPr lang="zh-CN" altLang="en-US" dirty="0"/>
+          </a:p>
+        </p:txBody>
+      </p:sp>
+      <p:sp>
+        <p:nvSpPr>
+          <p:cNvPr id="5" name="幻灯片编号占位符 4"/>
+          <p:cNvSpPr>
+            <a:spLocks noGrp="1"/>
+          </p:cNvSpPr>
+          <p:nvPr>
+            <p:ph type="sldNum" sz="quarter" idx="12"/>
+          </p:nvPr>
+        </p:nvSpPr>
+        <p:spPr/>
+        <p:txBody>
+          <a:bodyPr/>
+          <a:lstStyle/>
+          <a:p>
+            <a:fld id="{3E9D6AB3-6D86-4BF2-AE34-936A8D37E25D}" type="slidenum">
+              <a:rPr lang="zh-CN" altLang="en-US" smtClean="0"/>
+              <a:t>4</a:t>
+            </a:fld>
+            <a:endParaRPr lang="zh-CN" altLang="en-US"/>
+          </a:p>
+        </p:txBody>
+      </p:sp>
+    </p:spTree>
+    <p:extLst>
+      <p:ext uri="{BB962C8B-B14F-4D97-AF65-F5344CB8AC3E}">
+        <p14:creationId xmlns:p14="http://schemas.microsoft.com/office/powerpoint/2010/main" val="36584050"/>
+      </p:ext>
+    </p:extLst>
+  </p:cSld>
+  <p:clrMapOvr>
+    <a:masterClrMapping/>
+  </p:clrMapOvr>
+  <p:timing>
+    <p:tnLst>
+      <p:par>
+        <p:cTn id="1" dur="indefinite" restart="never" nodeType="tmRoot"/>
+      </p:par>
+    </p:tnLst>
+  </p:timing>
+</p:sld>
+</file>
+
+<file path=ppt/slides/slide5.xml><?xml version="1.0" encoding="utf-8"?>
+<p:sld xmlns:a="http://schemas.openxmlformats.org/drawingml/2006/main" xmlns:r="http://schemas.openxmlformats.org/officeDocument/2006/relationships" xmlns:p="http://schemas.openxmlformats.org/presentationml/2006/main">
+  <p:cSld>
+    <p:spTree>
+      <p:nvGrpSpPr>
+        <p:cNvPr id="1" name=""/>
+        <p:cNvGrpSpPr/>
+        <p:nvPr/>
+      </p:nvGrpSpPr>
+      <p:grpSpPr>
+        <a:xfrm>
+          <a:off x="0" y="0"/>
+          <a:ext cx="0" cy="0"/>
+          <a:chOff x="0" y="0"/>
+          <a:chExt cx="0" cy="0"/>
+        </a:xfrm>
+      </p:grpSpPr>
+      <p:sp>
+        <p:nvSpPr>
+          <p:cNvPr id="2" name="标题 1"/>
+          <p:cNvSpPr>
+            <a:spLocks noGrp="1"/>
+          </p:cNvSpPr>
+          <p:nvPr>
+            <p:ph type="title"/>
+          </p:nvPr>
+        </p:nvSpPr>
+        <p:spPr/>
+        <p:txBody>
+          <a:bodyPr/>
+          <a:lstStyle/>
+          <a:p>
+            <a:pPr lvl="0"/>
+            <a:r>
+              <a:rPr lang="de-DE" altLang="zh-CN" dirty="0" err="1"/>
+              <a:t>What</a:t>
+            </a:r>
+            <a:r>
+              <a:rPr lang="de-DE" altLang="zh-CN" dirty="0"/>
+              <a:t> </a:t>
+            </a:r>
+            <a:r>
+              <a:rPr lang="de-DE" altLang="zh-CN" dirty="0" err="1"/>
+              <a:t>is</a:t>
+            </a:r>
+            <a:r>
+              <a:rPr lang="de-DE" altLang="zh-CN" dirty="0"/>
+              <a:t> </a:t>
+            </a:r>
+            <a:r>
+              <a:rPr lang="de-DE" altLang="zh-CN" dirty="0" err="1"/>
+              <a:t>collocation</a:t>
+            </a:r>
+            <a:r>
+              <a:rPr lang="de-DE" altLang="zh-CN" dirty="0"/>
+              <a:t>?</a:t>
+            </a:r>
+            <a:r>
+              <a:rPr lang="zh-CN" altLang="zh-CN" dirty="0"/>
+              <a:t> </a:t>
+            </a:r>
+            <a:endParaRPr kumimoji="1" lang="zh-CN" altLang="en-US" dirty="0"/>
+          </a:p>
+        </p:txBody>
+      </p:sp>
+      <p:sp>
+        <p:nvSpPr>
+          <p:cNvPr id="3" name="内容占位符 2"/>
+          <p:cNvSpPr>
+            <a:spLocks noGrp="1"/>
+          </p:cNvSpPr>
+          <p:nvPr>
+            <p:ph idx="1"/>
+          </p:nvPr>
+        </p:nvSpPr>
+        <p:spPr/>
+        <p:txBody>
+          <a:bodyPr/>
+          <a:lstStyle/>
+          <a:p>
+            <a:endParaRPr kumimoji="1" lang="zh-CN" altLang="en-US" dirty="0"/>
+          </a:p>
+        </p:txBody>
+      </p:sp>
+      <p:sp>
+        <p:nvSpPr>
+          <p:cNvPr id="4" name="页脚占位符 3"/>
+          <p:cNvSpPr>
+            <a:spLocks noGrp="1"/>
+          </p:cNvSpPr>
+          <p:nvPr>
+            <p:ph type="ftr" sz="quarter" idx="11"/>
+          </p:nvPr>
+        </p:nvSpPr>
+        <p:spPr/>
+        <p:txBody>
+          <a:bodyPr/>
+          <a:lstStyle/>
+          <a:p>
+            <a:r>
+              <a:rPr lang="en-US" altLang="zh-CN" dirty="0" smtClean="0"/>
+              <a:t>PACLIC 32 Semantics</a:t>
+            </a:r>
+            <a:endParaRPr lang="zh-CN" altLang="en-US" dirty="0"/>
+          </a:p>
+        </p:txBody>
+      </p:sp>
+      <p:sp>
+        <p:nvSpPr>
+          <p:cNvPr id="5" name="幻灯片编号占位符 4"/>
+          <p:cNvSpPr>
+            <a:spLocks noGrp="1"/>
+          </p:cNvSpPr>
+          <p:nvPr>
+            <p:ph type="sldNum" sz="quarter" idx="12"/>
+          </p:nvPr>
+        </p:nvSpPr>
+        <p:spPr/>
+        <p:txBody>
+          <a:bodyPr/>
+          <a:lstStyle/>
+          <a:p>
+            <a:fld id="{3E9D6AB3-6D86-4BF2-AE34-936A8D37E25D}" type="slidenum">
+              <a:rPr lang="zh-CN" altLang="en-US" smtClean="0"/>
+              <a:t>5</a:t>
+            </a:fld>
+            <a:endParaRPr lang="zh-CN" altLang="en-US"/>
+          </a:p>
+        </p:txBody>
+      </p:sp>
+      <p:sp>
+        <p:nvSpPr>
+          <p:cNvPr id="8" name="矩形 7"/>
+          <p:cNvSpPr/>
+          <p:nvPr/>
+        </p:nvSpPr>
+        <p:spPr>
+          <a:xfrm>
+            <a:off x="9950852" y="365125"/>
+            <a:ext cx="1402948" cy="369332"/>
+          </a:xfrm>
+          <a:prstGeom prst="rect">
+            <a:avLst/>
+          </a:prstGeom>
+        </p:spPr>
+        <p:txBody>
+          <a:bodyPr wrap="none">
+            <a:spAutoFit/>
+          </a:bodyPr>
+          <a:lstStyle/>
+          <a:p>
+            <a:r>
+              <a:rPr lang="zh-CN" altLang="zh-CN" dirty="0"/>
+              <a:t>I</a:t>
+            </a:r>
+            <a:r>
+              <a:rPr lang="fr-FR" altLang="zh-CN" dirty="0" err="1"/>
+              <a:t>ntroduction</a:t>
+            </a:r>
+            <a:endParaRPr kumimoji="1" lang="zh-CN" altLang="en-US" dirty="0"/>
+          </a:p>
+        </p:txBody>
+      </p:sp>
+    </p:spTree>
+    <p:extLst>
+      <p:ext uri="{BB962C8B-B14F-4D97-AF65-F5344CB8AC3E}">
+        <p14:creationId xmlns:p14="http://schemas.microsoft.com/office/powerpoint/2010/main" val="198327589"/>
+      </p:ext>
+    </p:extLst>
+  </p:cSld>
+  <p:clrMapOvr>
+    <a:masterClrMapping/>
+  </p:clrMapOvr>
+  <p:timing>
+    <p:tnLst>
+      <p:par>
+        <p:cTn id="1" dur="indefinite" restart="never" nodeType="tmRoot"/>
+      </p:par>
+    </p:tnLst>
+  </p:timing>
+</p:sld>
+</file>
+
+<file path=ppt/slides/slide6.xml><?xml version="1.0" encoding="utf-8"?>
 <p:sld xmlns:a="http://schemas.openxmlformats.org/drawingml/2006/main" xmlns:r="http://schemas.openxmlformats.org/officeDocument/2006/relationships" xmlns:p="http://schemas.openxmlformats.org/presentationml/2006/main">
   <p:cSld>
     <p:spTree>
@@ -3552,8 +6552,8 @@
         </p:blipFill>
         <p:spPr bwMode="auto">
           <a:xfrm>
-            <a:off x="3109595" y="1189355"/>
-            <a:ext cx="5972810" cy="4479290"/>
+            <a:off x="1548425" y="0"/>
+            <a:ext cx="9144648" cy="6858000"/>
           </a:xfrm>
           <a:prstGeom prst="rect">
             <a:avLst/>
@@ -3564,16 +6564,655 @@
           </a:ln>
         </p:spPr>
       </p:pic>
+      <p:sp>
+        <p:nvSpPr>
+          <p:cNvPr id="5" name="页脚占位符 4"/>
+          <p:cNvSpPr>
+            <a:spLocks noGrp="1"/>
+          </p:cNvSpPr>
+          <p:nvPr>
+            <p:ph type="ftr" sz="quarter" idx="11"/>
+          </p:nvPr>
+        </p:nvSpPr>
+        <p:spPr/>
+        <p:txBody>
+          <a:bodyPr/>
+          <a:lstStyle/>
+          <a:p>
+            <a:r>
+              <a:rPr lang="en-US" altLang="zh-CN" smtClean="0"/>
+              <a:t>PACLIC 32 Semantics</a:t>
+            </a:r>
+            <a:endParaRPr lang="zh-CN" altLang="en-US"/>
+          </a:p>
+        </p:txBody>
+      </p:sp>
+      <p:sp>
+        <p:nvSpPr>
+          <p:cNvPr id="6" name="幻灯片编号占位符 5"/>
+          <p:cNvSpPr>
+            <a:spLocks noGrp="1"/>
+          </p:cNvSpPr>
+          <p:nvPr>
+            <p:ph type="sldNum" sz="quarter" idx="12"/>
+          </p:nvPr>
+        </p:nvSpPr>
+        <p:spPr/>
+        <p:txBody>
+          <a:bodyPr/>
+          <a:lstStyle/>
+          <a:p>
+            <a:fld id="{3E9D6AB3-6D86-4BF2-AE34-936A8D37E25D}" type="slidenum">
+              <a:rPr lang="zh-CN" altLang="en-US" smtClean="0"/>
+              <a:t>6</a:t>
+            </a:fld>
+            <a:endParaRPr lang="zh-CN" altLang="en-US"/>
+          </a:p>
+        </p:txBody>
+      </p:sp>
     </p:spTree>
     <p:extLst>
       <p:ext uri="{BB962C8B-B14F-4D97-AF65-F5344CB8AC3E}">
-        <p14:creationId xmlns:p14="http://schemas.microsoft.com/office/powerpoint/2010/main" val="1225984856"/>
+        <p14:creationId xmlns:p14="http://schemas.microsoft.com/office/powerpoint/2010/main" val="1525226657"/>
       </p:ext>
     </p:extLst>
   </p:cSld>
   <p:clrMapOvr>
     <a:masterClrMapping/>
   </p:clrMapOvr>
+  <p:timing>
+    <p:tnLst>
+      <p:par>
+        <p:cTn id="1" dur="indefinite" restart="never" nodeType="tmRoot"/>
+      </p:par>
+    </p:tnLst>
+  </p:timing>
+</p:sld>
+</file>
+
+<file path=ppt/slides/slide7.xml><?xml version="1.0" encoding="utf-8"?>
+<p:sld xmlns:a="http://schemas.openxmlformats.org/drawingml/2006/main" xmlns:r="http://schemas.openxmlformats.org/officeDocument/2006/relationships" xmlns:p="http://schemas.openxmlformats.org/presentationml/2006/main">
+  <p:cSld>
+    <p:spTree>
+      <p:nvGrpSpPr>
+        <p:cNvPr id="1" name=""/>
+        <p:cNvGrpSpPr/>
+        <p:nvPr/>
+      </p:nvGrpSpPr>
+      <p:grpSpPr>
+        <a:xfrm>
+          <a:off x="0" y="0"/>
+          <a:ext cx="0" cy="0"/>
+          <a:chOff x="0" y="0"/>
+          <a:chExt cx="0" cy="0"/>
+        </a:xfrm>
+      </p:grpSpPr>
+      <p:sp>
+        <p:nvSpPr>
+          <p:cNvPr id="3" name="内容占位符 2"/>
+          <p:cNvSpPr>
+            <a:spLocks noGrp="1"/>
+          </p:cNvSpPr>
+          <p:nvPr>
+            <p:ph idx="1"/>
+          </p:nvPr>
+        </p:nvSpPr>
+        <p:spPr>
+          <a:xfrm>
+            <a:off x="838200" y="568712"/>
+            <a:ext cx="10515600" cy="5608251"/>
+          </a:xfrm>
+        </p:spPr>
+        <p:txBody>
+          <a:bodyPr numCol="2">
+            <a:normAutofit/>
+          </a:bodyPr>
+          <a:lstStyle/>
+          <a:p>
+            <a:r>
+              <a:rPr lang="en-US" altLang="zh-CN" dirty="0"/>
+              <a:t>decrease to</a:t>
+            </a:r>
+          </a:p>
+          <a:p>
+            <a:r>
+              <a:rPr lang="en-US" altLang="zh-CN" dirty="0"/>
+              <a:t>die out</a:t>
+            </a:r>
+          </a:p>
+          <a:p>
+            <a:r>
+              <a:rPr lang="en-US" altLang="zh-CN" dirty="0"/>
+              <a:t>in peace</a:t>
+            </a:r>
+          </a:p>
+          <a:p>
+            <a:r>
+              <a:rPr lang="en-US" altLang="zh-CN" dirty="0"/>
+              <a:t>burst into laughter</a:t>
+            </a:r>
+          </a:p>
+          <a:p>
+            <a:r>
+              <a:rPr lang="en-US" altLang="zh-CN" dirty="0"/>
+              <a:t>appreciate doing </a:t>
+            </a:r>
+            <a:r>
+              <a:rPr lang="en-US" altLang="zh-CN" dirty="0" err="1"/>
+              <a:t>sth</a:t>
+            </a:r>
+            <a:endParaRPr lang="en-US" altLang="zh-CN" dirty="0"/>
+          </a:p>
+          <a:p>
+            <a:r>
+              <a:rPr lang="en-US" altLang="zh-CN" dirty="0"/>
+              <a:t>before long</a:t>
+            </a:r>
+          </a:p>
+          <a:p>
+            <a:r>
+              <a:rPr lang="en-US" altLang="zh-CN" dirty="0"/>
+              <a:t>for sure</a:t>
+            </a:r>
+          </a:p>
+          <a:p>
+            <a:r>
+              <a:rPr lang="en-US" altLang="zh-CN" dirty="0"/>
+              <a:t>in relief</a:t>
+            </a:r>
+          </a:p>
+          <a:p>
+            <a:r>
+              <a:rPr lang="en-US" altLang="zh-CN" dirty="0"/>
+              <a:t>according to</a:t>
+            </a:r>
+          </a:p>
+          <a:p>
+            <a:r>
+              <a:rPr lang="en-US" altLang="zh-CN" dirty="0"/>
+              <a:t>have an effect on</a:t>
+            </a:r>
+          </a:p>
+          <a:p>
+            <a:r>
+              <a:rPr lang="en-US" altLang="zh-CN" dirty="0"/>
+              <a:t>decrease</a:t>
+            </a:r>
+          </a:p>
+          <a:p>
+            <a:r>
+              <a:rPr lang="en-US" altLang="zh-CN" dirty="0"/>
+              <a:t>loss</a:t>
+            </a:r>
+          </a:p>
+          <a:p>
+            <a:r>
+              <a:rPr lang="en-US" altLang="zh-CN" dirty="0"/>
+              <a:t>in danger of</a:t>
+            </a:r>
+          </a:p>
+          <a:p>
+            <a:r>
+              <a:rPr lang="en-US" altLang="zh-CN" dirty="0"/>
+              <a:t>protect A from B</a:t>
+            </a:r>
+          </a:p>
+          <a:p>
+            <a:r>
+              <a:rPr lang="en-US" altLang="zh-CN" dirty="0"/>
+              <a:t>long before</a:t>
+            </a:r>
+          </a:p>
+          <a:p>
+            <a:r>
+              <a:rPr lang="en-US" altLang="zh-CN" dirty="0"/>
+              <a:t>come into being</a:t>
+            </a:r>
+          </a:p>
+          <a:p>
+            <a:r>
+              <a:rPr lang="en-US" altLang="zh-CN" dirty="0"/>
+              <a:t>so that</a:t>
+            </a:r>
+          </a:p>
+          <a:p>
+            <a:r>
+              <a:rPr lang="en-US" altLang="zh-CN" dirty="0"/>
+              <a:t>pat attention to</a:t>
+            </a:r>
+          </a:p>
+          <a:p>
+            <a:r>
+              <a:rPr lang="en-US" altLang="zh-CN" dirty="0"/>
+              <a:t>in such a short time</a:t>
+            </a:r>
+          </a:p>
+          <a:p>
+            <a:r>
+              <a:rPr lang="en-US" altLang="zh-CN" dirty="0"/>
+              <a:t>succeed in doing </a:t>
+            </a:r>
+            <a:r>
+              <a:rPr lang="en-US" altLang="zh-CN" dirty="0" err="1"/>
+              <a:t>sth</a:t>
+            </a:r>
+            <a:endParaRPr lang="zh-CN" altLang="zh-CN" dirty="0"/>
+          </a:p>
+        </p:txBody>
+      </p:sp>
+      <p:sp>
+        <p:nvSpPr>
+          <p:cNvPr id="4" name="页脚占位符 3"/>
+          <p:cNvSpPr>
+            <a:spLocks noGrp="1"/>
+          </p:cNvSpPr>
+          <p:nvPr>
+            <p:ph type="ftr" sz="quarter" idx="11"/>
+          </p:nvPr>
+        </p:nvSpPr>
+        <p:spPr/>
+        <p:txBody>
+          <a:bodyPr/>
+          <a:lstStyle/>
+          <a:p>
+            <a:r>
+              <a:rPr lang="en-US" altLang="zh-CN" smtClean="0"/>
+              <a:t>PACLIC 32 Semantics</a:t>
+            </a:r>
+            <a:endParaRPr lang="zh-CN" altLang="en-US"/>
+          </a:p>
+        </p:txBody>
+      </p:sp>
+      <p:sp>
+        <p:nvSpPr>
+          <p:cNvPr id="5" name="幻灯片编号占位符 4"/>
+          <p:cNvSpPr>
+            <a:spLocks noGrp="1"/>
+          </p:cNvSpPr>
+          <p:nvPr>
+            <p:ph type="sldNum" sz="quarter" idx="12"/>
+          </p:nvPr>
+        </p:nvSpPr>
+        <p:spPr/>
+        <p:txBody>
+          <a:bodyPr/>
+          <a:lstStyle/>
+          <a:p>
+            <a:fld id="{3E9D6AB3-6D86-4BF2-AE34-936A8D37E25D}" type="slidenum">
+              <a:rPr lang="zh-CN" altLang="en-US" smtClean="0"/>
+              <a:t>7</a:t>
+            </a:fld>
+            <a:endParaRPr lang="zh-CN" altLang="en-US"/>
+          </a:p>
+        </p:txBody>
+      </p:sp>
+    </p:spTree>
+    <p:extLst>
+      <p:ext uri="{BB962C8B-B14F-4D97-AF65-F5344CB8AC3E}">
+        <p14:creationId xmlns:p14="http://schemas.microsoft.com/office/powerpoint/2010/main" val="2119613607"/>
+      </p:ext>
+    </p:extLst>
+  </p:cSld>
+  <p:clrMapOvr>
+    <a:masterClrMapping/>
+  </p:clrMapOvr>
+  <p:timing>
+    <p:tnLst>
+      <p:par>
+        <p:cTn id="1" dur="indefinite" restart="never" nodeType="tmRoot"/>
+      </p:par>
+    </p:tnLst>
+  </p:timing>
+</p:sld>
+</file>
+
+<file path=ppt/slides/slide8.xml><?xml version="1.0" encoding="utf-8"?>
+<p:sld xmlns:a="http://schemas.openxmlformats.org/drawingml/2006/main" xmlns:r="http://schemas.openxmlformats.org/officeDocument/2006/relationships" xmlns:p="http://schemas.openxmlformats.org/presentationml/2006/main">
+  <p:cSld>
+    <p:spTree>
+      <p:nvGrpSpPr>
+        <p:cNvPr id="1" name=""/>
+        <p:cNvGrpSpPr/>
+        <p:nvPr/>
+      </p:nvGrpSpPr>
+      <p:grpSpPr>
+        <a:xfrm>
+          <a:off x="0" y="0"/>
+          <a:ext cx="0" cy="0"/>
+          <a:chOff x="0" y="0"/>
+          <a:chExt cx="0" cy="0"/>
+        </a:xfrm>
+      </p:grpSpPr>
+      <p:sp>
+        <p:nvSpPr>
+          <p:cNvPr id="2" name="标题 1"/>
+          <p:cNvSpPr>
+            <a:spLocks noGrp="1"/>
+          </p:cNvSpPr>
+          <p:nvPr>
+            <p:ph type="title"/>
+          </p:nvPr>
+        </p:nvSpPr>
+        <p:spPr/>
+        <p:txBody>
+          <a:bodyPr/>
+          <a:lstStyle/>
+          <a:p>
+            <a:pPr lvl="0"/>
+            <a:r>
+              <a:rPr lang="en-US" altLang="zh-CN" dirty="0"/>
+              <a:t>Why collocation is meaningful for us?</a:t>
+            </a:r>
+            <a:endParaRPr kumimoji="1" lang="zh-CN" altLang="en-US" dirty="0"/>
+          </a:p>
+        </p:txBody>
+      </p:sp>
+      <p:sp>
+        <p:nvSpPr>
+          <p:cNvPr id="3" name="内容占位符 2"/>
+          <p:cNvSpPr>
+            <a:spLocks noGrp="1"/>
+          </p:cNvSpPr>
+          <p:nvPr>
+            <p:ph idx="1"/>
+          </p:nvPr>
+        </p:nvSpPr>
+        <p:spPr/>
+        <p:txBody>
+          <a:bodyPr/>
+          <a:lstStyle/>
+          <a:p>
+            <a:endParaRPr kumimoji="1" lang="zh-CN" altLang="en-US" dirty="0"/>
+          </a:p>
+        </p:txBody>
+      </p:sp>
+      <p:sp>
+        <p:nvSpPr>
+          <p:cNvPr id="4" name="页脚占位符 3"/>
+          <p:cNvSpPr>
+            <a:spLocks noGrp="1"/>
+          </p:cNvSpPr>
+          <p:nvPr>
+            <p:ph type="ftr" sz="quarter" idx="11"/>
+          </p:nvPr>
+        </p:nvSpPr>
+        <p:spPr/>
+        <p:txBody>
+          <a:bodyPr/>
+          <a:lstStyle/>
+          <a:p>
+            <a:r>
+              <a:rPr lang="en-US" altLang="zh-CN" dirty="0" smtClean="0"/>
+              <a:t>PACLIC 32 Semantics</a:t>
+            </a:r>
+            <a:endParaRPr lang="zh-CN" altLang="en-US" dirty="0"/>
+          </a:p>
+        </p:txBody>
+      </p:sp>
+      <p:sp>
+        <p:nvSpPr>
+          <p:cNvPr id="5" name="幻灯片编号占位符 4"/>
+          <p:cNvSpPr>
+            <a:spLocks noGrp="1"/>
+          </p:cNvSpPr>
+          <p:nvPr>
+            <p:ph type="sldNum" sz="quarter" idx="12"/>
+          </p:nvPr>
+        </p:nvSpPr>
+        <p:spPr/>
+        <p:txBody>
+          <a:bodyPr/>
+          <a:lstStyle/>
+          <a:p>
+            <a:fld id="{3E9D6AB3-6D86-4BF2-AE34-936A8D37E25D}" type="slidenum">
+              <a:rPr lang="zh-CN" altLang="en-US" smtClean="0"/>
+              <a:t>8</a:t>
+            </a:fld>
+            <a:endParaRPr lang="zh-CN" altLang="en-US"/>
+          </a:p>
+        </p:txBody>
+      </p:sp>
+      <p:sp>
+        <p:nvSpPr>
+          <p:cNvPr id="8" name="矩形 7"/>
+          <p:cNvSpPr/>
+          <p:nvPr/>
+        </p:nvSpPr>
+        <p:spPr>
+          <a:xfrm>
+            <a:off x="9950852" y="365125"/>
+            <a:ext cx="1402948" cy="369332"/>
+          </a:xfrm>
+          <a:prstGeom prst="rect">
+            <a:avLst/>
+          </a:prstGeom>
+        </p:spPr>
+        <p:txBody>
+          <a:bodyPr wrap="none">
+            <a:spAutoFit/>
+          </a:bodyPr>
+          <a:lstStyle/>
+          <a:p>
+            <a:r>
+              <a:rPr lang="zh-CN" altLang="zh-CN" dirty="0"/>
+              <a:t>I</a:t>
+            </a:r>
+            <a:r>
+              <a:rPr lang="fr-FR" altLang="zh-CN" dirty="0" err="1"/>
+              <a:t>ntroduction</a:t>
+            </a:r>
+            <a:endParaRPr kumimoji="1" lang="zh-CN" altLang="en-US" dirty="0"/>
+          </a:p>
+        </p:txBody>
+      </p:sp>
+    </p:spTree>
+    <p:extLst>
+      <p:ext uri="{BB962C8B-B14F-4D97-AF65-F5344CB8AC3E}">
+        <p14:creationId xmlns:p14="http://schemas.microsoft.com/office/powerpoint/2010/main" val="614593207"/>
+      </p:ext>
+    </p:extLst>
+  </p:cSld>
+  <p:clrMapOvr>
+    <a:masterClrMapping/>
+  </p:clrMapOvr>
+  <p:timing>
+    <p:tnLst>
+      <p:par>
+        <p:cTn id="1" dur="indefinite" restart="never" nodeType="tmRoot"/>
+      </p:par>
+    </p:tnLst>
+  </p:timing>
+</p:sld>
+</file>
+
+<file path=ppt/slides/slide9.xml><?xml version="1.0" encoding="utf-8"?>
+<p:sld xmlns:a="http://schemas.openxmlformats.org/drawingml/2006/main" xmlns:r="http://schemas.openxmlformats.org/officeDocument/2006/relationships" xmlns:p="http://schemas.openxmlformats.org/presentationml/2006/main">
+  <p:cSld>
+    <p:spTree>
+      <p:nvGrpSpPr>
+        <p:cNvPr id="1" name=""/>
+        <p:cNvGrpSpPr/>
+        <p:nvPr/>
+      </p:nvGrpSpPr>
+      <p:grpSpPr>
+        <a:xfrm>
+          <a:off x="0" y="0"/>
+          <a:ext cx="0" cy="0"/>
+          <a:chOff x="0" y="0"/>
+          <a:chExt cx="0" cy="0"/>
+        </a:xfrm>
+      </p:grpSpPr>
+      <p:sp>
+        <p:nvSpPr>
+          <p:cNvPr id="2" name="标题 1"/>
+          <p:cNvSpPr>
+            <a:spLocks noGrp="1"/>
+          </p:cNvSpPr>
+          <p:nvPr>
+            <p:ph type="title"/>
+          </p:nvPr>
+        </p:nvSpPr>
+        <p:spPr/>
+        <p:txBody>
+          <a:bodyPr/>
+          <a:lstStyle/>
+          <a:p>
+            <a:pPr lvl="0"/>
+            <a:r>
+              <a:rPr lang="de-DE" altLang="zh-CN" dirty="0" err="1"/>
+              <a:t>How</a:t>
+            </a:r>
+            <a:r>
+              <a:rPr lang="de-DE" altLang="zh-CN" dirty="0"/>
+              <a:t> </a:t>
+            </a:r>
+            <a:r>
+              <a:rPr lang="de-DE" altLang="zh-CN" dirty="0" err="1"/>
+              <a:t>to</a:t>
+            </a:r>
+            <a:r>
+              <a:rPr lang="de-DE" altLang="zh-CN" dirty="0"/>
+              <a:t> </a:t>
+            </a:r>
+            <a:r>
+              <a:rPr lang="de-DE" altLang="zh-CN" dirty="0" err="1"/>
+              <a:t>represent</a:t>
+            </a:r>
+            <a:r>
+              <a:rPr lang="de-DE" altLang="zh-CN" dirty="0"/>
+              <a:t> a </a:t>
+            </a:r>
+            <a:r>
+              <a:rPr lang="en-US" altLang="zh-CN" dirty="0" smtClean="0"/>
+              <a:t>c</a:t>
+            </a:r>
+            <a:r>
+              <a:rPr lang="de-DE" altLang="zh-CN" dirty="0" err="1" smtClean="0"/>
+              <a:t>ollection</a:t>
+            </a:r>
+            <a:r>
+              <a:rPr lang="de-DE" altLang="zh-CN" dirty="0" smtClean="0"/>
+              <a:t>?</a:t>
+            </a:r>
+            <a:endParaRPr kumimoji="1" lang="zh-CN" altLang="en-US" dirty="0"/>
+          </a:p>
+        </p:txBody>
+      </p:sp>
+      <p:sp>
+        <p:nvSpPr>
+          <p:cNvPr id="3" name="内容占位符 2"/>
+          <p:cNvSpPr>
+            <a:spLocks noGrp="1"/>
+          </p:cNvSpPr>
+          <p:nvPr>
+            <p:ph idx="1"/>
+          </p:nvPr>
+        </p:nvSpPr>
+        <p:spPr/>
+        <p:txBody>
+          <a:bodyPr/>
+          <a:lstStyle/>
+          <a:p>
+            <a:endParaRPr kumimoji="1" lang="zh-CN" altLang="en-US" dirty="0"/>
+          </a:p>
+        </p:txBody>
+      </p:sp>
+      <p:sp>
+        <p:nvSpPr>
+          <p:cNvPr id="4" name="页脚占位符 3"/>
+          <p:cNvSpPr>
+            <a:spLocks noGrp="1"/>
+          </p:cNvSpPr>
+          <p:nvPr>
+            <p:ph type="ftr" sz="quarter" idx="11"/>
+          </p:nvPr>
+        </p:nvSpPr>
+        <p:spPr/>
+        <p:txBody>
+          <a:bodyPr/>
+          <a:lstStyle/>
+          <a:p>
+            <a:r>
+              <a:rPr lang="en-US" altLang="zh-CN" dirty="0" smtClean="0"/>
+              <a:t>PACLIC 32 Semantics</a:t>
+            </a:r>
+            <a:endParaRPr lang="zh-CN" altLang="en-US" dirty="0"/>
+          </a:p>
+        </p:txBody>
+      </p:sp>
+      <p:sp>
+        <p:nvSpPr>
+          <p:cNvPr id="5" name="幻灯片编号占位符 4"/>
+          <p:cNvSpPr>
+            <a:spLocks noGrp="1"/>
+          </p:cNvSpPr>
+          <p:nvPr>
+            <p:ph type="sldNum" sz="quarter" idx="12"/>
+          </p:nvPr>
+        </p:nvSpPr>
+        <p:spPr/>
+        <p:txBody>
+          <a:bodyPr/>
+          <a:lstStyle/>
+          <a:p>
+            <a:fld id="{3E9D6AB3-6D86-4BF2-AE34-936A8D37E25D}" type="slidenum">
+              <a:rPr lang="zh-CN" altLang="en-US" smtClean="0"/>
+              <a:t>9</a:t>
+            </a:fld>
+            <a:endParaRPr lang="zh-CN" altLang="en-US"/>
+          </a:p>
+        </p:txBody>
+      </p:sp>
+      <p:sp>
+        <p:nvSpPr>
+          <p:cNvPr id="8" name="矩形 7"/>
+          <p:cNvSpPr/>
+          <p:nvPr/>
+        </p:nvSpPr>
+        <p:spPr>
+          <a:xfrm>
+            <a:off x="9950852" y="365125"/>
+            <a:ext cx="1402948" cy="369332"/>
+          </a:xfrm>
+          <a:prstGeom prst="rect">
+            <a:avLst/>
+          </a:prstGeom>
+        </p:spPr>
+        <p:txBody>
+          <a:bodyPr wrap="none">
+            <a:spAutoFit/>
+          </a:bodyPr>
+          <a:lstStyle/>
+          <a:p>
+            <a:r>
+              <a:rPr lang="en-US" altLang="zh-CN" dirty="0" smtClean="0"/>
+              <a:t>I</a:t>
+            </a:r>
+            <a:r>
+              <a:rPr lang="fr-FR" altLang="zh-CN" dirty="0" err="1" smtClean="0"/>
+              <a:t>ntroduction</a:t>
+            </a:r>
+            <a:endParaRPr kumimoji="1" lang="zh-CN" altLang="en-US" dirty="0"/>
+          </a:p>
+        </p:txBody>
+      </p:sp>
+    </p:spTree>
+    <p:extLst>
+      <p:ext uri="{BB962C8B-B14F-4D97-AF65-F5344CB8AC3E}">
+        <p14:creationId xmlns:p14="http://schemas.microsoft.com/office/powerpoint/2010/main" val="121537086"/>
+      </p:ext>
+    </p:extLst>
+  </p:cSld>
+  <p:clrMapOvr>
+    <a:masterClrMapping/>
+  </p:clrMapOvr>
+  <p:timing>
+    <p:tnLst>
+      <p:par>
+        <p:cTn id="1" dur="indefinite" restart="never" nodeType="tmRoot"/>
+      </p:par>
+    </p:tnLst>
+  </p:timing>
 </p:sld>
 </file>
 
@@ -3836,4 +7475,265 @@
     </a:ext>
   </a:extLst>
 </a:theme>
+</file>
+
+<file path=ppt/theme/theme2.xml><?xml version="1.0" encoding="utf-8"?>
+<a:theme xmlns:a="http://schemas.openxmlformats.org/drawingml/2006/main" name="Office 主题">
+  <a:themeElements>
+    <a:clrScheme name="Office">
+      <a:dk1>
+        <a:sysClr val="windowText" lastClr="000000"/>
+      </a:dk1>
+      <a:lt1>
+        <a:sysClr val="window" lastClr="FFFFFF"/>
+      </a:lt1>
+      <a:dk2>
+        <a:srgbClr val="44546A"/>
+      </a:dk2>
+      <a:lt2>
+        <a:srgbClr val="E7E6E6"/>
+      </a:lt2>
+      <a:accent1>
+        <a:srgbClr val="5B9BD5"/>
+      </a:accent1>
+      <a:accent2>
+        <a:srgbClr val="ED7D31"/>
+      </a:accent2>
+      <a:accent3>
+        <a:srgbClr val="A5A5A5"/>
+      </a:accent3>
+      <a:accent4>
+        <a:srgbClr val="FFC000"/>
+      </a:accent4>
+      <a:accent5>
+        <a:srgbClr val="4472C4"/>
+      </a:accent5>
+      <a:accent6>
+        <a:srgbClr val="70AD47"/>
+      </a:accent6>
+      <a:hlink>
+        <a:srgbClr val="0563C1"/>
+      </a:hlink>
+      <a:folHlink>
+        <a:srgbClr val="954F72"/>
+      </a:folHlink>
+    </a:clrScheme>
+    <a:fontScheme name="Office">
+      <a:majorFont>
+        <a:latin typeface="DengXian Light" panose="020F0302020204030204"/>
+        <a:ea typeface=""/>
+        <a:cs typeface=""/>
+        <a:font script="Jpan" typeface="Yu Gothic Light"/>
+        <a:font script="Hang" typeface="맑은 고딕"/>
+        <a:font script="Hans" typeface="DengXian Light"/>
+        <a:font script="Hant" typeface="新細明體"/>
+        <a:font script="Arab" typeface="Times New Roman"/>
+        <a:font script="Hebr" typeface="Times New Roman"/>
+        <a:font script="Thai" typeface="Angsana New"/>
+        <a:font script="Ethi" typeface="Nyala"/>
+        <a:font script="Beng" typeface="Vrinda"/>
+        <a:font script="Gujr" typeface="Shruti"/>
+        <a:font script="Khmr" typeface="MoolBoran"/>
+        <a:font script="Knda" typeface="Tunga"/>
+        <a:font script="Guru" typeface="Raavi"/>
+        <a:font script="Cans" typeface="Euphemia"/>
+        <a:font script="Cher" typeface="Plantagenet Cherokee"/>
+        <a:font script="Yiii" typeface="Microsoft Yi Baiti"/>
+        <a:font script="Tibt" typeface="Microsoft Himalaya"/>
+        <a:font script="Thaa" typeface="MV Boli"/>
+        <a:font script="Deva" typeface="Mangal"/>
+        <a:font script="Telu" typeface="Gautami"/>
+        <a:font script="Taml" typeface="Latha"/>
+        <a:font script="Syrc" typeface="Estrangelo Edessa"/>
+        <a:font script="Orya" typeface="Kalinga"/>
+        <a:font script="Mlym" typeface="Kartika"/>
+        <a:font script="Laoo" typeface="DokChampa"/>
+        <a:font script="Sinh" typeface="Iskoola Pota"/>
+        <a:font script="Mong" typeface="Mongolian Baiti"/>
+        <a:font script="Viet" typeface="Times New Roman"/>
+        <a:font script="Uigh" typeface="Microsoft Uighur"/>
+        <a:font script="Geor" typeface="Sylfaen"/>
+      </a:majorFont>
+      <a:minorFont>
+        <a:latin typeface="DengXian" panose="020F0502020204030204"/>
+        <a:ea typeface=""/>
+        <a:cs typeface=""/>
+        <a:font script="Jpan" typeface="Yu Gothic"/>
+        <a:font script="Hang" typeface="맑은 고딕"/>
+        <a:font script="Hans" typeface="DengXian"/>
+        <a:font script="Hant" typeface="新細明體"/>
+        <a:font script="Arab" typeface="Arial"/>
+        <a:font script="Hebr" typeface="Arial"/>
+        <a:font script="Thai" typeface="Cordia New"/>
+        <a:font script="Ethi" typeface="Nyala"/>
+        <a:font script="Beng" typeface="Vrinda"/>
+        <a:font script="Gujr" typeface="Shruti"/>
+        <a:font script="Khmr" typeface="DaunPenh"/>
+        <a:font script="Knda" typeface="Tunga"/>
+        <a:font script="Guru" typeface="Raavi"/>
+        <a:font script="Cans" typeface="Euphemia"/>
+        <a:font script="Cher" typeface="Plantagenet Cherokee"/>
+        <a:font script="Yiii" typeface="Microsoft Yi Baiti"/>
+        <a:font script="Tibt" typeface="Microsoft Himalaya"/>
+        <a:font script="Thaa" typeface="MV Boli"/>
+        <a:font script="Deva" typeface="Mangal"/>
+        <a:font script="Telu" typeface="Gautami"/>
+        <a:font script="Taml" typeface="Latha"/>
+        <a:font script="Syrc" typeface="Estrangelo Edessa"/>
+        <a:font script="Orya" typeface="Kalinga"/>
+        <a:font script="Mlym" typeface="Kartika"/>
+        <a:font script="Laoo" typeface="DokChampa"/>
+        <a:font script="Sinh" typeface="Iskoola Pota"/>
+        <a:font script="Mong" typeface="Mongolian Baiti"/>
+        <a:font script="Viet" typeface="Arial"/>
+        <a:font script="Uigh" typeface="Microsoft Uighur"/>
+        <a:font script="Geor" typeface="Sylfaen"/>
+      </a:minorFont>
+    </a:fontScheme>
+    <a:fmtScheme name="Office">
+      <a:fillStyleLst>
+        <a:solidFill>
+          <a:schemeClr val="phClr"/>
+        </a:solidFill>
+        <a:gradFill rotWithShape="1">
+          <a:gsLst>
+            <a:gs pos="0">
+              <a:schemeClr val="phClr">
+                <a:lumMod val="110000"/>
+                <a:satMod val="105000"/>
+                <a:tint val="67000"/>
+              </a:schemeClr>
+            </a:gs>
+            <a:gs pos="50000">
+              <a:schemeClr val="phClr">
+                <a:lumMod val="105000"/>
+                <a:satMod val="103000"/>
+                <a:tint val="73000"/>
+              </a:schemeClr>
+            </a:gs>
+            <a:gs pos="100000">
+              <a:schemeClr val="phClr">
+                <a:lumMod val="105000"/>
+                <a:satMod val="109000"/>
+                <a:tint val="81000"/>
+              </a:schemeClr>
+            </a:gs>
+          </a:gsLst>
+          <a:lin ang="5400000" scaled="0"/>
+        </a:gradFill>
+        <a:gradFill rotWithShape="1">
+          <a:gsLst>
+            <a:gs pos="0">
+              <a:schemeClr val="phClr">
+                <a:satMod val="103000"/>
+                <a:lumMod val="102000"/>
+                <a:tint val="94000"/>
+              </a:schemeClr>
+            </a:gs>
+            <a:gs pos="50000">
+              <a:schemeClr val="phClr">
+                <a:satMod val="110000"/>
+                <a:lumMod val="100000"/>
+                <a:shade val="100000"/>
+              </a:schemeClr>
+            </a:gs>
+            <a:gs pos="100000">
+              <a:schemeClr val="phClr">
+                <a:lumMod val="99000"/>
+                <a:satMod val="120000"/>
+                <a:shade val="78000"/>
+              </a:schemeClr>
+            </a:gs>
+          </a:gsLst>
+          <a:lin ang="5400000" scaled="0"/>
+        </a:gradFill>
+      </a:fillStyleLst>
+      <a:lnStyleLst>
+        <a:ln w="6350" cap="flat" cmpd="sng" algn="ctr">
+          <a:solidFill>
+            <a:schemeClr val="phClr"/>
+          </a:solidFill>
+          <a:prstDash val="solid"/>
+          <a:miter lim="800000"/>
+        </a:ln>
+        <a:ln w="12700" cap="flat" cmpd="sng" algn="ctr">
+          <a:solidFill>
+            <a:schemeClr val="phClr"/>
+          </a:solidFill>
+          <a:prstDash val="solid"/>
+          <a:miter lim="800000"/>
+        </a:ln>
+        <a:ln w="19050" cap="flat" cmpd="sng" algn="ctr">
+          <a:solidFill>
+            <a:schemeClr val="phClr"/>
+          </a:solidFill>
+          <a:prstDash val="solid"/>
+          <a:miter lim="800000"/>
+        </a:ln>
+      </a:lnStyleLst>
+      <a:effectStyleLst>
+        <a:effectStyle>
+          <a:effectLst/>
+        </a:effectStyle>
+        <a:effectStyle>
+          <a:effectLst/>
+        </a:effectStyle>
+        <a:effectStyle>
+          <a:effectLst>
+            <a:outerShdw blurRad="57150" dist="19050" dir="5400000" algn="ctr" rotWithShape="0">
+              <a:srgbClr val="000000">
+                <a:alpha val="63000"/>
+              </a:srgbClr>
+            </a:outerShdw>
+          </a:effectLst>
+        </a:effectStyle>
+      </a:effectStyleLst>
+      <a:bgFillStyleLst>
+        <a:solidFill>
+          <a:schemeClr val="phClr"/>
+        </a:solidFill>
+        <a:solidFill>
+          <a:schemeClr val="phClr">
+            <a:tint val="95000"/>
+            <a:satMod val="170000"/>
+          </a:schemeClr>
+        </a:solidFill>
+        <a:gradFill rotWithShape="1">
+          <a:gsLst>
+            <a:gs pos="0">
+              <a:schemeClr val="phClr">
+                <a:tint val="93000"/>
+                <a:satMod val="150000"/>
+                <a:shade val="98000"/>
+                <a:lumMod val="102000"/>
+              </a:schemeClr>
+            </a:gs>
+            <a:gs pos="50000">
+              <a:schemeClr val="phClr">
+                <a:tint val="98000"/>
+                <a:satMod val="130000"/>
+                <a:shade val="90000"/>
+                <a:lumMod val="103000"/>
+              </a:schemeClr>
+            </a:gs>
+            <a:gs pos="100000">
+              <a:schemeClr val="phClr">
+                <a:shade val="63000"/>
+                <a:satMod val="120000"/>
+              </a:schemeClr>
+            </a:gs>
+          </a:gsLst>
+          <a:lin ang="5400000" scaled="0"/>
+        </a:gradFill>
+      </a:bgFillStyleLst>
+    </a:fmtScheme>
+  </a:themeElements>
+  <a:objectDefaults/>
+  <a:extraClrSchemeLst/>
+  <a:extLst>
+    <a:ext uri="{05A4C25C-085E-4340-85A3-A5531E510DB2}">
+      <thm15:themeFamily xmlns:thm15="http://schemas.microsoft.com/office/thememl/2012/main" name="Office Theme" id="{62F939B6-93AF-4DB8-9C6B-D6C7DFDC589F}" vid="{4A3C46E8-61CC-4603-A589-7422A47A8E4A}"/>
+    </a:ext>
+  </a:extLst>
+</a:theme>
 </file>
--- a/PACLIC 32 Semantics session.pptx
+++ b/PACLIC 32 Semantics session.pptx
@@ -5,7 +5,7 @@
     <p:sldMasterId id="2147483648" r:id="rId1"/>
   </p:sldMasterIdLst>
   <p:notesMasterIdLst>
-    <p:notesMasterId r:id="rId23"/>
+    <p:notesMasterId r:id="rId25"/>
   </p:notesMasterIdLst>
   <p:sldIdLst>
     <p:sldId id="257" r:id="rId2"/>
@@ -18,17 +18,19 @@
     <p:sldId id="265" r:id="rId9"/>
     <p:sldId id="266" r:id="rId10"/>
     <p:sldId id="267" r:id="rId11"/>
-    <p:sldId id="268" r:id="rId12"/>
-    <p:sldId id="269" r:id="rId13"/>
-    <p:sldId id="270" r:id="rId14"/>
-    <p:sldId id="271" r:id="rId15"/>
-    <p:sldId id="272" r:id="rId16"/>
-    <p:sldId id="273" r:id="rId17"/>
-    <p:sldId id="274" r:id="rId18"/>
-    <p:sldId id="276" r:id="rId19"/>
-    <p:sldId id="275" r:id="rId20"/>
-    <p:sldId id="277" r:id="rId21"/>
-    <p:sldId id="260" r:id="rId22"/>
+    <p:sldId id="280" r:id="rId12"/>
+    <p:sldId id="268" r:id="rId13"/>
+    <p:sldId id="269" r:id="rId14"/>
+    <p:sldId id="270" r:id="rId15"/>
+    <p:sldId id="271" r:id="rId16"/>
+    <p:sldId id="272" r:id="rId17"/>
+    <p:sldId id="273" r:id="rId18"/>
+    <p:sldId id="274" r:id="rId19"/>
+    <p:sldId id="276" r:id="rId20"/>
+    <p:sldId id="275" r:id="rId21"/>
+    <p:sldId id="277" r:id="rId22"/>
+    <p:sldId id="282" r:id="rId23"/>
+    <p:sldId id="281" r:id="rId24"/>
   </p:sldIdLst>
   <p:sldSz cx="12192000" cy="6858000"/>
   <p:notesSz cx="6858000" cy="9144000"/>
@@ -970,7 +972,7 @@
           <a:p>
             <a:fld id="{760FE355-BD4A-7B4B-B3DC-3FAC407D5D0A}" type="slidenum">
               <a:rPr kumimoji="1" lang="zh-CN" altLang="en-US" smtClean="0"/>
-              <a:t>12</a:t>
+              <a:t>13</a:t>
             </a:fld>
             <a:endParaRPr kumimoji="1" lang="zh-CN" altLang="en-US"/>
           </a:p>
@@ -980,6 +982,90 @@
     <p:extLst>
       <p:ext uri="{BB962C8B-B14F-4D97-AF65-F5344CB8AC3E}">
         <p14:creationId xmlns:p14="http://schemas.microsoft.com/office/powerpoint/2010/main" val="1468182706"/>
+      </p:ext>
+    </p:extLst>
+  </p:cSld>
+  <p:clrMapOvr>
+    <a:masterClrMapping/>
+  </p:clrMapOvr>
+</p:notes>
+</file>
+
+<file path=ppt/notesSlides/notesSlide7.xml><?xml version="1.0" encoding="utf-8"?>
+<p:notes xmlns:a="http://schemas.openxmlformats.org/drawingml/2006/main" xmlns:r="http://schemas.openxmlformats.org/officeDocument/2006/relationships" xmlns:p="http://schemas.openxmlformats.org/presentationml/2006/main">
+  <p:cSld>
+    <p:spTree>
+      <p:nvGrpSpPr>
+        <p:cNvPr id="1" name=""/>
+        <p:cNvGrpSpPr/>
+        <p:nvPr/>
+      </p:nvGrpSpPr>
+      <p:grpSpPr>
+        <a:xfrm>
+          <a:off x="0" y="0"/>
+          <a:ext cx="0" cy="0"/>
+          <a:chOff x="0" y="0"/>
+          <a:chExt cx="0" cy="0"/>
+        </a:xfrm>
+      </p:grpSpPr>
+      <p:sp>
+        <p:nvSpPr>
+          <p:cNvPr id="2" name="幻灯片图像占位符 1"/>
+          <p:cNvSpPr>
+            <a:spLocks noGrp="1" noRot="1" noChangeAspect="1"/>
+          </p:cNvSpPr>
+          <p:nvPr>
+            <p:ph type="sldImg"/>
+          </p:nvPr>
+        </p:nvSpPr>
+        <p:spPr/>
+      </p:sp>
+      <p:sp>
+        <p:nvSpPr>
+          <p:cNvPr id="3" name="备注占位符 2"/>
+          <p:cNvSpPr>
+            <a:spLocks noGrp="1"/>
+          </p:cNvSpPr>
+          <p:nvPr>
+            <p:ph type="body" idx="1"/>
+          </p:nvPr>
+        </p:nvSpPr>
+        <p:spPr/>
+        <p:txBody>
+          <a:bodyPr/>
+          <a:lstStyle/>
+          <a:p>
+            <a:endParaRPr kumimoji="1" lang="zh-CN" altLang="en-US"/>
+          </a:p>
+        </p:txBody>
+      </p:sp>
+      <p:sp>
+        <p:nvSpPr>
+          <p:cNvPr id="4" name="幻灯片编号占位符 3"/>
+          <p:cNvSpPr>
+            <a:spLocks noGrp="1"/>
+          </p:cNvSpPr>
+          <p:nvPr>
+            <p:ph type="sldNum" sz="quarter" idx="10"/>
+          </p:nvPr>
+        </p:nvSpPr>
+        <p:spPr/>
+        <p:txBody>
+          <a:bodyPr/>
+          <a:lstStyle/>
+          <a:p>
+            <a:fld id="{760FE355-BD4A-7B4B-B3DC-3FAC407D5D0A}" type="slidenum">
+              <a:rPr kumimoji="1" lang="zh-CN" altLang="en-US" smtClean="0"/>
+              <a:t>23</a:t>
+            </a:fld>
+            <a:endParaRPr kumimoji="1" lang="zh-CN" altLang="en-US"/>
+          </a:p>
+        </p:txBody>
+      </p:sp>
+    </p:spTree>
+    <p:extLst>
+      <p:ext uri="{BB962C8B-B14F-4D97-AF65-F5344CB8AC3E}">
+        <p14:creationId xmlns:p14="http://schemas.microsoft.com/office/powerpoint/2010/main" val="387801807"/>
       </p:ext>
     </p:extLst>
   </p:cSld>
@@ -4236,13 +4322,14 @@
           <a:bodyPr/>
           <a:lstStyle/>
           <a:p>
-            <a:r>
-              <a:rPr lang="de-DE" altLang="zh-CN" dirty="0"/>
-              <a:t>Model </a:t>
-            </a:r>
-            <a:r>
-              <a:rPr lang="de-DE" altLang="zh-CN" dirty="0" err="1" smtClean="0"/>
-              <a:t>Architecture</a:t>
+            <a:pPr lvl="0"/>
+            <a:r>
+              <a:rPr lang="zh-CN" altLang="zh-CN" dirty="0"/>
+              <a:t>Basic </a:t>
+            </a:r>
+            <a:r>
+              <a:rPr lang="zh-CN" altLang="zh-CN" dirty="0" smtClean="0"/>
+              <a:t>Notions</a:t>
             </a:r>
             <a:endParaRPr kumimoji="1" lang="zh-CN" altLang="en-US" dirty="0"/>
           </a:p>
@@ -4313,10 +4400,46 @@
           </a:p>
         </p:txBody>
       </p:sp>
+      <p:pic>
+        <p:nvPicPr>
+          <p:cNvPr id="6" name="图片 5" descr="https://timgsa.baidu.com/timg?image&amp;quality=80&amp;size=b9999_10000&amp;sec=1543405310634&amp;di=ddda052cbe77f47ca824829a1b9bc6ba&amp;imgtype=jpg&amp;src=http%3A%2F%2Fimg3.imgtn.bdimg.com%2Fit%2Fu%3D3044432448%2C2774725043%26fm%3D214%26gp%3D0.jpg"/>
+          <p:cNvPicPr/>
+          <p:nvPr/>
+        </p:nvPicPr>
+        <p:blipFill rotWithShape="1">
+          <a:blip r:embed="rId2">
+            <a:extLst>
+              <a:ext uri="{28A0092B-C50C-407E-A947-70E740481C1C}">
+                <a14:useLocalDpi xmlns:a14="http://schemas.microsoft.com/office/drawing/2010/main" val="0"/>
+              </a:ext>
+            </a:extLst>
+          </a:blip>
+          <a:srcRect l="44971" t="23836" r="9729" b="31613"/>
+          <a:stretch/>
+        </p:blipFill>
+        <p:spPr bwMode="auto">
+          <a:xfrm>
+            <a:off x="1747166" y="1027906"/>
+            <a:ext cx="8697668" cy="4806176"/>
+          </a:xfrm>
+          <a:prstGeom prst="rect">
+            <a:avLst/>
+          </a:prstGeom>
+          <a:noFill/>
+          <a:ln>
+            <a:noFill/>
+          </a:ln>
+          <a:extLst>
+            <a:ext uri="{53640926-AAD7-44D8-BBD7-CCE9431645EC}">
+              <a14:shadowObscured xmlns:a14="http://schemas.microsoft.com/office/drawing/2010/main"/>
+            </a:ext>
+          </a:extLst>
+        </p:spPr>
+      </p:pic>
     </p:spTree>
     <p:extLst>
       <p:ext uri="{BB962C8B-B14F-4D97-AF65-F5344CB8AC3E}">
-        <p14:creationId xmlns:p14="http://schemas.microsoft.com/office/powerpoint/2010/main" val="2050560429"/>
+        <p14:creationId xmlns:p14="http://schemas.microsoft.com/office/powerpoint/2010/main" val="324821602"/>
       </p:ext>
     </p:extLst>
   </p:cSld>
@@ -4366,14 +4489,14 @@
           <a:lstStyle/>
           <a:p>
             <a:r>
-              <a:rPr lang="en-US" altLang="zh-CN" dirty="0" smtClean="0"/>
-              <a:t>The </a:t>
-            </a:r>
-            <a:r>
-              <a:rPr lang="en-US" altLang="zh-CN" dirty="0"/>
-              <a:t>objective of Collocation prediction</a:t>
-            </a:r>
-            <a:endParaRPr lang="en-US" altLang="zh-CN" dirty="0"/>
+              <a:rPr lang="de-DE" altLang="zh-CN" dirty="0"/>
+              <a:t>Model </a:t>
+            </a:r>
+            <a:r>
+              <a:rPr lang="de-DE" altLang="zh-CN" dirty="0" err="1" smtClean="0"/>
+              <a:t>Architecture</a:t>
+            </a:r>
+            <a:endParaRPr kumimoji="1" lang="zh-CN" altLang="en-US" dirty="0"/>
           </a:p>
         </p:txBody>
       </p:sp>
@@ -4392,7 +4515,7 @@
           <a:bodyPr/>
           <a:lstStyle/>
           <a:p>
-            <a:endParaRPr lang="en-US" altLang="zh-CN" dirty="0"/>
+            <a:endParaRPr kumimoji="1" lang="zh-CN" altLang="en-US"/>
           </a:p>
         </p:txBody>
       </p:sp>
@@ -4439,46 +4562,13 @@
               <a:t>12</a:t>
             </a:fld>
             <a:endParaRPr lang="zh-CN" altLang="en-US"/>
-          </a:p>
-        </p:txBody>
-      </p:sp>
-      <p:sp>
-        <p:nvSpPr>
-          <p:cNvPr id="6" name="矩形 5"/>
-          <p:cNvSpPr/>
-          <p:nvPr/>
-        </p:nvSpPr>
-        <p:spPr>
-          <a:xfrm>
-            <a:off x="9173395" y="365125"/>
-            <a:ext cx="2085827" cy="369332"/>
-          </a:xfrm>
-          <a:prstGeom prst="rect">
-            <a:avLst/>
-          </a:prstGeom>
-        </p:spPr>
-        <p:txBody>
-          <a:bodyPr wrap="none">
-            <a:spAutoFit/>
-          </a:bodyPr>
-          <a:lstStyle/>
-          <a:p>
-            <a:r>
-              <a:rPr lang="de-DE" altLang="zh-CN" dirty="0"/>
-              <a:t>Model </a:t>
-            </a:r>
-            <a:r>
-              <a:rPr lang="de-DE" altLang="zh-CN" dirty="0" err="1" smtClean="0"/>
-              <a:t>Architecture</a:t>
-            </a:r>
-            <a:endParaRPr lang="zh-CN" altLang="en-US" dirty="0"/>
           </a:p>
         </p:txBody>
       </p:sp>
     </p:spTree>
     <p:extLst>
       <p:ext uri="{BB962C8B-B14F-4D97-AF65-F5344CB8AC3E}">
-        <p14:creationId xmlns:p14="http://schemas.microsoft.com/office/powerpoint/2010/main" val="596688565"/>
+        <p14:creationId xmlns:p14="http://schemas.microsoft.com/office/powerpoint/2010/main" val="2050560429"/>
       </p:ext>
     </p:extLst>
   </p:cSld>
@@ -4528,10 +4618,13 @@
           <a:lstStyle/>
           <a:p>
             <a:r>
+              <a:rPr lang="en-US" altLang="zh-CN" dirty="0" smtClean="0"/>
+              <a:t>The </a:t>
+            </a:r>
+            <a:r>
               <a:rPr lang="en-US" altLang="zh-CN" dirty="0"/>
-              <a:t>Continuous Skip-gram Model</a:t>
-            </a:r>
-            <a:endParaRPr kumimoji="1" lang="zh-CN" altLang="en-US" dirty="0"/>
+              <a:t>objective of Collocation prediction</a:t>
+            </a:r>
           </a:p>
         </p:txBody>
       </p:sp>
@@ -4550,7 +4643,7 @@
           <a:bodyPr/>
           <a:lstStyle/>
           <a:p>
-            <a:endParaRPr kumimoji="1" lang="zh-CN" altLang="en-US"/>
+            <a:endParaRPr lang="en-US" altLang="zh-CN" dirty="0"/>
           </a:p>
         </p:txBody>
       </p:sp>
@@ -4636,7 +4729,7 @@
     </p:spTree>
     <p:extLst>
       <p:ext uri="{BB962C8B-B14F-4D97-AF65-F5344CB8AC3E}">
-        <p14:creationId xmlns:p14="http://schemas.microsoft.com/office/powerpoint/2010/main" val="1943564112"/>
+        <p14:creationId xmlns:p14="http://schemas.microsoft.com/office/powerpoint/2010/main" val="596688565"/>
       </p:ext>
     </p:extLst>
   </p:cSld>
@@ -4682,32 +4775,14 @@
         </p:nvSpPr>
         <p:spPr/>
         <p:txBody>
-          <a:bodyPr>
-            <a:normAutofit/>
-          </a:bodyPr>
-          <a:lstStyle/>
-          <a:p>
-            <a:r>
-              <a:rPr lang="en-US" altLang="zh-CN" sz="3600" dirty="0" smtClean="0"/>
-              <a:t>A </a:t>
-            </a:r>
-            <a:r>
-              <a:rPr lang="en-US" altLang="zh-CN" sz="3600" dirty="0"/>
-              <a:t>combination of </a:t>
-            </a:r>
-            <a:r>
-              <a:rPr lang="en-US" altLang="zh-CN" sz="3600" dirty="0"/>
-              <a:t>ontology </a:t>
-            </a:r>
-            <a:r>
-              <a:rPr lang="en-US" altLang="zh-CN" sz="3600" dirty="0" smtClean="0"/>
-              <a:t>and hierarchical </a:t>
-            </a:r>
-            <a:r>
-              <a:rPr lang="en-US" altLang="zh-CN" sz="3600" dirty="0" err="1" smtClean="0"/>
-              <a:t>softmax</a:t>
-            </a:r>
-            <a:endParaRPr kumimoji="1" lang="zh-CN" altLang="en-US" sz="3600" dirty="0"/>
+          <a:bodyPr/>
+          <a:lstStyle/>
+          <a:p>
+            <a:r>
+              <a:rPr lang="en-US" altLang="zh-CN" dirty="0"/>
+              <a:t>Continuous Skip-gram Model</a:t>
+            </a:r>
+            <a:endParaRPr kumimoji="1" lang="zh-CN" altLang="en-US" dirty="0"/>
           </a:p>
         </p:txBody>
       </p:sp>
@@ -4726,7 +4801,7 @@
           <a:bodyPr/>
           <a:lstStyle/>
           <a:p>
-            <a:endParaRPr kumimoji="1" lang="zh-CN" altLang="en-US" dirty="0"/>
+            <a:endParaRPr kumimoji="1" lang="zh-CN" altLang="en-US"/>
           </a:p>
         </p:txBody>
       </p:sp>
@@ -4812,7 +4887,7 @@
     </p:spTree>
     <p:extLst>
       <p:ext uri="{BB962C8B-B14F-4D97-AF65-F5344CB8AC3E}">
-        <p14:creationId xmlns:p14="http://schemas.microsoft.com/office/powerpoint/2010/main" val="108275867"/>
+        <p14:creationId xmlns:p14="http://schemas.microsoft.com/office/powerpoint/2010/main" val="1943564112"/>
       </p:ext>
     </p:extLst>
   </p:cSld>
@@ -4858,33 +4933,47 @@
         </p:nvSpPr>
         <p:spPr/>
         <p:txBody>
-          <a:bodyPr/>
-          <a:lstStyle/>
-          <a:p>
-            <a:r>
-              <a:rPr lang="en-US" altLang="zh-CN" dirty="0" smtClean="0"/>
-              <a:t>Experiment</a:t>
-            </a:r>
+          <a:bodyPr>
+            <a:normAutofit/>
+          </a:bodyPr>
+          <a:lstStyle/>
+          <a:p>
+            <a:r>
+              <a:rPr lang="en-US" altLang="zh-CN" sz="3600" dirty="0" smtClean="0"/>
+              <a:t>A </a:t>
+            </a:r>
+            <a:r>
+              <a:rPr lang="en-US" altLang="zh-CN" sz="3600" dirty="0"/>
+              <a:t>combination of ontology </a:t>
+            </a:r>
+            <a:r>
+              <a:rPr lang="en-US" altLang="zh-CN" sz="3600" dirty="0" smtClean="0"/>
+              <a:t>and hierarchical </a:t>
+            </a:r>
+            <a:r>
+              <a:rPr lang="en-US" altLang="zh-CN" sz="3600" dirty="0" err="1" smtClean="0"/>
+              <a:t>softmax</a:t>
+            </a:r>
+            <a:endParaRPr kumimoji="1" lang="zh-CN" altLang="en-US" sz="3600" dirty="0"/>
+          </a:p>
+        </p:txBody>
+      </p:sp>
+      <p:sp>
+        <p:nvSpPr>
+          <p:cNvPr id="3" name="内容占位符 2"/>
+          <p:cNvSpPr>
+            <a:spLocks noGrp="1"/>
+          </p:cNvSpPr>
+          <p:nvPr>
+            <p:ph idx="1"/>
+          </p:nvPr>
+        </p:nvSpPr>
+        <p:spPr/>
+        <p:txBody>
+          <a:bodyPr/>
+          <a:lstStyle/>
+          <a:p>
             <a:endParaRPr kumimoji="1" lang="zh-CN" altLang="en-US" dirty="0"/>
-          </a:p>
-        </p:txBody>
-      </p:sp>
-      <p:sp>
-        <p:nvSpPr>
-          <p:cNvPr id="3" name="内容占位符 2"/>
-          <p:cNvSpPr>
-            <a:spLocks noGrp="1"/>
-          </p:cNvSpPr>
-          <p:nvPr>
-            <p:ph idx="1"/>
-          </p:nvPr>
-        </p:nvSpPr>
-        <p:spPr/>
-        <p:txBody>
-          <a:bodyPr/>
-          <a:lstStyle/>
-          <a:p>
-            <a:endParaRPr kumimoji="1" lang="zh-CN" altLang="en-US"/>
           </a:p>
         </p:txBody>
       </p:sp>
@@ -4931,13 +5020,46 @@
               <a:t>15</a:t>
             </a:fld>
             <a:endParaRPr lang="zh-CN" altLang="en-US"/>
+          </a:p>
+        </p:txBody>
+      </p:sp>
+      <p:sp>
+        <p:nvSpPr>
+          <p:cNvPr id="6" name="矩形 5"/>
+          <p:cNvSpPr/>
+          <p:nvPr/>
+        </p:nvSpPr>
+        <p:spPr>
+          <a:xfrm>
+            <a:off x="9173395" y="365125"/>
+            <a:ext cx="2085827" cy="369332"/>
+          </a:xfrm>
+          <a:prstGeom prst="rect">
+            <a:avLst/>
+          </a:prstGeom>
+        </p:spPr>
+        <p:txBody>
+          <a:bodyPr wrap="none">
+            <a:spAutoFit/>
+          </a:bodyPr>
+          <a:lstStyle/>
+          <a:p>
+            <a:r>
+              <a:rPr lang="de-DE" altLang="zh-CN" dirty="0"/>
+              <a:t>Model </a:t>
+            </a:r>
+            <a:r>
+              <a:rPr lang="de-DE" altLang="zh-CN" dirty="0" err="1" smtClean="0"/>
+              <a:t>Architecture</a:t>
+            </a:r>
+            <a:endParaRPr lang="zh-CN" altLang="en-US" dirty="0"/>
           </a:p>
         </p:txBody>
       </p:sp>
     </p:spTree>
     <p:extLst>
       <p:ext uri="{BB962C8B-B14F-4D97-AF65-F5344CB8AC3E}">
-        <p14:creationId xmlns:p14="http://schemas.microsoft.com/office/powerpoint/2010/main" val="347869960"/>
+        <p14:creationId xmlns:p14="http://schemas.microsoft.com/office/powerpoint/2010/main" val="108275867"/>
       </p:ext>
     </p:extLst>
   </p:cSld>
@@ -4987,12 +5109,8 @@
           <a:lstStyle/>
           <a:p>
             <a:r>
-              <a:rPr lang="en-US" altLang="zh-CN" dirty="0"/>
-              <a:t>Experimental </a:t>
-            </a:r>
-            <a:r>
               <a:rPr lang="en-US" altLang="zh-CN" dirty="0" smtClean="0"/>
-              <a:t>setup</a:t>
+              <a:t>Experiment</a:t>
             </a:r>
             <a:endParaRPr kumimoji="1" lang="zh-CN" altLang="en-US" dirty="0"/>
           </a:p>
@@ -5013,7 +5131,7 @@
           <a:bodyPr/>
           <a:lstStyle/>
           <a:p>
-            <a:endParaRPr kumimoji="1" lang="zh-CN" altLang="en-US" dirty="0"/>
+            <a:endParaRPr kumimoji="1" lang="zh-CN" altLang="en-US"/>
           </a:p>
         </p:txBody>
       </p:sp>
@@ -5060,42 +5178,13 @@
               <a:t>16</a:t>
             </a:fld>
             <a:endParaRPr lang="zh-CN" altLang="en-US"/>
-          </a:p>
-        </p:txBody>
-      </p:sp>
-      <p:sp>
-        <p:nvSpPr>
-          <p:cNvPr id="6" name="矩形 5"/>
-          <p:cNvSpPr/>
-          <p:nvPr/>
-        </p:nvSpPr>
-        <p:spPr>
-          <a:xfrm>
-            <a:off x="10058253" y="365125"/>
-            <a:ext cx="1295547" cy="369332"/>
-          </a:xfrm>
-          <a:prstGeom prst="rect">
-            <a:avLst/>
-          </a:prstGeom>
-        </p:spPr>
-        <p:txBody>
-          <a:bodyPr wrap="none">
-            <a:spAutoFit/>
-          </a:bodyPr>
-          <a:lstStyle/>
-          <a:p>
-            <a:r>
-              <a:rPr lang="en-US" altLang="zh-CN"/>
-              <a:t>Experiment</a:t>
-            </a:r>
-            <a:endParaRPr lang="zh-CN" altLang="en-US" dirty="0"/>
           </a:p>
         </p:txBody>
       </p:sp>
     </p:spTree>
     <p:extLst>
       <p:ext uri="{BB962C8B-B14F-4D97-AF65-F5344CB8AC3E}">
-        <p14:creationId xmlns:p14="http://schemas.microsoft.com/office/powerpoint/2010/main" val="1532218313"/>
+        <p14:creationId xmlns:p14="http://schemas.microsoft.com/office/powerpoint/2010/main" val="347869960"/>
       </p:ext>
     </p:extLst>
   </p:cSld>
@@ -5141,34 +5230,18 @@
         </p:nvSpPr>
         <p:spPr/>
         <p:txBody>
-          <a:bodyPr>
-            <a:normAutofit/>
-          </a:bodyPr>
-          <a:lstStyle/>
-          <a:p>
+          <a:bodyPr/>
+          <a:lstStyle/>
+          <a:p>
+            <a:r>
+              <a:rPr lang="en-US" altLang="zh-CN" dirty="0"/>
+              <a:t>Experimental </a:t>
+            </a:r>
             <a:r>
               <a:rPr lang="en-US" altLang="zh-CN" dirty="0" smtClean="0"/>
-              <a:t>Neighbors </a:t>
-            </a:r>
-            <a:r>
-              <a:rPr lang="en-US" altLang="zh-CN" dirty="0"/>
-              <a:t>of </a:t>
-            </a:r>
-            <a:r>
-              <a:rPr lang="en-US" altLang="zh-CN" dirty="0" smtClean="0"/>
-              <a:t>one</a:t>
-            </a:r>
-            <a:r>
-              <a:rPr lang="zh-CN" altLang="en-US" dirty="0" smtClean="0"/>
-              <a:t> </a:t>
-            </a:r>
-            <a:r>
-              <a:rPr lang="en-US" altLang="zh-CN" dirty="0" smtClean="0"/>
-              <a:t>collocation </a:t>
-            </a:r>
-            <a:endParaRPr lang="en-US" altLang="zh-CN" dirty="0">
-              <a:effectLst/>
-            </a:endParaRPr>
+              <a:t>setup</a:t>
+            </a:r>
+            <a:endParaRPr kumimoji="1" lang="zh-CN" altLang="en-US" dirty="0"/>
           </a:p>
         </p:txBody>
       </p:sp>
@@ -5269,7 +5342,7 @@
     </p:spTree>
     <p:extLst>
       <p:ext uri="{BB962C8B-B14F-4D97-AF65-F5344CB8AC3E}">
-        <p14:creationId xmlns:p14="http://schemas.microsoft.com/office/powerpoint/2010/main" val="437029538"/>
+        <p14:creationId xmlns:p14="http://schemas.microsoft.com/office/powerpoint/2010/main" val="1532218313"/>
       </p:ext>
     </p:extLst>
   </p:cSld>
@@ -5315,14 +5388,26 @@
         </p:nvSpPr>
         <p:spPr/>
         <p:txBody>
-          <a:bodyPr/>
-          <a:lstStyle/>
-          <a:p>
-            <a:r>
-              <a:rPr kumimoji="1" lang="en-US" altLang="zh-CN" dirty="0" smtClean="0"/>
-              <a:t>Measuring collocation intensity</a:t>
-            </a:r>
-            <a:endParaRPr kumimoji="1" lang="zh-CN" altLang="en-US" dirty="0"/>
+          <a:bodyPr>
+            <a:normAutofit/>
+          </a:bodyPr>
+          <a:lstStyle/>
+          <a:p>
+            <a:r>
+              <a:rPr lang="en-US" altLang="zh-CN" dirty="0" smtClean="0"/>
+              <a:t>Neighbors of one</a:t>
+            </a:r>
+            <a:r>
+              <a:rPr lang="zh-CN" altLang="en-US" dirty="0" smtClean="0"/>
+              <a:t> </a:t>
+            </a:r>
+            <a:r>
+              <a:rPr lang="en-US" altLang="zh-CN" dirty="0" smtClean="0"/>
+              <a:t>collocation </a:t>
+            </a:r>
+            <a:endParaRPr lang="en-US" altLang="zh-CN" dirty="0">
+              <a:effectLst/>
+            </a:endParaRPr>
           </a:p>
         </p:txBody>
       </p:sp>
@@ -5423,7 +5508,7 @@
     </p:spTree>
     <p:extLst>
       <p:ext uri="{BB962C8B-B14F-4D97-AF65-F5344CB8AC3E}">
-        <p14:creationId xmlns:p14="http://schemas.microsoft.com/office/powerpoint/2010/main" val="1678794956"/>
+        <p14:creationId xmlns:p14="http://schemas.microsoft.com/office/powerpoint/2010/main" val="437029538"/>
       </p:ext>
     </p:extLst>
   </p:cSld>
@@ -5473,16 +5558,10 @@
           <a:lstStyle/>
           <a:p>
             <a:r>
-              <a:rPr lang="en-US" altLang="zh-CN" dirty="0"/>
-              <a:t>Verb-verb phrase </a:t>
-            </a:r>
-            <a:r>
-              <a:rPr lang="en-US" altLang="zh-CN" dirty="0" smtClean="0"/>
-              <a:t>recognition</a:t>
-            </a:r>
-            <a:endParaRPr lang="en-US" altLang="zh-CN" dirty="0">
-              <a:effectLst/>
-            </a:endParaRPr>
+              <a:rPr kumimoji="1" lang="en-US" altLang="zh-CN" dirty="0" smtClean="0"/>
+              <a:t>Measuring collocation intensity</a:t>
+            </a:r>
+            <a:endParaRPr kumimoji="1" lang="zh-CN" altLang="en-US" dirty="0"/>
           </a:p>
         </p:txBody>
       </p:sp>
@@ -5583,7 +5662,7 @@
     </p:spTree>
     <p:extLst>
       <p:ext uri="{BB962C8B-B14F-4D97-AF65-F5344CB8AC3E}">
-        <p14:creationId xmlns:p14="http://schemas.microsoft.com/office/powerpoint/2010/main" val="761372426"/>
+        <p14:creationId xmlns:p14="http://schemas.microsoft.com/office/powerpoint/2010/main" val="1678794956"/>
       </p:ext>
     </p:extLst>
   </p:cSld>
@@ -5834,28 +5913,34 @@
           <a:p>
             <a:r>
               <a:rPr lang="en-US" altLang="zh-CN" dirty="0"/>
-              <a:t>Conclusion and future work </a:t>
-            </a:r>
+              <a:t>Verb-verb phrase </a:t>
+            </a:r>
+            <a:r>
+              <a:rPr lang="en-US" altLang="zh-CN" dirty="0" smtClean="0"/>
+              <a:t>recognition</a:t>
+            </a:r>
+            <a:endParaRPr lang="en-US" altLang="zh-CN" dirty="0">
+              <a:effectLst/>
+            </a:endParaRPr>
+          </a:p>
+        </p:txBody>
+      </p:sp>
+      <p:sp>
+        <p:nvSpPr>
+          <p:cNvPr id="3" name="内容占位符 2"/>
+          <p:cNvSpPr>
+            <a:spLocks noGrp="1"/>
+          </p:cNvSpPr>
+          <p:nvPr>
+            <p:ph idx="1"/>
+          </p:nvPr>
+        </p:nvSpPr>
+        <p:spPr/>
+        <p:txBody>
+          <a:bodyPr/>
+          <a:lstStyle/>
+          <a:p>
             <a:endParaRPr kumimoji="1" lang="zh-CN" altLang="en-US" dirty="0"/>
-          </a:p>
-        </p:txBody>
-      </p:sp>
-      <p:sp>
-        <p:nvSpPr>
-          <p:cNvPr id="3" name="内容占位符 2"/>
-          <p:cNvSpPr>
-            <a:spLocks noGrp="1"/>
-          </p:cNvSpPr>
-          <p:nvPr>
-            <p:ph idx="1"/>
-          </p:nvPr>
-        </p:nvSpPr>
-        <p:spPr/>
-        <p:txBody>
-          <a:bodyPr/>
-          <a:lstStyle/>
-          <a:p>
-            <a:endParaRPr kumimoji="1" lang="zh-CN" altLang="en-US"/>
           </a:p>
         </p:txBody>
       </p:sp>
@@ -5902,13 +5987,42 @@
               <a:t>20</a:t>
             </a:fld>
             <a:endParaRPr lang="zh-CN" altLang="en-US"/>
+          </a:p>
+        </p:txBody>
+      </p:sp>
+      <p:sp>
+        <p:nvSpPr>
+          <p:cNvPr id="6" name="矩形 5"/>
+          <p:cNvSpPr/>
+          <p:nvPr/>
+        </p:nvSpPr>
+        <p:spPr>
+          <a:xfrm>
+            <a:off x="10058253" y="365125"/>
+            <a:ext cx="1295547" cy="369332"/>
+          </a:xfrm>
+          <a:prstGeom prst="rect">
+            <a:avLst/>
+          </a:prstGeom>
+        </p:spPr>
+        <p:txBody>
+          <a:bodyPr wrap="none">
+            <a:spAutoFit/>
+          </a:bodyPr>
+          <a:lstStyle/>
+          <a:p>
+            <a:r>
+              <a:rPr lang="en-US" altLang="zh-CN"/>
+              <a:t>Experiment</a:t>
+            </a:r>
+            <a:endParaRPr lang="zh-CN" altLang="en-US" dirty="0"/>
           </a:p>
         </p:txBody>
       </p:sp>
     </p:spTree>
     <p:extLst>
       <p:ext uri="{BB962C8B-B14F-4D97-AF65-F5344CB8AC3E}">
-        <p14:creationId xmlns:p14="http://schemas.microsoft.com/office/powerpoint/2010/main" val="1002113766"/>
+        <p14:creationId xmlns:p14="http://schemas.microsoft.com/office/powerpoint/2010/main" val="761372426"/>
       </p:ext>
     </p:extLst>
   </p:cSld>
@@ -5957,7 +6071,11 @@
           <a:bodyPr/>
           <a:lstStyle/>
           <a:p>
-            <a:endParaRPr kumimoji="1" lang="zh-CN" altLang="en-US"/>
+            <a:r>
+              <a:rPr lang="en-US" altLang="zh-CN" dirty="0"/>
+              <a:t>Conclusion and future work </a:t>
+            </a:r>
+            <a:endParaRPr kumimoji="1" lang="zh-CN" altLang="en-US" dirty="0"/>
           </a:p>
         </p:txBody>
       </p:sp>
@@ -6029,7 +6147,330 @@
     </p:spTree>
     <p:extLst>
       <p:ext uri="{BB962C8B-B14F-4D97-AF65-F5344CB8AC3E}">
-        <p14:creationId xmlns:p14="http://schemas.microsoft.com/office/powerpoint/2010/main" val="1733500757"/>
+        <p14:creationId xmlns:p14="http://schemas.microsoft.com/office/powerpoint/2010/main" val="1002113766"/>
+      </p:ext>
+    </p:extLst>
+  </p:cSld>
+  <p:clrMapOvr>
+    <a:masterClrMapping/>
+  </p:clrMapOvr>
+  <p:timing>
+    <p:tnLst>
+      <p:par>
+        <p:cTn id="1" dur="indefinite" restart="never" nodeType="tmRoot"/>
+      </p:par>
+    </p:tnLst>
+  </p:timing>
+</p:sld>
+</file>
+
+<file path=ppt/slides/slide22.xml><?xml version="1.0" encoding="utf-8"?>
+<p:sld xmlns:a="http://schemas.openxmlformats.org/drawingml/2006/main" xmlns:r="http://schemas.openxmlformats.org/officeDocument/2006/relationships" xmlns:p="http://schemas.openxmlformats.org/presentationml/2006/main">
+  <p:cSld>
+    <p:spTree>
+      <p:nvGrpSpPr>
+        <p:cNvPr id="1" name=""/>
+        <p:cNvGrpSpPr/>
+        <p:nvPr/>
+      </p:nvGrpSpPr>
+      <p:grpSpPr>
+        <a:xfrm>
+          <a:off x="0" y="0"/>
+          <a:ext cx="0" cy="0"/>
+          <a:chOff x="0" y="0"/>
+          <a:chExt cx="0" cy="0"/>
+        </a:xfrm>
+      </p:grpSpPr>
+      <p:sp>
+        <p:nvSpPr>
+          <p:cNvPr id="2" name="标题 1"/>
+          <p:cNvSpPr>
+            <a:spLocks noGrp="1"/>
+          </p:cNvSpPr>
+          <p:nvPr>
+            <p:ph type="title"/>
+          </p:nvPr>
+        </p:nvSpPr>
+        <p:spPr/>
+        <p:txBody>
+          <a:bodyPr>
+            <a:normAutofit/>
+          </a:bodyPr>
+          <a:lstStyle/>
+          <a:p>
+            <a:r>
+              <a:rPr lang="en-US" altLang="zh-CN" sz="3600" dirty="0"/>
+              <a:t>Distributed Representation of Chinese Collocation</a:t>
+            </a:r>
+            <a:endParaRPr kumimoji="1" lang="zh-CN" altLang="en-US" sz="3600" dirty="0"/>
+          </a:p>
+        </p:txBody>
+      </p:sp>
+      <p:sp>
+        <p:nvSpPr>
+          <p:cNvPr id="3" name="内容占位符 2"/>
+          <p:cNvSpPr>
+            <a:spLocks noGrp="1"/>
+          </p:cNvSpPr>
+          <p:nvPr>
+            <p:ph idx="1"/>
+          </p:nvPr>
+        </p:nvSpPr>
+        <p:spPr/>
+        <p:txBody>
+          <a:bodyPr/>
+          <a:lstStyle/>
+          <a:p>
+            <a:r>
+              <a:rPr lang="en-US" altLang="zh-CN" dirty="0"/>
+              <a:t>Bo</a:t>
+            </a:r>
+            <a:r>
+              <a:rPr lang="zh-CN" altLang="en-US" dirty="0"/>
+              <a:t> </a:t>
+            </a:r>
+            <a:r>
+              <a:rPr lang="en-US" altLang="zh-CN" dirty="0"/>
+              <a:t>Xia</a:t>
+            </a:r>
+            <a:r>
+              <a:rPr lang="zh-CN" altLang="en-US" dirty="0"/>
+              <a:t> </a:t>
+            </a:r>
+            <a:r>
+              <a:rPr lang="en-US" altLang="zh-CN" dirty="0"/>
+              <a:t>and</a:t>
+            </a:r>
+            <a:r>
+              <a:rPr lang="zh-CN" altLang="en-US" dirty="0"/>
+              <a:t> </a:t>
+            </a:r>
+            <a:r>
+              <a:rPr lang="en-US" altLang="zh-CN" dirty="0" err="1"/>
+              <a:t>Endong</a:t>
+            </a:r>
+            <a:r>
+              <a:rPr lang="zh-CN" altLang="en-US" dirty="0"/>
+              <a:t> </a:t>
+            </a:r>
+            <a:r>
+              <a:rPr lang="en-US" altLang="zh-CN" dirty="0" err="1" smtClean="0"/>
+              <a:t>Xun</a:t>
+            </a:r>
+            <a:endParaRPr lang="en-US" altLang="zh-CN" dirty="0" smtClean="0"/>
+          </a:p>
+          <a:p>
+            <a:endParaRPr lang="en-US" altLang="zh-CN" i="1" dirty="0" smtClean="0"/>
+          </a:p>
+          <a:p>
+            <a:r>
+              <a:rPr lang="en-US" altLang="zh-CN" i="1" dirty="0" smtClean="0"/>
+              <a:t>Beijing </a:t>
+            </a:r>
+            <a:r>
+              <a:rPr lang="en-US" altLang="zh-CN" i="1" dirty="0"/>
+              <a:t>language and culture university</a:t>
+            </a:r>
+            <a:endParaRPr lang="zh-CN" altLang="en-US" i="1" dirty="0"/>
+          </a:p>
+          <a:p>
+            <a:endParaRPr kumimoji="1" lang="en-US" altLang="zh-CN" dirty="0" smtClean="0"/>
+          </a:p>
+          <a:p>
+            <a:r>
+              <a:rPr kumimoji="1" lang="en-US" altLang="zh-CN" dirty="0">
+                <a:hlinkClick r:id="rId2"/>
+              </a:rPr>
+              <a:t>https://</a:t>
+            </a:r>
+            <a:r>
+              <a:rPr kumimoji="1" lang="en-US" altLang="zh-CN" dirty="0" smtClean="0">
+                <a:hlinkClick r:id="rId2"/>
+              </a:rPr>
+              <a:t>github.com/xiabo0816/Chinese_MWEs_Representation</a:t>
+            </a:r>
+            <a:endParaRPr kumimoji="1" lang="en-US" altLang="zh-CN" dirty="0" smtClean="0"/>
+          </a:p>
+        </p:txBody>
+      </p:sp>
+      <p:sp>
+        <p:nvSpPr>
+          <p:cNvPr id="4" name="页脚占位符 3"/>
+          <p:cNvSpPr>
+            <a:spLocks noGrp="1"/>
+          </p:cNvSpPr>
+          <p:nvPr>
+            <p:ph type="ftr" sz="quarter" idx="11"/>
+          </p:nvPr>
+        </p:nvSpPr>
+        <p:spPr/>
+        <p:txBody>
+          <a:bodyPr/>
+          <a:lstStyle/>
+          <a:p>
+            <a:r>
+              <a:rPr lang="en-US" altLang="zh-CN" smtClean="0"/>
+              <a:t>PACLIC 32 Semantics</a:t>
+            </a:r>
+            <a:endParaRPr lang="zh-CN" altLang="en-US"/>
+          </a:p>
+        </p:txBody>
+      </p:sp>
+      <p:sp>
+        <p:nvSpPr>
+          <p:cNvPr id="5" name="幻灯片编号占位符 4"/>
+          <p:cNvSpPr>
+            <a:spLocks noGrp="1"/>
+          </p:cNvSpPr>
+          <p:nvPr>
+            <p:ph type="sldNum" sz="quarter" idx="12"/>
+          </p:nvPr>
+        </p:nvSpPr>
+        <p:spPr/>
+        <p:txBody>
+          <a:bodyPr/>
+          <a:lstStyle/>
+          <a:p>
+            <a:fld id="{3E9D6AB3-6D86-4BF2-AE34-936A8D37E25D}" type="slidenum">
+              <a:rPr lang="zh-CN" altLang="en-US" smtClean="0"/>
+              <a:t>22</a:t>
+            </a:fld>
+            <a:endParaRPr lang="zh-CN" altLang="en-US"/>
+          </a:p>
+        </p:txBody>
+      </p:sp>
+    </p:spTree>
+    <p:extLst>
+      <p:ext uri="{BB962C8B-B14F-4D97-AF65-F5344CB8AC3E}">
+        <p14:creationId xmlns:p14="http://schemas.microsoft.com/office/powerpoint/2010/main" val="577218906"/>
+      </p:ext>
+    </p:extLst>
+  </p:cSld>
+  <p:clrMapOvr>
+    <a:masterClrMapping/>
+  </p:clrMapOvr>
+  <p:timing>
+    <p:tnLst>
+      <p:par>
+        <p:cTn id="1" dur="indefinite" restart="never" nodeType="tmRoot"/>
+      </p:par>
+    </p:tnLst>
+  </p:timing>
+</p:sld>
+</file>
+
+<file path=ppt/slides/slide23.xml><?xml version="1.0" encoding="utf-8"?>
+<p:sld xmlns:a="http://schemas.openxmlformats.org/drawingml/2006/main" xmlns:r="http://schemas.openxmlformats.org/officeDocument/2006/relationships" xmlns:p="http://schemas.openxmlformats.org/presentationml/2006/main">
+  <p:cSld>
+    <p:spTree>
+      <p:nvGrpSpPr>
+        <p:cNvPr id="1" name=""/>
+        <p:cNvGrpSpPr/>
+        <p:nvPr/>
+      </p:nvGrpSpPr>
+      <p:grpSpPr>
+        <a:xfrm>
+          <a:off x="0" y="0"/>
+          <a:ext cx="0" cy="0"/>
+          <a:chOff x="0" y="0"/>
+          <a:chExt cx="0" cy="0"/>
+        </a:xfrm>
+      </p:grpSpPr>
+      <p:sp>
+        <p:nvSpPr>
+          <p:cNvPr id="2" name="标题 1"/>
+          <p:cNvSpPr>
+            <a:spLocks noGrp="1"/>
+          </p:cNvSpPr>
+          <p:nvPr>
+            <p:ph type="ctrTitle"/>
+          </p:nvPr>
+        </p:nvSpPr>
+        <p:spPr/>
+        <p:txBody>
+          <a:bodyPr>
+            <a:normAutofit/>
+          </a:bodyPr>
+          <a:lstStyle/>
+          <a:p>
+            <a:r>
+              <a:rPr lang="en-US" altLang="zh-CN" sz="5400" dirty="0"/>
+              <a:t>Distributed Representation of Chinese Collocation</a:t>
+            </a:r>
+            <a:endParaRPr lang="zh-CN" altLang="en-US" sz="5400" dirty="0"/>
+          </a:p>
+        </p:txBody>
+      </p:sp>
+      <p:sp>
+        <p:nvSpPr>
+          <p:cNvPr id="3" name="副标题 2"/>
+          <p:cNvSpPr>
+            <a:spLocks noGrp="1"/>
+          </p:cNvSpPr>
+          <p:nvPr>
+            <p:ph type="subTitle" idx="1"/>
+          </p:nvPr>
+        </p:nvSpPr>
+        <p:spPr/>
+        <p:txBody>
+          <a:bodyPr/>
+          <a:lstStyle/>
+          <a:p>
+            <a:r>
+              <a:rPr lang="en-US" altLang="zh-CN" dirty="0" smtClean="0"/>
+              <a:t>Bo</a:t>
+            </a:r>
+            <a:r>
+              <a:rPr lang="zh-CN" altLang="en-US" dirty="0" smtClean="0"/>
+              <a:t> </a:t>
+            </a:r>
+            <a:r>
+              <a:rPr lang="en-US" altLang="zh-CN" dirty="0" smtClean="0"/>
+              <a:t>Xia</a:t>
+            </a:r>
+            <a:r>
+              <a:rPr lang="zh-CN" altLang="en-US" dirty="0" smtClean="0"/>
+              <a:t> </a:t>
+            </a:r>
+            <a:r>
+              <a:rPr lang="en-US" altLang="zh-CN" dirty="0" smtClean="0"/>
+              <a:t>and</a:t>
+            </a:r>
+            <a:r>
+              <a:rPr lang="zh-CN" altLang="en-US" dirty="0" smtClean="0"/>
+              <a:t> </a:t>
+            </a:r>
+            <a:r>
+              <a:rPr lang="en-US" altLang="zh-CN" dirty="0" err="1" smtClean="0"/>
+              <a:t>Endong</a:t>
+            </a:r>
+            <a:r>
+              <a:rPr lang="zh-CN" altLang="en-US" dirty="0" smtClean="0"/>
+              <a:t> </a:t>
+            </a:r>
+            <a:r>
+              <a:rPr lang="en-US" altLang="zh-CN" dirty="0" err="1" smtClean="0"/>
+              <a:t>Xun</a:t>
+            </a:r>
+            <a:r>
+              <a:rPr lang="en-US" altLang="zh-CN" dirty="0" smtClean="0"/>
+              <a:t/>
+            </a:r>
+            <a:br>
+              <a:rPr lang="en-US" altLang="zh-CN" dirty="0" smtClean="0"/>
+            </a:br>
+            <a:r>
+              <a:rPr lang="en-US" altLang="zh-CN" sz="2000" i="1" dirty="0" smtClean="0"/>
+              <a:t>Beijing language and culture university</a:t>
+            </a:r>
+            <a:endParaRPr lang="zh-CN" altLang="en-US" i="1" dirty="0"/>
+          </a:p>
+        </p:txBody>
+      </p:sp>
+    </p:spTree>
+    <p:extLst>
+      <p:ext uri="{BB962C8B-B14F-4D97-AF65-F5344CB8AC3E}">
+        <p14:creationId xmlns:p14="http://schemas.microsoft.com/office/powerpoint/2010/main" val="1798558197"/>
       </p:ext>
     </p:extLst>
   </p:cSld>

--- a/PACLIC 32 Semantics session.pptx
+++ b/PACLIC 32 Semantics session.pptx
@@ -5,7 +5,7 @@
     <p:sldMasterId id="2147483648" r:id="rId1"/>
   </p:sldMasterIdLst>
   <p:notesMasterIdLst>
-    <p:notesMasterId r:id="rId25"/>
+    <p:notesMasterId r:id="rId27"/>
   </p:notesMasterIdLst>
   <p:sldIdLst>
     <p:sldId id="257" r:id="rId2"/>
@@ -15,22 +15,24 @@
     <p:sldId id="264" r:id="rId6"/>
     <p:sldId id="278" r:id="rId7"/>
     <p:sldId id="279" r:id="rId8"/>
-    <p:sldId id="265" r:id="rId9"/>
-    <p:sldId id="266" r:id="rId10"/>
-    <p:sldId id="267" r:id="rId11"/>
-    <p:sldId id="280" r:id="rId12"/>
-    <p:sldId id="268" r:id="rId13"/>
-    <p:sldId id="269" r:id="rId14"/>
-    <p:sldId id="270" r:id="rId15"/>
-    <p:sldId id="271" r:id="rId16"/>
-    <p:sldId id="272" r:id="rId17"/>
-    <p:sldId id="273" r:id="rId18"/>
-    <p:sldId id="274" r:id="rId19"/>
-    <p:sldId id="276" r:id="rId20"/>
-    <p:sldId id="275" r:id="rId21"/>
-    <p:sldId id="277" r:id="rId22"/>
-    <p:sldId id="282" r:id="rId23"/>
-    <p:sldId id="281" r:id="rId24"/>
+    <p:sldId id="283" r:id="rId9"/>
+    <p:sldId id="284" r:id="rId10"/>
+    <p:sldId id="265" r:id="rId11"/>
+    <p:sldId id="266" r:id="rId12"/>
+    <p:sldId id="267" r:id="rId13"/>
+    <p:sldId id="280" r:id="rId14"/>
+    <p:sldId id="268" r:id="rId15"/>
+    <p:sldId id="269" r:id="rId16"/>
+    <p:sldId id="270" r:id="rId17"/>
+    <p:sldId id="271" r:id="rId18"/>
+    <p:sldId id="272" r:id="rId19"/>
+    <p:sldId id="273" r:id="rId20"/>
+    <p:sldId id="274" r:id="rId21"/>
+    <p:sldId id="276" r:id="rId22"/>
+    <p:sldId id="275" r:id="rId23"/>
+    <p:sldId id="277" r:id="rId24"/>
+    <p:sldId id="282" r:id="rId25"/>
+    <p:sldId id="281" r:id="rId26"/>
   </p:sldIdLst>
   <p:sldSz cx="12192000" cy="6858000"/>
   <p:notesSz cx="6858000" cy="9144000"/>
@@ -219,7 +221,7 @@
           <a:p>
             <a:fld id="{C54531E0-FAB8-4246-AEF8-1110C4094D7D}" type="datetimeFigureOut">
               <a:rPr kumimoji="1" lang="zh-CN" altLang="en-US" smtClean="0"/>
-              <a:t>2018/11/28</a:t>
+              <a:t>2018/11/29</a:t>
             </a:fld>
             <a:endParaRPr kumimoji="1" lang="zh-CN" altLang="en-US"/>
           </a:p>
@@ -571,6 +573,174 @@
 </p:notes>
 </file>
 
+<file path=ppt/notesSlides/notesSlide10.xml><?xml version="1.0" encoding="utf-8"?>
+<p:notes xmlns:a="http://schemas.openxmlformats.org/drawingml/2006/main" xmlns:r="http://schemas.openxmlformats.org/officeDocument/2006/relationships" xmlns:p="http://schemas.openxmlformats.org/presentationml/2006/main">
+  <p:cSld>
+    <p:spTree>
+      <p:nvGrpSpPr>
+        <p:cNvPr id="1" name=""/>
+        <p:cNvGrpSpPr/>
+        <p:nvPr/>
+      </p:nvGrpSpPr>
+      <p:grpSpPr>
+        <a:xfrm>
+          <a:off x="0" y="0"/>
+          <a:ext cx="0" cy="0"/>
+          <a:chOff x="0" y="0"/>
+          <a:chExt cx="0" cy="0"/>
+        </a:xfrm>
+      </p:grpSpPr>
+      <p:sp>
+        <p:nvSpPr>
+          <p:cNvPr id="2" name="幻灯片图像占位符 1"/>
+          <p:cNvSpPr>
+            <a:spLocks noGrp="1" noRot="1" noChangeAspect="1"/>
+          </p:cNvSpPr>
+          <p:nvPr>
+            <p:ph type="sldImg"/>
+          </p:nvPr>
+        </p:nvSpPr>
+        <p:spPr/>
+      </p:sp>
+      <p:sp>
+        <p:nvSpPr>
+          <p:cNvPr id="3" name="备注占位符 2"/>
+          <p:cNvSpPr>
+            <a:spLocks noGrp="1"/>
+          </p:cNvSpPr>
+          <p:nvPr>
+            <p:ph type="body" idx="1"/>
+          </p:nvPr>
+        </p:nvSpPr>
+        <p:spPr/>
+        <p:txBody>
+          <a:bodyPr/>
+          <a:lstStyle/>
+          <a:p>
+            <a:endParaRPr kumimoji="1" lang="zh-CN" altLang="en-US"/>
+          </a:p>
+        </p:txBody>
+      </p:sp>
+      <p:sp>
+        <p:nvSpPr>
+          <p:cNvPr id="4" name="幻灯片编号占位符 3"/>
+          <p:cNvSpPr>
+            <a:spLocks noGrp="1"/>
+          </p:cNvSpPr>
+          <p:nvPr>
+            <p:ph type="sldNum" sz="quarter" idx="10"/>
+          </p:nvPr>
+        </p:nvSpPr>
+        <p:spPr/>
+        <p:txBody>
+          <a:bodyPr/>
+          <a:lstStyle/>
+          <a:p>
+            <a:fld id="{760FE355-BD4A-7B4B-B3DC-3FAC407D5D0A}" type="slidenum">
+              <a:rPr kumimoji="1" lang="zh-CN" altLang="en-US" smtClean="0"/>
+              <a:t>15</a:t>
+            </a:fld>
+            <a:endParaRPr kumimoji="1" lang="zh-CN" altLang="en-US"/>
+          </a:p>
+        </p:txBody>
+      </p:sp>
+    </p:spTree>
+    <p:extLst>
+      <p:ext uri="{BB962C8B-B14F-4D97-AF65-F5344CB8AC3E}">
+        <p14:creationId xmlns:p14="http://schemas.microsoft.com/office/powerpoint/2010/main" val="1468182706"/>
+      </p:ext>
+    </p:extLst>
+  </p:cSld>
+  <p:clrMapOvr>
+    <a:masterClrMapping/>
+  </p:clrMapOvr>
+</p:notes>
+</file>
+
+<file path=ppt/notesSlides/notesSlide11.xml><?xml version="1.0" encoding="utf-8"?>
+<p:notes xmlns:a="http://schemas.openxmlformats.org/drawingml/2006/main" xmlns:r="http://schemas.openxmlformats.org/officeDocument/2006/relationships" xmlns:p="http://schemas.openxmlformats.org/presentationml/2006/main">
+  <p:cSld>
+    <p:spTree>
+      <p:nvGrpSpPr>
+        <p:cNvPr id="1" name=""/>
+        <p:cNvGrpSpPr/>
+        <p:nvPr/>
+      </p:nvGrpSpPr>
+      <p:grpSpPr>
+        <a:xfrm>
+          <a:off x="0" y="0"/>
+          <a:ext cx="0" cy="0"/>
+          <a:chOff x="0" y="0"/>
+          <a:chExt cx="0" cy="0"/>
+        </a:xfrm>
+      </p:grpSpPr>
+      <p:sp>
+        <p:nvSpPr>
+          <p:cNvPr id="2" name="幻灯片图像占位符 1"/>
+          <p:cNvSpPr>
+            <a:spLocks noGrp="1" noRot="1" noChangeAspect="1"/>
+          </p:cNvSpPr>
+          <p:nvPr>
+            <p:ph type="sldImg"/>
+          </p:nvPr>
+        </p:nvSpPr>
+        <p:spPr/>
+      </p:sp>
+      <p:sp>
+        <p:nvSpPr>
+          <p:cNvPr id="3" name="备注占位符 2"/>
+          <p:cNvSpPr>
+            <a:spLocks noGrp="1"/>
+          </p:cNvSpPr>
+          <p:nvPr>
+            <p:ph type="body" idx="1"/>
+          </p:nvPr>
+        </p:nvSpPr>
+        <p:spPr/>
+        <p:txBody>
+          <a:bodyPr/>
+          <a:lstStyle/>
+          <a:p>
+            <a:endParaRPr kumimoji="1" lang="zh-CN" altLang="en-US"/>
+          </a:p>
+        </p:txBody>
+      </p:sp>
+      <p:sp>
+        <p:nvSpPr>
+          <p:cNvPr id="4" name="幻灯片编号占位符 3"/>
+          <p:cNvSpPr>
+            <a:spLocks noGrp="1"/>
+          </p:cNvSpPr>
+          <p:nvPr>
+            <p:ph type="sldNum" sz="quarter" idx="10"/>
+          </p:nvPr>
+        </p:nvSpPr>
+        <p:spPr/>
+        <p:txBody>
+          <a:bodyPr/>
+          <a:lstStyle/>
+          <a:p>
+            <a:fld id="{760FE355-BD4A-7B4B-B3DC-3FAC407D5D0A}" type="slidenum">
+              <a:rPr kumimoji="1" lang="zh-CN" altLang="en-US" smtClean="0"/>
+              <a:t>25</a:t>
+            </a:fld>
+            <a:endParaRPr kumimoji="1" lang="zh-CN" altLang="en-US"/>
+          </a:p>
+        </p:txBody>
+      </p:sp>
+    </p:spTree>
+    <p:extLst>
+      <p:ext uri="{BB962C8B-B14F-4D97-AF65-F5344CB8AC3E}">
+        <p14:creationId xmlns:p14="http://schemas.microsoft.com/office/powerpoint/2010/main" val="387801807"/>
+      </p:ext>
+    </p:extLst>
+  </p:cSld>
+  <p:clrMapOvr>
+    <a:masterClrMapping/>
+  </p:clrMapOvr>
+</p:notes>
+</file>
+
 <file path=ppt/notesSlides/notesSlide2.xml><?xml version="1.0" encoding="utf-8"?>
 <p:notes xmlns:a="http://schemas.openxmlformats.org/drawingml/2006/main" xmlns:r="http://schemas.openxmlformats.org/officeDocument/2006/relationships" xmlns:p="http://schemas.openxmlformats.org/presentationml/2006/main">
   <p:cSld>
@@ -615,7 +785,7 @@
           <a:bodyPr/>
           <a:lstStyle/>
           <a:p>
-            <a:endParaRPr kumimoji="1" lang="zh-CN" altLang="en-US"/>
+            <a:endParaRPr kumimoji="1" lang="zh-CN" altLang="en-US" dirty="0"/>
           </a:p>
         </p:txBody>
       </p:sp>
@@ -699,7 +869,11 @@
           <a:bodyPr/>
           <a:lstStyle/>
           <a:p>
-            <a:endParaRPr kumimoji="1" lang="zh-CN" altLang="en-US"/>
+            <a:r>
+              <a:rPr lang="en-US" altLang="zh-CN" dirty="0" smtClean="0"/>
+              <a:t>Collocation examples from compulsory English lesson, trade war</a:t>
+            </a:r>
+            <a:endParaRPr kumimoji="1" lang="zh-CN" altLang="en-US" dirty="0"/>
           </a:p>
         </p:txBody>
       </p:sp>
@@ -783,13 +957,17 @@
           <a:bodyPr/>
           <a:lstStyle/>
           <a:p>
-            <a:endParaRPr kumimoji="1" lang="zh-CN" altLang="en-US"/>
-          </a:p>
-        </p:txBody>
-      </p:sp>
-      <p:sp>
-        <p:nvSpPr>
-          <p:cNvPr id="4" name="幻灯片编号占位符 3"/>
+            <a:r>
+              <a:rPr lang="en-US" altLang="zh-CN" dirty="0" smtClean="0"/>
+              <a:t>Collocation examples from compulsory English lesson</a:t>
+            </a:r>
+            <a:endParaRPr lang="zh-CN" altLang="en-US" dirty="0"/>
+          </a:p>
+        </p:txBody>
+      </p:sp>
+      <p:sp>
+        <p:nvSpPr>
+          <p:cNvPr id="4" name="灯片编号占位符 3"/>
           <p:cNvSpPr>
             <a:spLocks noGrp="1"/>
           </p:cNvSpPr>
@@ -804,7 +982,7 @@
           <a:p>
             <a:fld id="{760FE355-BD4A-7B4B-B3DC-3FAC407D5D0A}" type="slidenum">
               <a:rPr kumimoji="1" lang="zh-CN" altLang="en-US" smtClean="0"/>
-              <a:t>8</a:t>
+              <a:t>6</a:t>
             </a:fld>
             <a:endParaRPr kumimoji="1" lang="zh-CN" altLang="en-US"/>
           </a:p>
@@ -813,7 +991,7 @@
     </p:spTree>
     <p:extLst>
       <p:ext uri="{BB962C8B-B14F-4D97-AF65-F5344CB8AC3E}">
-        <p14:creationId xmlns:p14="http://schemas.microsoft.com/office/powerpoint/2010/main" val="71687979"/>
+        <p14:creationId xmlns:p14="http://schemas.microsoft.com/office/powerpoint/2010/main" val="1978639984"/>
       </p:ext>
     </p:extLst>
   </p:cSld>
@@ -867,13 +1045,17 @@
           <a:bodyPr/>
           <a:lstStyle/>
           <a:p>
-            <a:endParaRPr kumimoji="1" lang="zh-CN" altLang="en-US"/>
-          </a:p>
-        </p:txBody>
-      </p:sp>
-      <p:sp>
-        <p:nvSpPr>
-          <p:cNvPr id="4" name="幻灯片编号占位符 3"/>
+            <a:r>
+              <a:rPr lang="en-US" altLang="zh-CN" dirty="0" smtClean="0"/>
+              <a:t>Collocation examples from compulsory English lesson</a:t>
+            </a:r>
+            <a:endParaRPr lang="zh-CN" altLang="en-US" dirty="0"/>
+          </a:p>
+        </p:txBody>
+      </p:sp>
+      <p:sp>
+        <p:nvSpPr>
+          <p:cNvPr id="4" name="灯片编号占位符 3"/>
           <p:cNvSpPr>
             <a:spLocks noGrp="1"/>
           </p:cNvSpPr>
@@ -888,7 +1070,7 @@
           <a:p>
             <a:fld id="{760FE355-BD4A-7B4B-B3DC-3FAC407D5D0A}" type="slidenum">
               <a:rPr kumimoji="1" lang="zh-CN" altLang="en-US" smtClean="0"/>
-              <a:t>9</a:t>
+              <a:t>7</a:t>
             </a:fld>
             <a:endParaRPr kumimoji="1" lang="zh-CN" altLang="en-US"/>
           </a:p>
@@ -897,7 +1079,7 @@
     </p:spTree>
     <p:extLst>
       <p:ext uri="{BB962C8B-B14F-4D97-AF65-F5344CB8AC3E}">
-        <p14:creationId xmlns:p14="http://schemas.microsoft.com/office/powerpoint/2010/main" val="416856105"/>
+        <p14:creationId xmlns:p14="http://schemas.microsoft.com/office/powerpoint/2010/main" val="3925494810"/>
       </p:ext>
     </p:extLst>
   </p:cSld>
@@ -951,7 +1133,11 @@
           <a:bodyPr/>
           <a:lstStyle/>
           <a:p>
-            <a:endParaRPr kumimoji="1" lang="zh-CN" altLang="en-US"/>
+            <a:r>
+              <a:rPr lang="en-US" altLang="zh-CN" dirty="0" smtClean="0"/>
+              <a:t>Collocation examples from compulsory English lesson, trade war</a:t>
+            </a:r>
+            <a:endParaRPr kumimoji="1" lang="zh-CN" altLang="en-US" dirty="0"/>
           </a:p>
         </p:txBody>
       </p:sp>
@@ -972,7 +1158,7 @@
           <a:p>
             <a:fld id="{760FE355-BD4A-7B4B-B3DC-3FAC407D5D0A}" type="slidenum">
               <a:rPr kumimoji="1" lang="zh-CN" altLang="en-US" smtClean="0"/>
-              <a:t>13</a:t>
+              <a:t>8</a:t>
             </a:fld>
             <a:endParaRPr kumimoji="1" lang="zh-CN" altLang="en-US"/>
           </a:p>
@@ -981,7 +1167,7 @@
     </p:spTree>
     <p:extLst>
       <p:ext uri="{BB962C8B-B14F-4D97-AF65-F5344CB8AC3E}">
-        <p14:creationId xmlns:p14="http://schemas.microsoft.com/office/powerpoint/2010/main" val="1468182706"/>
+        <p14:creationId xmlns:p14="http://schemas.microsoft.com/office/powerpoint/2010/main" val="17128082"/>
       </p:ext>
     </p:extLst>
   </p:cSld>
@@ -1035,7 +1221,11 @@
           <a:bodyPr/>
           <a:lstStyle/>
           <a:p>
-            <a:endParaRPr kumimoji="1" lang="zh-CN" altLang="en-US"/>
+            <a:r>
+              <a:rPr lang="en-US" altLang="zh-CN" dirty="0" smtClean="0"/>
+              <a:t>Collocation examples from compulsory English lesson, trade war</a:t>
+            </a:r>
+            <a:endParaRPr kumimoji="1" lang="zh-CN" altLang="en-US" dirty="0"/>
           </a:p>
         </p:txBody>
       </p:sp>
@@ -1056,7 +1246,7 @@
           <a:p>
             <a:fld id="{760FE355-BD4A-7B4B-B3DC-3FAC407D5D0A}" type="slidenum">
               <a:rPr kumimoji="1" lang="zh-CN" altLang="en-US" smtClean="0"/>
-              <a:t>23</a:t>
+              <a:t>9</a:t>
             </a:fld>
             <a:endParaRPr kumimoji="1" lang="zh-CN" altLang="en-US"/>
           </a:p>
@@ -1065,7 +1255,179 @@
     </p:spTree>
     <p:extLst>
       <p:ext uri="{BB962C8B-B14F-4D97-AF65-F5344CB8AC3E}">
-        <p14:creationId xmlns:p14="http://schemas.microsoft.com/office/powerpoint/2010/main" val="387801807"/>
+        <p14:creationId xmlns:p14="http://schemas.microsoft.com/office/powerpoint/2010/main" val="663871964"/>
+      </p:ext>
+    </p:extLst>
+  </p:cSld>
+  <p:clrMapOvr>
+    <a:masterClrMapping/>
+  </p:clrMapOvr>
+</p:notes>
+</file>
+
+<file path=ppt/notesSlides/notesSlide8.xml><?xml version="1.0" encoding="utf-8"?>
+<p:notes xmlns:a="http://schemas.openxmlformats.org/drawingml/2006/main" xmlns:r="http://schemas.openxmlformats.org/officeDocument/2006/relationships" xmlns:p="http://schemas.openxmlformats.org/presentationml/2006/main">
+  <p:cSld>
+    <p:spTree>
+      <p:nvGrpSpPr>
+        <p:cNvPr id="1" name=""/>
+        <p:cNvGrpSpPr/>
+        <p:nvPr/>
+      </p:nvGrpSpPr>
+      <p:grpSpPr>
+        <a:xfrm>
+          <a:off x="0" y="0"/>
+          <a:ext cx="0" cy="0"/>
+          <a:chOff x="0" y="0"/>
+          <a:chExt cx="0" cy="0"/>
+        </a:xfrm>
+      </p:grpSpPr>
+      <p:sp>
+        <p:nvSpPr>
+          <p:cNvPr id="2" name="幻灯片图像占位符 1"/>
+          <p:cNvSpPr>
+            <a:spLocks noGrp="1" noRot="1" noChangeAspect="1"/>
+          </p:cNvSpPr>
+          <p:nvPr>
+            <p:ph type="sldImg"/>
+          </p:nvPr>
+        </p:nvSpPr>
+        <p:spPr/>
+      </p:sp>
+      <p:sp>
+        <p:nvSpPr>
+          <p:cNvPr id="3" name="备注占位符 2"/>
+          <p:cNvSpPr>
+            <a:spLocks noGrp="1"/>
+          </p:cNvSpPr>
+          <p:nvPr>
+            <p:ph type="body" idx="1"/>
+          </p:nvPr>
+        </p:nvSpPr>
+        <p:spPr/>
+        <p:txBody>
+          <a:bodyPr/>
+          <a:lstStyle/>
+          <a:p>
+            <a:endParaRPr kumimoji="1" lang="zh-CN" altLang="en-US"/>
+          </a:p>
+        </p:txBody>
+      </p:sp>
+      <p:sp>
+        <p:nvSpPr>
+          <p:cNvPr id="4" name="幻灯片编号占位符 3"/>
+          <p:cNvSpPr>
+            <a:spLocks noGrp="1"/>
+          </p:cNvSpPr>
+          <p:nvPr>
+            <p:ph type="sldNum" sz="quarter" idx="10"/>
+          </p:nvPr>
+        </p:nvSpPr>
+        <p:spPr/>
+        <p:txBody>
+          <a:bodyPr/>
+          <a:lstStyle/>
+          <a:p>
+            <a:fld id="{760FE355-BD4A-7B4B-B3DC-3FAC407D5D0A}" type="slidenum">
+              <a:rPr kumimoji="1" lang="zh-CN" altLang="en-US" smtClean="0"/>
+              <a:t>10</a:t>
+            </a:fld>
+            <a:endParaRPr kumimoji="1" lang="zh-CN" altLang="en-US"/>
+          </a:p>
+        </p:txBody>
+      </p:sp>
+    </p:spTree>
+    <p:extLst>
+      <p:ext uri="{BB962C8B-B14F-4D97-AF65-F5344CB8AC3E}">
+        <p14:creationId xmlns:p14="http://schemas.microsoft.com/office/powerpoint/2010/main" val="71687979"/>
+      </p:ext>
+    </p:extLst>
+  </p:cSld>
+  <p:clrMapOvr>
+    <a:masterClrMapping/>
+  </p:clrMapOvr>
+</p:notes>
+</file>
+
+<file path=ppt/notesSlides/notesSlide9.xml><?xml version="1.0" encoding="utf-8"?>
+<p:notes xmlns:a="http://schemas.openxmlformats.org/drawingml/2006/main" xmlns:r="http://schemas.openxmlformats.org/officeDocument/2006/relationships" xmlns:p="http://schemas.openxmlformats.org/presentationml/2006/main">
+  <p:cSld>
+    <p:spTree>
+      <p:nvGrpSpPr>
+        <p:cNvPr id="1" name=""/>
+        <p:cNvGrpSpPr/>
+        <p:nvPr/>
+      </p:nvGrpSpPr>
+      <p:grpSpPr>
+        <a:xfrm>
+          <a:off x="0" y="0"/>
+          <a:ext cx="0" cy="0"/>
+          <a:chOff x="0" y="0"/>
+          <a:chExt cx="0" cy="0"/>
+        </a:xfrm>
+      </p:grpSpPr>
+      <p:sp>
+        <p:nvSpPr>
+          <p:cNvPr id="2" name="幻灯片图像占位符 1"/>
+          <p:cNvSpPr>
+            <a:spLocks noGrp="1" noRot="1" noChangeAspect="1"/>
+          </p:cNvSpPr>
+          <p:nvPr>
+            <p:ph type="sldImg"/>
+          </p:nvPr>
+        </p:nvSpPr>
+        <p:spPr/>
+      </p:sp>
+      <p:sp>
+        <p:nvSpPr>
+          <p:cNvPr id="3" name="备注占位符 2"/>
+          <p:cNvSpPr>
+            <a:spLocks noGrp="1"/>
+          </p:cNvSpPr>
+          <p:nvPr>
+            <p:ph type="body" idx="1"/>
+          </p:nvPr>
+        </p:nvSpPr>
+        <p:spPr/>
+        <p:txBody>
+          <a:bodyPr/>
+          <a:lstStyle/>
+          <a:p>
+            <a:r>
+              <a:rPr kumimoji="1" lang="zh-CN" altLang="en-US" dirty="0" smtClean="0"/>
+              <a:t>截图对应的描述方法</a:t>
+            </a:r>
+            <a:endParaRPr kumimoji="1" lang="en-US" altLang="zh-CN" dirty="0" smtClean="0"/>
+          </a:p>
+        </p:txBody>
+      </p:sp>
+      <p:sp>
+        <p:nvSpPr>
+          <p:cNvPr id="4" name="幻灯片编号占位符 3"/>
+          <p:cNvSpPr>
+            <a:spLocks noGrp="1"/>
+          </p:cNvSpPr>
+          <p:nvPr>
+            <p:ph type="sldNum" sz="quarter" idx="10"/>
+          </p:nvPr>
+        </p:nvSpPr>
+        <p:spPr/>
+        <p:txBody>
+          <a:bodyPr/>
+          <a:lstStyle/>
+          <a:p>
+            <a:fld id="{760FE355-BD4A-7B4B-B3DC-3FAC407D5D0A}" type="slidenum">
+              <a:rPr kumimoji="1" lang="zh-CN" altLang="en-US" smtClean="0"/>
+              <a:t>11</a:t>
+            </a:fld>
+            <a:endParaRPr kumimoji="1" lang="zh-CN" altLang="en-US"/>
+          </a:p>
+        </p:txBody>
+      </p:sp>
+    </p:spTree>
+    <p:extLst>
+      <p:ext uri="{BB962C8B-B14F-4D97-AF65-F5344CB8AC3E}">
+        <p14:creationId xmlns:p14="http://schemas.microsoft.com/office/powerpoint/2010/main" val="416856105"/>
       </p:ext>
     </p:extLst>
   </p:cSld>
@@ -1206,7 +1568,7 @@
           <a:p>
             <a:fld id="{087B97D4-6D46-1041-A1ED-3FE8E497FF2E}" type="datetime1">
               <a:rPr lang="zh-CN" altLang="en-US" smtClean="0"/>
-              <a:t>2018/11/28</a:t>
+              <a:t>2018/11/29</a:t>
             </a:fld>
             <a:endParaRPr lang="zh-CN" altLang="en-US"/>
           </a:p>
@@ -1380,7 +1742,7 @@
           <a:p>
             <a:fld id="{EDA4597C-DE04-DB47-A3B9-843CAE209316}" type="datetime1">
               <a:rPr lang="zh-CN" altLang="en-US" smtClean="0"/>
-              <a:t>2018/11/28</a:t>
+              <a:t>2018/11/29</a:t>
             </a:fld>
             <a:endParaRPr lang="zh-CN" altLang="en-US"/>
           </a:p>
@@ -1564,7 +1926,7 @@
           <a:p>
             <a:fld id="{03BF8CCC-CA5F-2948-92F3-3438F4C28F53}" type="datetime1">
               <a:rPr lang="zh-CN" altLang="en-US" smtClean="0"/>
-              <a:t>2018/11/28</a:t>
+              <a:t>2018/11/29</a:t>
             </a:fld>
             <a:endParaRPr lang="zh-CN" altLang="en-US"/>
           </a:p>
@@ -1738,7 +2100,7 @@
           <a:p>
             <a:fld id="{63AD52B7-210F-6740-ADE8-C5857A2B016F}" type="datetime1">
               <a:rPr lang="zh-CN" altLang="en-US" smtClean="0"/>
-              <a:t>2018/11/28</a:t>
+              <a:t>2018/11/29</a:t>
             </a:fld>
             <a:endParaRPr lang="zh-CN" altLang="en-US"/>
           </a:p>
@@ -1988,7 +2350,7 @@
           <a:p>
             <a:fld id="{E2FA8A4B-90AF-5F4B-B19E-A139D68D0A04}" type="datetime1">
               <a:rPr lang="zh-CN" altLang="en-US" smtClean="0"/>
-              <a:t>2018/11/28</a:t>
+              <a:t>2018/11/29</a:t>
             </a:fld>
             <a:endParaRPr lang="zh-CN" altLang="en-US"/>
           </a:p>
@@ -2224,7 +2586,7 @@
           <a:p>
             <a:fld id="{2DDFBF8C-9210-7941-A910-9D8BB209BB02}" type="datetime1">
               <a:rPr lang="zh-CN" altLang="en-US" smtClean="0"/>
-              <a:t>2018/11/28</a:t>
+              <a:t>2018/11/29</a:t>
             </a:fld>
             <a:endParaRPr lang="zh-CN" altLang="en-US"/>
           </a:p>
@@ -2595,7 +2957,7 @@
           <a:p>
             <a:fld id="{9595C46B-2BE8-5E4D-93D1-76CC6C97C1FF}" type="datetime1">
               <a:rPr lang="zh-CN" altLang="en-US" smtClean="0"/>
-              <a:t>2018/11/28</a:t>
+              <a:t>2018/11/29</a:t>
             </a:fld>
             <a:endParaRPr lang="zh-CN" altLang="en-US"/>
           </a:p>
@@ -2717,7 +3079,7 @@
           <a:p>
             <a:fld id="{3CFA0E4A-BC1F-6241-A961-6A61B157A174}" type="datetime1">
               <a:rPr lang="zh-CN" altLang="en-US" smtClean="0"/>
-              <a:t>2018/11/28</a:t>
+              <a:t>2018/11/29</a:t>
             </a:fld>
             <a:endParaRPr lang="zh-CN" altLang="en-US"/>
           </a:p>
@@ -2816,7 +3178,7 @@
           <a:p>
             <a:fld id="{A1819EE2-5A96-3C4A-AA3E-DF051840ECF2}" type="datetime1">
               <a:rPr lang="zh-CN" altLang="en-US" smtClean="0"/>
-              <a:t>2018/11/28</a:t>
+              <a:t>2018/11/29</a:t>
             </a:fld>
             <a:endParaRPr lang="zh-CN" altLang="en-US"/>
           </a:p>
@@ -3097,7 +3459,7 @@
           <a:p>
             <a:fld id="{B361C68C-AFFF-0D4B-AF67-51F5E53B3E8B}" type="datetime1">
               <a:rPr lang="zh-CN" altLang="en-US" smtClean="0"/>
-              <a:t>2018/11/28</a:t>
+              <a:t>2018/11/29</a:t>
             </a:fld>
             <a:endParaRPr lang="zh-CN" altLang="en-US"/>
           </a:p>
@@ -3354,7 +3716,7 @@
           <a:p>
             <a:fld id="{2FD2B568-BB2C-FC48-B2C6-82810E94C89A}" type="datetime1">
               <a:rPr lang="zh-CN" altLang="en-US" smtClean="0"/>
-              <a:t>2018/11/28</a:t>
+              <a:t>2018/11/29</a:t>
             </a:fld>
             <a:endParaRPr lang="zh-CN" altLang="en-US"/>
           </a:p>
@@ -3571,7 +3933,7 @@
           <a:p>
             <a:fld id="{AE87C2EF-1FAB-5249-A003-EB62803EB623}" type="datetime1">
               <a:rPr lang="zh-CN" altLang="en-US" smtClean="0"/>
-              <a:t>2018/11/28</a:t>
+              <a:t>2018/11/29</a:t>
             </a:fld>
             <a:endParaRPr lang="zh-CN" altLang="en-US"/>
           </a:p>
@@ -4194,12 +4556,8 @@
           <a:p>
             <a:pPr lvl="0"/>
             <a:r>
-              <a:rPr lang="zh-CN" altLang="zh-CN" dirty="0"/>
-              <a:t>Basic </a:t>
-            </a:r>
-            <a:r>
-              <a:rPr lang="zh-CN" altLang="zh-CN" dirty="0" smtClean="0"/>
-              <a:t>Notions</a:t>
+              <a:rPr lang="en-US" altLang="zh-CN" dirty="0"/>
+              <a:t>Why collocation is meaningful for us?</a:t>
             </a:r>
             <a:endParaRPr kumimoji="1" lang="zh-CN" altLang="en-US" dirty="0"/>
           </a:p>
@@ -4220,7 +4578,36 @@
           <a:bodyPr/>
           <a:lstStyle/>
           <a:p>
-            <a:endParaRPr kumimoji="1" lang="zh-CN" altLang="en-US"/>
+            <a:r>
+              <a:rPr lang="en-US" altLang="zh-CN" dirty="0"/>
+              <a:t>Important role of language phenomenon in syntactic and semantic,</a:t>
+            </a:r>
+            <a:endParaRPr lang="zh-CN" altLang="zh-CN" dirty="0"/>
+          </a:p>
+          <a:p>
+            <a:r>
+              <a:rPr lang="en-US" altLang="zh-CN" dirty="0"/>
+              <a:t>But need to use it well.</a:t>
+            </a:r>
+            <a:endParaRPr lang="zh-CN" altLang="zh-CN" dirty="0"/>
+          </a:p>
+          <a:p>
+            <a:r>
+              <a:rPr lang="en-US" altLang="zh-CN" dirty="0"/>
+              <a:t>Generate period</a:t>
+            </a:r>
+            <a:endParaRPr lang="zh-CN" altLang="zh-CN" dirty="0"/>
+          </a:p>
+          <a:p>
+            <a:r>
+              <a:rPr lang="en-US" altLang="zh-CN" dirty="0"/>
+              <a:t>Recognition </a:t>
+            </a:r>
+            <a:r>
+              <a:rPr lang="en-US" altLang="zh-CN" dirty="0" smtClean="0"/>
+              <a:t>period</a:t>
+            </a:r>
+            <a:endParaRPr lang="zh-CN" altLang="zh-CN" dirty="0"/>
           </a:p>
         </p:txBody>
       </p:sp>
@@ -4240,10 +4627,10 @@
           <a:lstStyle/>
           <a:p>
             <a:r>
-              <a:rPr lang="en-US" altLang="zh-CN" smtClean="0"/>
+              <a:rPr lang="en-US" altLang="zh-CN" dirty="0" smtClean="0"/>
               <a:t>PACLIC 32 Semantics</a:t>
             </a:r>
-            <a:endParaRPr lang="zh-CN" altLang="en-US"/>
+            <a:endParaRPr lang="zh-CN" altLang="en-US" dirty="0"/>
           </a:p>
         </p:txBody>
       </p:sp>
@@ -4267,13 +4654,46 @@
               <a:t>10</a:t>
             </a:fld>
             <a:endParaRPr lang="zh-CN" altLang="en-US"/>
+          </a:p>
+        </p:txBody>
+      </p:sp>
+      <p:sp>
+        <p:nvSpPr>
+          <p:cNvPr id="8" name="矩形 7"/>
+          <p:cNvSpPr/>
+          <p:nvPr/>
+        </p:nvSpPr>
+        <p:spPr>
+          <a:xfrm>
+            <a:off x="9950852" y="365125"/>
+            <a:ext cx="1402948" cy="369332"/>
+          </a:xfrm>
+          <a:prstGeom prst="rect">
+            <a:avLst/>
+          </a:prstGeom>
+        </p:spPr>
+        <p:txBody>
+          <a:bodyPr wrap="none">
+            <a:spAutoFit/>
+          </a:bodyPr>
+          <a:lstStyle/>
+          <a:p>
+            <a:r>
+              <a:rPr lang="zh-CN" altLang="zh-CN" dirty="0"/>
+              <a:t>I</a:t>
+            </a:r>
+            <a:r>
+              <a:rPr lang="fr-FR" altLang="zh-CN" dirty="0" err="1"/>
+              <a:t>ntroduction</a:t>
+            </a:r>
+            <a:endParaRPr kumimoji="1" lang="zh-CN" altLang="en-US" dirty="0"/>
           </a:p>
         </p:txBody>
       </p:sp>
     </p:spTree>
     <p:extLst>
       <p:ext uri="{BB962C8B-B14F-4D97-AF65-F5344CB8AC3E}">
-        <p14:creationId xmlns:p14="http://schemas.microsoft.com/office/powerpoint/2010/main" val="793092181"/>
+        <p14:creationId xmlns:p14="http://schemas.microsoft.com/office/powerpoint/2010/main" val="614593207"/>
       </p:ext>
     </p:extLst>
   </p:cSld>
@@ -4324,6 +4744,226 @@
           <a:p>
             <a:pPr lvl="0"/>
             <a:r>
+              <a:rPr lang="de-DE" altLang="zh-CN" dirty="0" err="1"/>
+              <a:t>How</a:t>
+            </a:r>
+            <a:r>
+              <a:rPr lang="de-DE" altLang="zh-CN" dirty="0"/>
+              <a:t> </a:t>
+            </a:r>
+            <a:r>
+              <a:rPr lang="de-DE" altLang="zh-CN" dirty="0" err="1"/>
+              <a:t>to</a:t>
+            </a:r>
+            <a:r>
+              <a:rPr lang="de-DE" altLang="zh-CN" dirty="0"/>
+              <a:t> </a:t>
+            </a:r>
+            <a:r>
+              <a:rPr lang="de-DE" altLang="zh-CN" dirty="0" err="1"/>
+              <a:t>represent</a:t>
+            </a:r>
+            <a:r>
+              <a:rPr lang="de-DE" altLang="zh-CN" dirty="0"/>
+              <a:t> a </a:t>
+            </a:r>
+            <a:r>
+              <a:rPr lang="en-US" altLang="zh-CN" dirty="0" smtClean="0"/>
+              <a:t>c</a:t>
+            </a:r>
+            <a:r>
+              <a:rPr lang="de-DE" altLang="zh-CN" dirty="0" err="1" smtClean="0"/>
+              <a:t>ollection</a:t>
+            </a:r>
+            <a:r>
+              <a:rPr lang="de-DE" altLang="zh-CN" dirty="0" smtClean="0"/>
+              <a:t>?</a:t>
+            </a:r>
+            <a:endParaRPr kumimoji="1" lang="zh-CN" altLang="en-US" dirty="0"/>
+          </a:p>
+        </p:txBody>
+      </p:sp>
+      <p:sp>
+        <p:nvSpPr>
+          <p:cNvPr id="3" name="内容占位符 2"/>
+          <p:cNvSpPr>
+            <a:spLocks noGrp="1"/>
+          </p:cNvSpPr>
+          <p:nvPr>
+            <p:ph idx="1"/>
+          </p:nvPr>
+        </p:nvSpPr>
+        <p:spPr/>
+        <p:txBody>
+          <a:bodyPr/>
+          <a:lstStyle/>
+          <a:p>
+            <a:r>
+              <a:rPr lang="de-DE" altLang="zh-CN" dirty="0"/>
+              <a:t>List</a:t>
+            </a:r>
+            <a:endParaRPr lang="zh-CN" altLang="zh-CN" dirty="0"/>
+          </a:p>
+          <a:p>
+            <a:r>
+              <a:rPr lang="de-DE" altLang="zh-CN" dirty="0"/>
+              <a:t>Table: ex. Encoding MWEs in a conceptual lexicon</a:t>
+            </a:r>
+            <a:endParaRPr lang="zh-CN" altLang="zh-CN" dirty="0"/>
+          </a:p>
+          <a:p>
+            <a:r>
+              <a:rPr lang="de-DE" altLang="zh-CN" dirty="0"/>
+              <a:t>Triple</a:t>
+            </a:r>
+            <a:endParaRPr lang="zh-CN" altLang="zh-CN" dirty="0"/>
+          </a:p>
+          <a:p>
+            <a:r>
+              <a:rPr lang="de-DE" altLang="zh-CN" dirty="0"/>
+              <a:t>Feature-based description, rules or </a:t>
+            </a:r>
+            <a:r>
+              <a:rPr lang="de-DE" altLang="zh-CN" dirty="0" smtClean="0"/>
+              <a:t>labels</a:t>
+            </a:r>
+            <a:endParaRPr lang="zh-CN" altLang="zh-CN" dirty="0"/>
+          </a:p>
+        </p:txBody>
+      </p:sp>
+      <p:sp>
+        <p:nvSpPr>
+          <p:cNvPr id="4" name="页脚占位符 3"/>
+          <p:cNvSpPr>
+            <a:spLocks noGrp="1"/>
+          </p:cNvSpPr>
+          <p:nvPr>
+            <p:ph type="ftr" sz="quarter" idx="11"/>
+          </p:nvPr>
+        </p:nvSpPr>
+        <p:spPr/>
+        <p:txBody>
+          <a:bodyPr/>
+          <a:lstStyle/>
+          <a:p>
+            <a:r>
+              <a:rPr lang="en-US" altLang="zh-CN" dirty="0" smtClean="0"/>
+              <a:t>PACLIC 32 Semantics</a:t>
+            </a:r>
+            <a:endParaRPr lang="zh-CN" altLang="en-US" dirty="0"/>
+          </a:p>
+        </p:txBody>
+      </p:sp>
+      <p:sp>
+        <p:nvSpPr>
+          <p:cNvPr id="5" name="幻灯片编号占位符 4"/>
+          <p:cNvSpPr>
+            <a:spLocks noGrp="1"/>
+          </p:cNvSpPr>
+          <p:nvPr>
+            <p:ph type="sldNum" sz="quarter" idx="12"/>
+          </p:nvPr>
+        </p:nvSpPr>
+        <p:spPr/>
+        <p:txBody>
+          <a:bodyPr/>
+          <a:lstStyle/>
+          <a:p>
+            <a:fld id="{3E9D6AB3-6D86-4BF2-AE34-936A8D37E25D}" type="slidenum">
+              <a:rPr lang="zh-CN" altLang="en-US" smtClean="0"/>
+              <a:t>11</a:t>
+            </a:fld>
+            <a:endParaRPr lang="zh-CN" altLang="en-US"/>
+          </a:p>
+        </p:txBody>
+      </p:sp>
+      <p:sp>
+        <p:nvSpPr>
+          <p:cNvPr id="8" name="矩形 7"/>
+          <p:cNvSpPr/>
+          <p:nvPr/>
+        </p:nvSpPr>
+        <p:spPr>
+          <a:xfrm>
+            <a:off x="9950852" y="365125"/>
+            <a:ext cx="1402948" cy="369332"/>
+          </a:xfrm>
+          <a:prstGeom prst="rect">
+            <a:avLst/>
+          </a:prstGeom>
+        </p:spPr>
+        <p:txBody>
+          <a:bodyPr wrap="none">
+            <a:spAutoFit/>
+          </a:bodyPr>
+          <a:lstStyle/>
+          <a:p>
+            <a:r>
+              <a:rPr lang="en-US" altLang="zh-CN" dirty="0" smtClean="0"/>
+              <a:t>I</a:t>
+            </a:r>
+            <a:r>
+              <a:rPr lang="fr-FR" altLang="zh-CN" dirty="0" err="1" smtClean="0"/>
+              <a:t>ntroduction</a:t>
+            </a:r>
+            <a:endParaRPr kumimoji="1" lang="zh-CN" altLang="en-US" dirty="0"/>
+          </a:p>
+        </p:txBody>
+      </p:sp>
+    </p:spTree>
+    <p:extLst>
+      <p:ext uri="{BB962C8B-B14F-4D97-AF65-F5344CB8AC3E}">
+        <p14:creationId xmlns:p14="http://schemas.microsoft.com/office/powerpoint/2010/main" val="121537086"/>
+      </p:ext>
+    </p:extLst>
+  </p:cSld>
+  <p:clrMapOvr>
+    <a:masterClrMapping/>
+  </p:clrMapOvr>
+  <p:timing>
+    <p:tnLst>
+      <p:par>
+        <p:cTn id="1" dur="indefinite" restart="never" nodeType="tmRoot"/>
+      </p:par>
+    </p:tnLst>
+  </p:timing>
+</p:sld>
+</file>
+
+<file path=ppt/slides/slide12.xml><?xml version="1.0" encoding="utf-8"?>
+<p:sld xmlns:a="http://schemas.openxmlformats.org/drawingml/2006/main" xmlns:r="http://schemas.openxmlformats.org/officeDocument/2006/relationships" xmlns:p="http://schemas.openxmlformats.org/presentationml/2006/main">
+  <p:cSld>
+    <p:spTree>
+      <p:nvGrpSpPr>
+        <p:cNvPr id="1" name=""/>
+        <p:cNvGrpSpPr/>
+        <p:nvPr/>
+      </p:nvGrpSpPr>
+      <p:grpSpPr>
+        <a:xfrm>
+          <a:off x="0" y="0"/>
+          <a:ext cx="0" cy="0"/>
+          <a:chOff x="0" y="0"/>
+          <a:chExt cx="0" cy="0"/>
+        </a:xfrm>
+      </p:grpSpPr>
+      <p:sp>
+        <p:nvSpPr>
+          <p:cNvPr id="2" name="标题 1"/>
+          <p:cNvSpPr>
+            <a:spLocks noGrp="1"/>
+          </p:cNvSpPr>
+          <p:nvPr>
+            <p:ph type="title"/>
+          </p:nvPr>
+        </p:nvSpPr>
+        <p:spPr/>
+        <p:txBody>
+          <a:bodyPr/>
+          <a:lstStyle/>
+          <a:p>
+            <a:pPr lvl="0"/>
+            <a:r>
               <a:rPr lang="zh-CN" altLang="zh-CN" dirty="0"/>
               <a:t>Basic </a:t>
             </a:r>
@@ -4394,7 +5034,137 @@
           <a:p>
             <a:fld id="{3E9D6AB3-6D86-4BF2-AE34-936A8D37E25D}" type="slidenum">
               <a:rPr lang="zh-CN" altLang="en-US" smtClean="0"/>
-              <a:t>11</a:t>
+              <a:t>12</a:t>
+            </a:fld>
+            <a:endParaRPr lang="zh-CN" altLang="en-US"/>
+          </a:p>
+        </p:txBody>
+      </p:sp>
+    </p:spTree>
+    <p:extLst>
+      <p:ext uri="{BB962C8B-B14F-4D97-AF65-F5344CB8AC3E}">
+        <p14:creationId xmlns:p14="http://schemas.microsoft.com/office/powerpoint/2010/main" val="793092181"/>
+      </p:ext>
+    </p:extLst>
+  </p:cSld>
+  <p:clrMapOvr>
+    <a:masterClrMapping/>
+  </p:clrMapOvr>
+  <p:timing>
+    <p:tnLst>
+      <p:par>
+        <p:cTn id="1" dur="indefinite" restart="never" nodeType="tmRoot"/>
+      </p:par>
+    </p:tnLst>
+  </p:timing>
+</p:sld>
+</file>
+
+<file path=ppt/slides/slide13.xml><?xml version="1.0" encoding="utf-8"?>
+<p:sld xmlns:a="http://schemas.openxmlformats.org/drawingml/2006/main" xmlns:r="http://schemas.openxmlformats.org/officeDocument/2006/relationships" xmlns:p="http://schemas.openxmlformats.org/presentationml/2006/main">
+  <p:cSld>
+    <p:spTree>
+      <p:nvGrpSpPr>
+        <p:cNvPr id="1" name=""/>
+        <p:cNvGrpSpPr/>
+        <p:nvPr/>
+      </p:nvGrpSpPr>
+      <p:grpSpPr>
+        <a:xfrm>
+          <a:off x="0" y="0"/>
+          <a:ext cx="0" cy="0"/>
+          <a:chOff x="0" y="0"/>
+          <a:chExt cx="0" cy="0"/>
+        </a:xfrm>
+      </p:grpSpPr>
+      <p:sp>
+        <p:nvSpPr>
+          <p:cNvPr id="2" name="标题 1"/>
+          <p:cNvSpPr>
+            <a:spLocks noGrp="1"/>
+          </p:cNvSpPr>
+          <p:nvPr>
+            <p:ph type="title"/>
+          </p:nvPr>
+        </p:nvSpPr>
+        <p:spPr/>
+        <p:txBody>
+          <a:bodyPr/>
+          <a:lstStyle/>
+          <a:p>
+            <a:pPr lvl="0"/>
+            <a:r>
+              <a:rPr lang="zh-CN" altLang="zh-CN" dirty="0"/>
+              <a:t>Basic </a:t>
+            </a:r>
+            <a:r>
+              <a:rPr lang="zh-CN" altLang="zh-CN" dirty="0" smtClean="0"/>
+              <a:t>Notions</a:t>
+            </a:r>
+            <a:endParaRPr kumimoji="1" lang="zh-CN" altLang="en-US" dirty="0"/>
+          </a:p>
+        </p:txBody>
+      </p:sp>
+      <p:sp>
+        <p:nvSpPr>
+          <p:cNvPr id="3" name="内容占位符 2"/>
+          <p:cNvSpPr>
+            <a:spLocks noGrp="1"/>
+          </p:cNvSpPr>
+          <p:nvPr>
+            <p:ph idx="1"/>
+          </p:nvPr>
+        </p:nvSpPr>
+        <p:spPr/>
+        <p:txBody>
+          <a:bodyPr/>
+          <a:lstStyle/>
+          <a:p>
+            <a:endParaRPr kumimoji="1" lang="zh-CN" altLang="en-US"/>
+          </a:p>
+        </p:txBody>
+      </p:sp>
+      <p:sp>
+        <p:nvSpPr>
+          <p:cNvPr id="4" name="页脚占位符 3"/>
+          <p:cNvSpPr>
+            <a:spLocks noGrp="1"/>
+          </p:cNvSpPr>
+          <p:nvPr>
+            <p:ph type="ftr" sz="quarter" idx="11"/>
+          </p:nvPr>
+        </p:nvSpPr>
+        <p:spPr/>
+        <p:txBody>
+          <a:bodyPr/>
+          <a:lstStyle/>
+          <a:p>
+            <a:r>
+              <a:rPr lang="en-US" altLang="zh-CN" smtClean="0"/>
+              <a:t>PACLIC 32 Semantics</a:t>
+            </a:r>
+            <a:endParaRPr lang="zh-CN" altLang="en-US"/>
+          </a:p>
+        </p:txBody>
+      </p:sp>
+      <p:sp>
+        <p:nvSpPr>
+          <p:cNvPr id="5" name="幻灯片编号占位符 4"/>
+          <p:cNvSpPr>
+            <a:spLocks noGrp="1"/>
+          </p:cNvSpPr>
+          <p:nvPr>
+            <p:ph type="sldNum" sz="quarter" idx="12"/>
+          </p:nvPr>
+        </p:nvSpPr>
+        <p:spPr/>
+        <p:txBody>
+          <a:bodyPr/>
+          <a:lstStyle/>
+          <a:p>
+            <a:fld id="{3E9D6AB3-6D86-4BF2-AE34-936A8D37E25D}" type="slidenum">
+              <a:rPr lang="zh-CN" altLang="en-US" smtClean="0"/>
+              <a:t>13</a:t>
             </a:fld>
             <a:endParaRPr lang="zh-CN" altLang="en-US"/>
           </a:p>
@@ -4456,296 +5226,6 @@
 </p:sld>
 </file>
 
-<file path=ppt/slides/slide12.xml><?xml version="1.0" encoding="utf-8"?>
-<p:sld xmlns:a="http://schemas.openxmlformats.org/drawingml/2006/main" xmlns:r="http://schemas.openxmlformats.org/officeDocument/2006/relationships" xmlns:p="http://schemas.openxmlformats.org/presentationml/2006/main">
-  <p:cSld>
-    <p:spTree>
-      <p:nvGrpSpPr>
-        <p:cNvPr id="1" name=""/>
-        <p:cNvGrpSpPr/>
-        <p:nvPr/>
-      </p:nvGrpSpPr>
-      <p:grpSpPr>
-        <a:xfrm>
-          <a:off x="0" y="0"/>
-          <a:ext cx="0" cy="0"/>
-          <a:chOff x="0" y="0"/>
-          <a:chExt cx="0" cy="0"/>
-        </a:xfrm>
-      </p:grpSpPr>
-      <p:sp>
-        <p:nvSpPr>
-          <p:cNvPr id="2" name="标题 1"/>
-          <p:cNvSpPr>
-            <a:spLocks noGrp="1"/>
-          </p:cNvSpPr>
-          <p:nvPr>
-            <p:ph type="title"/>
-          </p:nvPr>
-        </p:nvSpPr>
-        <p:spPr/>
-        <p:txBody>
-          <a:bodyPr/>
-          <a:lstStyle/>
-          <a:p>
-            <a:r>
-              <a:rPr lang="de-DE" altLang="zh-CN" dirty="0"/>
-              <a:t>Model </a:t>
-            </a:r>
-            <a:r>
-              <a:rPr lang="de-DE" altLang="zh-CN" dirty="0" err="1" smtClean="0"/>
-              <a:t>Architecture</a:t>
-            </a:r>
-            <a:endParaRPr kumimoji="1" lang="zh-CN" altLang="en-US" dirty="0"/>
-          </a:p>
-        </p:txBody>
-      </p:sp>
-      <p:sp>
-        <p:nvSpPr>
-          <p:cNvPr id="3" name="内容占位符 2"/>
-          <p:cNvSpPr>
-            <a:spLocks noGrp="1"/>
-          </p:cNvSpPr>
-          <p:nvPr>
-            <p:ph idx="1"/>
-          </p:nvPr>
-        </p:nvSpPr>
-        <p:spPr/>
-        <p:txBody>
-          <a:bodyPr/>
-          <a:lstStyle/>
-          <a:p>
-            <a:endParaRPr kumimoji="1" lang="zh-CN" altLang="en-US"/>
-          </a:p>
-        </p:txBody>
-      </p:sp>
-      <p:sp>
-        <p:nvSpPr>
-          <p:cNvPr id="4" name="页脚占位符 3"/>
-          <p:cNvSpPr>
-            <a:spLocks noGrp="1"/>
-          </p:cNvSpPr>
-          <p:nvPr>
-            <p:ph type="ftr" sz="quarter" idx="11"/>
-          </p:nvPr>
-        </p:nvSpPr>
-        <p:spPr/>
-        <p:txBody>
-          <a:bodyPr/>
-          <a:lstStyle/>
-          <a:p>
-            <a:r>
-              <a:rPr lang="en-US" altLang="zh-CN" smtClean="0"/>
-              <a:t>PACLIC 32 Semantics</a:t>
-            </a:r>
-            <a:endParaRPr lang="zh-CN" altLang="en-US"/>
-          </a:p>
-        </p:txBody>
-      </p:sp>
-      <p:sp>
-        <p:nvSpPr>
-          <p:cNvPr id="5" name="幻灯片编号占位符 4"/>
-          <p:cNvSpPr>
-            <a:spLocks noGrp="1"/>
-          </p:cNvSpPr>
-          <p:nvPr>
-            <p:ph type="sldNum" sz="quarter" idx="12"/>
-          </p:nvPr>
-        </p:nvSpPr>
-        <p:spPr/>
-        <p:txBody>
-          <a:bodyPr/>
-          <a:lstStyle/>
-          <a:p>
-            <a:fld id="{3E9D6AB3-6D86-4BF2-AE34-936A8D37E25D}" type="slidenum">
-              <a:rPr lang="zh-CN" altLang="en-US" smtClean="0"/>
-              <a:t>12</a:t>
-            </a:fld>
-            <a:endParaRPr lang="zh-CN" altLang="en-US"/>
-          </a:p>
-        </p:txBody>
-      </p:sp>
-    </p:spTree>
-    <p:extLst>
-      <p:ext uri="{BB962C8B-B14F-4D97-AF65-F5344CB8AC3E}">
-        <p14:creationId xmlns:p14="http://schemas.microsoft.com/office/powerpoint/2010/main" val="2050560429"/>
-      </p:ext>
-    </p:extLst>
-  </p:cSld>
-  <p:clrMapOvr>
-    <a:masterClrMapping/>
-  </p:clrMapOvr>
-  <p:timing>
-    <p:tnLst>
-      <p:par>
-        <p:cTn id="1" dur="indefinite" restart="never" nodeType="tmRoot"/>
-      </p:par>
-    </p:tnLst>
-  </p:timing>
-</p:sld>
-</file>
-
-<file path=ppt/slides/slide13.xml><?xml version="1.0" encoding="utf-8"?>
-<p:sld xmlns:a="http://schemas.openxmlformats.org/drawingml/2006/main" xmlns:r="http://schemas.openxmlformats.org/officeDocument/2006/relationships" xmlns:p="http://schemas.openxmlformats.org/presentationml/2006/main">
-  <p:cSld>
-    <p:spTree>
-      <p:nvGrpSpPr>
-        <p:cNvPr id="1" name=""/>
-        <p:cNvGrpSpPr/>
-        <p:nvPr/>
-      </p:nvGrpSpPr>
-      <p:grpSpPr>
-        <a:xfrm>
-          <a:off x="0" y="0"/>
-          <a:ext cx="0" cy="0"/>
-          <a:chOff x="0" y="0"/>
-          <a:chExt cx="0" cy="0"/>
-        </a:xfrm>
-      </p:grpSpPr>
-      <p:sp>
-        <p:nvSpPr>
-          <p:cNvPr id="2" name="标题 1"/>
-          <p:cNvSpPr>
-            <a:spLocks noGrp="1"/>
-          </p:cNvSpPr>
-          <p:nvPr>
-            <p:ph type="title"/>
-          </p:nvPr>
-        </p:nvSpPr>
-        <p:spPr/>
-        <p:txBody>
-          <a:bodyPr/>
-          <a:lstStyle/>
-          <a:p>
-            <a:r>
-              <a:rPr lang="en-US" altLang="zh-CN" dirty="0" smtClean="0"/>
-              <a:t>The </a:t>
-            </a:r>
-            <a:r>
-              <a:rPr lang="en-US" altLang="zh-CN" dirty="0"/>
-              <a:t>objective of Collocation prediction</a:t>
-            </a:r>
-          </a:p>
-        </p:txBody>
-      </p:sp>
-      <p:sp>
-        <p:nvSpPr>
-          <p:cNvPr id="3" name="内容占位符 2"/>
-          <p:cNvSpPr>
-            <a:spLocks noGrp="1"/>
-          </p:cNvSpPr>
-          <p:nvPr>
-            <p:ph idx="1"/>
-          </p:nvPr>
-        </p:nvSpPr>
-        <p:spPr/>
-        <p:txBody>
-          <a:bodyPr/>
-          <a:lstStyle/>
-          <a:p>
-            <a:endParaRPr lang="en-US" altLang="zh-CN" dirty="0"/>
-          </a:p>
-        </p:txBody>
-      </p:sp>
-      <p:sp>
-        <p:nvSpPr>
-          <p:cNvPr id="4" name="页脚占位符 3"/>
-          <p:cNvSpPr>
-            <a:spLocks noGrp="1"/>
-          </p:cNvSpPr>
-          <p:nvPr>
-            <p:ph type="ftr" sz="quarter" idx="11"/>
-          </p:nvPr>
-        </p:nvSpPr>
-        <p:spPr/>
-        <p:txBody>
-          <a:bodyPr/>
-          <a:lstStyle/>
-          <a:p>
-            <a:r>
-              <a:rPr lang="en-US" altLang="zh-CN" smtClean="0"/>
-              <a:t>PACLIC 32 Semantics</a:t>
-            </a:r>
-            <a:endParaRPr lang="zh-CN" altLang="en-US"/>
-          </a:p>
-        </p:txBody>
-      </p:sp>
-      <p:sp>
-        <p:nvSpPr>
-          <p:cNvPr id="5" name="幻灯片编号占位符 4"/>
-          <p:cNvSpPr>
-            <a:spLocks noGrp="1"/>
-          </p:cNvSpPr>
-          <p:nvPr>
-            <p:ph type="sldNum" sz="quarter" idx="12"/>
-          </p:nvPr>
-        </p:nvSpPr>
-        <p:spPr/>
-        <p:txBody>
-          <a:bodyPr/>
-          <a:lstStyle/>
-          <a:p>
-            <a:fld id="{3E9D6AB3-6D86-4BF2-AE34-936A8D37E25D}" type="slidenum">
-              <a:rPr lang="zh-CN" altLang="en-US" smtClean="0"/>
-              <a:t>13</a:t>
-            </a:fld>
-            <a:endParaRPr lang="zh-CN" altLang="en-US"/>
-          </a:p>
-        </p:txBody>
-      </p:sp>
-      <p:sp>
-        <p:nvSpPr>
-          <p:cNvPr id="6" name="矩形 5"/>
-          <p:cNvSpPr/>
-          <p:nvPr/>
-        </p:nvSpPr>
-        <p:spPr>
-          <a:xfrm>
-            <a:off x="9173395" y="365125"/>
-            <a:ext cx="2085827" cy="369332"/>
-          </a:xfrm>
-          <a:prstGeom prst="rect">
-            <a:avLst/>
-          </a:prstGeom>
-        </p:spPr>
-        <p:txBody>
-          <a:bodyPr wrap="none">
-            <a:spAutoFit/>
-          </a:bodyPr>
-          <a:lstStyle/>
-          <a:p>
-            <a:r>
-              <a:rPr lang="de-DE" altLang="zh-CN" dirty="0"/>
-              <a:t>Model </a:t>
-            </a:r>
-            <a:r>
-              <a:rPr lang="de-DE" altLang="zh-CN" dirty="0" err="1" smtClean="0"/>
-              <a:t>Architecture</a:t>
-            </a:r>
-            <a:endParaRPr lang="zh-CN" altLang="en-US" dirty="0"/>
-          </a:p>
-        </p:txBody>
-      </p:sp>
-    </p:spTree>
-    <p:extLst>
-      <p:ext uri="{BB962C8B-B14F-4D97-AF65-F5344CB8AC3E}">
-        <p14:creationId xmlns:p14="http://schemas.microsoft.com/office/powerpoint/2010/main" val="596688565"/>
-      </p:ext>
-    </p:extLst>
-  </p:cSld>
-  <p:clrMapOvr>
-    <a:masterClrMapping/>
-  </p:clrMapOvr>
-  <p:timing>
-    <p:tnLst>
-      <p:par>
-        <p:cTn id="1" dur="indefinite" restart="never" nodeType="tmRoot"/>
-      </p:par>
-    </p:tnLst>
-  </p:timing>
-</p:sld>
-</file>
-
 <file path=ppt/slides/slide14.xml><?xml version="1.0" encoding="utf-8"?>
 <p:sld xmlns:a="http://schemas.openxmlformats.org/drawingml/2006/main" xmlns:r="http://schemas.openxmlformats.org/officeDocument/2006/relationships" xmlns:p="http://schemas.openxmlformats.org/presentationml/2006/main">
   <p:cSld>
@@ -4779,8 +5259,12 @@
           <a:lstStyle/>
           <a:p>
             <a:r>
-              <a:rPr lang="en-US" altLang="zh-CN" dirty="0"/>
-              <a:t>Continuous Skip-gram Model</a:t>
+              <a:rPr lang="de-DE" altLang="zh-CN" dirty="0"/>
+              <a:t>Model </a:t>
+            </a:r>
+            <a:r>
+              <a:rPr lang="de-DE" altLang="zh-CN" dirty="0" err="1" smtClean="0"/>
+              <a:t>Architecture</a:t>
             </a:r>
             <a:endParaRPr kumimoji="1" lang="zh-CN" altLang="en-US" dirty="0"/>
           </a:p>
@@ -4848,46 +5332,13 @@
               <a:t>14</a:t>
             </a:fld>
             <a:endParaRPr lang="zh-CN" altLang="en-US"/>
-          </a:p>
-        </p:txBody>
-      </p:sp>
-      <p:sp>
-        <p:nvSpPr>
-          <p:cNvPr id="6" name="矩形 5"/>
-          <p:cNvSpPr/>
-          <p:nvPr/>
-        </p:nvSpPr>
-        <p:spPr>
-          <a:xfrm>
-            <a:off x="9173395" y="365125"/>
-            <a:ext cx="2085827" cy="369332"/>
-          </a:xfrm>
-          <a:prstGeom prst="rect">
-            <a:avLst/>
-          </a:prstGeom>
-        </p:spPr>
-        <p:txBody>
-          <a:bodyPr wrap="none">
-            <a:spAutoFit/>
-          </a:bodyPr>
-          <a:lstStyle/>
-          <a:p>
-            <a:r>
-              <a:rPr lang="de-DE" altLang="zh-CN" dirty="0"/>
-              <a:t>Model </a:t>
-            </a:r>
-            <a:r>
-              <a:rPr lang="de-DE" altLang="zh-CN" dirty="0" err="1" smtClean="0"/>
-              <a:t>Architecture</a:t>
-            </a:r>
-            <a:endParaRPr lang="zh-CN" altLang="en-US" dirty="0"/>
           </a:p>
         </p:txBody>
       </p:sp>
     </p:spTree>
     <p:extLst>
       <p:ext uri="{BB962C8B-B14F-4D97-AF65-F5344CB8AC3E}">
-        <p14:creationId xmlns:p14="http://schemas.microsoft.com/office/powerpoint/2010/main" val="1943564112"/>
+        <p14:creationId xmlns:p14="http://schemas.microsoft.com/office/powerpoint/2010/main" val="2050560429"/>
       </p:ext>
     </p:extLst>
   </p:cSld>
@@ -4933,28 +5384,17 @@
         </p:nvSpPr>
         <p:spPr/>
         <p:txBody>
-          <a:bodyPr>
-            <a:normAutofit/>
-          </a:bodyPr>
-          <a:lstStyle/>
-          <a:p>
-            <a:r>
-              <a:rPr lang="en-US" altLang="zh-CN" sz="3600" dirty="0" smtClean="0"/>
-              <a:t>A </a:t>
-            </a:r>
-            <a:r>
-              <a:rPr lang="en-US" altLang="zh-CN" sz="3600" dirty="0"/>
-              <a:t>combination of ontology </a:t>
-            </a:r>
-            <a:r>
-              <a:rPr lang="en-US" altLang="zh-CN" sz="3600" dirty="0" smtClean="0"/>
-              <a:t>and hierarchical </a:t>
-            </a:r>
-            <a:r>
-              <a:rPr lang="en-US" altLang="zh-CN" sz="3600" dirty="0" err="1" smtClean="0"/>
-              <a:t>softmax</a:t>
-            </a:r>
-            <a:endParaRPr kumimoji="1" lang="zh-CN" altLang="en-US" sz="3600" dirty="0"/>
+          <a:bodyPr/>
+          <a:lstStyle/>
+          <a:p>
+            <a:r>
+              <a:rPr lang="en-US" altLang="zh-CN" dirty="0" smtClean="0"/>
+              <a:t>The </a:t>
+            </a:r>
+            <a:r>
+              <a:rPr lang="en-US" altLang="zh-CN" dirty="0"/>
+              <a:t>objective of Collocation prediction</a:t>
+            </a:r>
           </a:p>
         </p:txBody>
       </p:sp>
@@ -4973,7 +5413,7 @@
           <a:bodyPr/>
           <a:lstStyle/>
           <a:p>
-            <a:endParaRPr kumimoji="1" lang="zh-CN" altLang="en-US" dirty="0"/>
+            <a:endParaRPr lang="en-US" altLang="zh-CN" dirty="0"/>
           </a:p>
         </p:txBody>
       </p:sp>
@@ -5059,7 +5499,7 @@
     </p:spTree>
     <p:extLst>
       <p:ext uri="{BB962C8B-B14F-4D97-AF65-F5344CB8AC3E}">
-        <p14:creationId xmlns:p14="http://schemas.microsoft.com/office/powerpoint/2010/main" val="108275867"/>
+        <p14:creationId xmlns:p14="http://schemas.microsoft.com/office/powerpoint/2010/main" val="596688565"/>
       </p:ext>
     </p:extLst>
   </p:cSld>
@@ -5109,8 +5549,8 @@
           <a:lstStyle/>
           <a:p>
             <a:r>
-              <a:rPr lang="en-US" altLang="zh-CN" dirty="0" smtClean="0"/>
-              <a:t>Experiment</a:t>
+              <a:rPr lang="en-US" altLang="zh-CN" dirty="0"/>
+              <a:t>Continuous Skip-gram Model</a:t>
             </a:r>
             <a:endParaRPr kumimoji="1" lang="zh-CN" altLang="en-US" dirty="0"/>
           </a:p>
@@ -5178,13 +5618,46 @@
               <a:t>16</a:t>
             </a:fld>
             <a:endParaRPr lang="zh-CN" altLang="en-US"/>
+          </a:p>
+        </p:txBody>
+      </p:sp>
+      <p:sp>
+        <p:nvSpPr>
+          <p:cNvPr id="6" name="矩形 5"/>
+          <p:cNvSpPr/>
+          <p:nvPr/>
+        </p:nvSpPr>
+        <p:spPr>
+          <a:xfrm>
+            <a:off x="9173395" y="365125"/>
+            <a:ext cx="2085827" cy="369332"/>
+          </a:xfrm>
+          <a:prstGeom prst="rect">
+            <a:avLst/>
+          </a:prstGeom>
+        </p:spPr>
+        <p:txBody>
+          <a:bodyPr wrap="none">
+            <a:spAutoFit/>
+          </a:bodyPr>
+          <a:lstStyle/>
+          <a:p>
+            <a:r>
+              <a:rPr lang="de-DE" altLang="zh-CN" dirty="0"/>
+              <a:t>Model </a:t>
+            </a:r>
+            <a:r>
+              <a:rPr lang="de-DE" altLang="zh-CN" dirty="0" err="1" smtClean="0"/>
+              <a:t>Architecture</a:t>
+            </a:r>
+            <a:endParaRPr lang="zh-CN" altLang="en-US" dirty="0"/>
           </a:p>
         </p:txBody>
       </p:sp>
     </p:spTree>
     <p:extLst>
       <p:ext uri="{BB962C8B-B14F-4D97-AF65-F5344CB8AC3E}">
-        <p14:creationId xmlns:p14="http://schemas.microsoft.com/office/powerpoint/2010/main" val="347869960"/>
+        <p14:creationId xmlns:p14="http://schemas.microsoft.com/office/powerpoint/2010/main" val="1943564112"/>
       </p:ext>
     </p:extLst>
   </p:cSld>
@@ -5230,18 +5703,28 @@
         </p:nvSpPr>
         <p:spPr/>
         <p:txBody>
-          <a:bodyPr/>
-          <a:lstStyle/>
-          <a:p>
-            <a:r>
-              <a:rPr lang="en-US" altLang="zh-CN" dirty="0"/>
-              <a:t>Experimental </a:t>
-            </a:r>
-            <a:r>
-              <a:rPr lang="en-US" altLang="zh-CN" dirty="0" smtClean="0"/>
-              <a:t>setup</a:t>
-            </a:r>
-            <a:endParaRPr kumimoji="1" lang="zh-CN" altLang="en-US" dirty="0"/>
+          <a:bodyPr>
+            <a:normAutofit/>
+          </a:bodyPr>
+          <a:lstStyle/>
+          <a:p>
+            <a:r>
+              <a:rPr lang="en-US" altLang="zh-CN" sz="3600" dirty="0" smtClean="0"/>
+              <a:t>A </a:t>
+            </a:r>
+            <a:r>
+              <a:rPr lang="en-US" altLang="zh-CN" sz="3600" dirty="0"/>
+              <a:t>combination of ontology </a:t>
+            </a:r>
+            <a:r>
+              <a:rPr lang="en-US" altLang="zh-CN" sz="3600" dirty="0" smtClean="0"/>
+              <a:t>and hierarchical </a:t>
+            </a:r>
+            <a:r>
+              <a:rPr lang="en-US" altLang="zh-CN" sz="3600" dirty="0" err="1" smtClean="0"/>
+              <a:t>softmax</a:t>
+            </a:r>
+            <a:endParaRPr kumimoji="1" lang="zh-CN" altLang="en-US" sz="3600" dirty="0"/>
           </a:p>
         </p:txBody>
       </p:sp>
@@ -5318,8 +5801,8 @@
         </p:nvSpPr>
         <p:spPr>
           <a:xfrm>
-            <a:off x="10058253" y="365125"/>
-            <a:ext cx="1295547" cy="369332"/>
+            <a:off x="9173395" y="365125"/>
+            <a:ext cx="2085827" cy="369332"/>
           </a:xfrm>
           <a:prstGeom prst="rect">
             <a:avLst/>
@@ -5332,8 +5815,12 @@
           <a:lstStyle/>
           <a:p>
             <a:r>
-              <a:rPr lang="en-US" altLang="zh-CN"/>
-              <a:t>Experiment</a:t>
+              <a:rPr lang="de-DE" altLang="zh-CN" dirty="0"/>
+              <a:t>Model </a:t>
+            </a:r>
+            <a:r>
+              <a:rPr lang="de-DE" altLang="zh-CN" dirty="0" err="1" smtClean="0"/>
+              <a:t>Architecture</a:t>
             </a:r>
             <a:endParaRPr lang="zh-CN" altLang="en-US" dirty="0"/>
           </a:p>
@@ -5342,7 +5829,7 @@
     </p:spTree>
     <p:extLst>
       <p:ext uri="{BB962C8B-B14F-4D97-AF65-F5344CB8AC3E}">
-        <p14:creationId xmlns:p14="http://schemas.microsoft.com/office/powerpoint/2010/main" val="1532218313"/>
+        <p14:creationId xmlns:p14="http://schemas.microsoft.com/office/powerpoint/2010/main" val="108275867"/>
       </p:ext>
     </p:extLst>
   </p:cSld>
@@ -5388,26 +5875,14 @@
         </p:nvSpPr>
         <p:spPr/>
         <p:txBody>
-          <a:bodyPr>
-            <a:normAutofit/>
-          </a:bodyPr>
+          <a:bodyPr/>
           <a:lstStyle/>
           <a:p>
             <a:r>
               <a:rPr lang="en-US" altLang="zh-CN" dirty="0" smtClean="0"/>
-              <a:t>Neighbors of one</a:t>
-            </a:r>
-            <a:r>
-              <a:rPr lang="zh-CN" altLang="en-US" dirty="0" smtClean="0"/>
-              <a:t> </a:t>
-            </a:r>
-            <a:r>
-              <a:rPr lang="en-US" altLang="zh-CN" dirty="0" smtClean="0"/>
-              <a:t>collocation </a:t>
-            </a:r>
-            <a:endParaRPr lang="en-US" altLang="zh-CN" dirty="0">
-              <a:effectLst/>
-            </a:endParaRPr>
+              <a:t>Experiment</a:t>
+            </a:r>
+            <a:endParaRPr kumimoji="1" lang="zh-CN" altLang="en-US" dirty="0"/>
           </a:p>
         </p:txBody>
       </p:sp>
@@ -5426,7 +5901,7 @@
           <a:bodyPr/>
           <a:lstStyle/>
           <a:p>
-            <a:endParaRPr kumimoji="1" lang="zh-CN" altLang="en-US" dirty="0"/>
+            <a:endParaRPr kumimoji="1" lang="zh-CN" altLang="en-US"/>
           </a:p>
         </p:txBody>
       </p:sp>
@@ -5473,42 +5948,13 @@
               <a:t>18</a:t>
             </a:fld>
             <a:endParaRPr lang="zh-CN" altLang="en-US"/>
-          </a:p>
-        </p:txBody>
-      </p:sp>
-      <p:sp>
-        <p:nvSpPr>
-          <p:cNvPr id="6" name="矩形 5"/>
-          <p:cNvSpPr/>
-          <p:nvPr/>
-        </p:nvSpPr>
-        <p:spPr>
-          <a:xfrm>
-            <a:off x="10058253" y="365125"/>
-            <a:ext cx="1295547" cy="369332"/>
-          </a:xfrm>
-          <a:prstGeom prst="rect">
-            <a:avLst/>
-          </a:prstGeom>
-        </p:spPr>
-        <p:txBody>
-          <a:bodyPr wrap="none">
-            <a:spAutoFit/>
-          </a:bodyPr>
-          <a:lstStyle/>
-          <a:p>
-            <a:r>
-              <a:rPr lang="en-US" altLang="zh-CN"/>
-              <a:t>Experiment</a:t>
-            </a:r>
-            <a:endParaRPr lang="zh-CN" altLang="en-US" dirty="0"/>
           </a:p>
         </p:txBody>
       </p:sp>
     </p:spTree>
     <p:extLst>
       <p:ext uri="{BB962C8B-B14F-4D97-AF65-F5344CB8AC3E}">
-        <p14:creationId xmlns:p14="http://schemas.microsoft.com/office/powerpoint/2010/main" val="437029538"/>
+        <p14:creationId xmlns:p14="http://schemas.microsoft.com/office/powerpoint/2010/main" val="347869960"/>
       </p:ext>
     </p:extLst>
   </p:cSld>
@@ -5558,8 +6004,12 @@
           <a:lstStyle/>
           <a:p>
             <a:r>
-              <a:rPr kumimoji="1" lang="en-US" altLang="zh-CN" dirty="0" smtClean="0"/>
-              <a:t>Measuring collocation intensity</a:t>
+              <a:rPr lang="en-US" altLang="zh-CN" dirty="0"/>
+              <a:t>Experimental </a:t>
+            </a:r>
+            <a:r>
+              <a:rPr lang="en-US" altLang="zh-CN" dirty="0" smtClean="0"/>
+              <a:t>setup</a:t>
             </a:r>
             <a:endParaRPr kumimoji="1" lang="zh-CN" altLang="en-US" dirty="0"/>
           </a:p>
@@ -5662,7 +6112,7 @@
     </p:spTree>
     <p:extLst>
       <p:ext uri="{BB962C8B-B14F-4D97-AF65-F5344CB8AC3E}">
-        <p14:creationId xmlns:p14="http://schemas.microsoft.com/office/powerpoint/2010/main" val="1678794956"/>
+        <p14:creationId xmlns:p14="http://schemas.microsoft.com/office/powerpoint/2010/main" val="1532218313"/>
       </p:ext>
     </p:extLst>
   </p:cSld>
@@ -5908,16 +6358,22 @@
         </p:nvSpPr>
         <p:spPr/>
         <p:txBody>
-          <a:bodyPr/>
-          <a:lstStyle/>
-          <a:p>
-            <a:r>
-              <a:rPr lang="en-US" altLang="zh-CN" dirty="0"/>
-              <a:t>Verb-verb phrase </a:t>
-            </a:r>
+          <a:bodyPr>
+            <a:normAutofit/>
+          </a:bodyPr>
+          <a:lstStyle/>
+          <a:p>
             <a:r>
               <a:rPr lang="en-US" altLang="zh-CN" dirty="0" smtClean="0"/>
-              <a:t>recognition</a:t>
+              <a:t>Neighbors of one</a:t>
+            </a:r>
+            <a:r>
+              <a:rPr lang="zh-CN" altLang="en-US" dirty="0" smtClean="0"/>
+              <a:t> </a:t>
+            </a:r>
+            <a:r>
+              <a:rPr lang="en-US" altLang="zh-CN" dirty="0" smtClean="0"/>
+              <a:t>collocation </a:t>
             </a:r>
             <a:endParaRPr lang="en-US" altLang="zh-CN" dirty="0">
               <a:effectLst/>
@@ -6022,7 +6478,7 @@
     </p:spTree>
     <p:extLst>
       <p:ext uri="{BB962C8B-B14F-4D97-AF65-F5344CB8AC3E}">
-        <p14:creationId xmlns:p14="http://schemas.microsoft.com/office/powerpoint/2010/main" val="761372426"/>
+        <p14:creationId xmlns:p14="http://schemas.microsoft.com/office/powerpoint/2010/main" val="437029538"/>
       </p:ext>
     </p:extLst>
   </p:cSld>
@@ -6072,8 +6528,8 @@
           <a:lstStyle/>
           <a:p>
             <a:r>
-              <a:rPr lang="en-US" altLang="zh-CN" dirty="0"/>
-              <a:t>Conclusion and future work </a:t>
+              <a:rPr kumimoji="1" lang="en-US" altLang="zh-CN" dirty="0" smtClean="0"/>
+              <a:t>Measuring collocation intensity</a:t>
             </a:r>
             <a:endParaRPr kumimoji="1" lang="zh-CN" altLang="en-US" dirty="0"/>
           </a:p>
@@ -6094,7 +6550,7 @@
           <a:bodyPr/>
           <a:lstStyle/>
           <a:p>
-            <a:endParaRPr kumimoji="1" lang="zh-CN" altLang="en-US"/>
+            <a:endParaRPr kumimoji="1" lang="zh-CN" altLang="en-US" dirty="0"/>
           </a:p>
         </p:txBody>
       </p:sp>
@@ -6141,13 +6597,42 @@
               <a:t>21</a:t>
             </a:fld>
             <a:endParaRPr lang="zh-CN" altLang="en-US"/>
+          </a:p>
+        </p:txBody>
+      </p:sp>
+      <p:sp>
+        <p:nvSpPr>
+          <p:cNvPr id="6" name="矩形 5"/>
+          <p:cNvSpPr/>
+          <p:nvPr/>
+        </p:nvSpPr>
+        <p:spPr>
+          <a:xfrm>
+            <a:off x="10058253" y="365125"/>
+            <a:ext cx="1295547" cy="369332"/>
+          </a:xfrm>
+          <a:prstGeom prst="rect">
+            <a:avLst/>
+          </a:prstGeom>
+        </p:spPr>
+        <p:txBody>
+          <a:bodyPr wrap="none">
+            <a:spAutoFit/>
+          </a:bodyPr>
+          <a:lstStyle/>
+          <a:p>
+            <a:r>
+              <a:rPr lang="en-US" altLang="zh-CN"/>
+              <a:t>Experiment</a:t>
+            </a:r>
+            <a:endParaRPr lang="zh-CN" altLang="en-US" dirty="0"/>
           </a:p>
         </p:txBody>
       </p:sp>
     </p:spTree>
     <p:extLst>
       <p:ext uri="{BB962C8B-B14F-4D97-AF65-F5344CB8AC3E}">
-        <p14:creationId xmlns:p14="http://schemas.microsoft.com/office/powerpoint/2010/main" val="1002113766"/>
+        <p14:creationId xmlns:p14="http://schemas.microsoft.com/office/powerpoint/2010/main" val="1678794956"/>
       </p:ext>
     </p:extLst>
   </p:cSld>
@@ -6193,6 +6678,291 @@
         </p:nvSpPr>
         <p:spPr/>
         <p:txBody>
+          <a:bodyPr/>
+          <a:lstStyle/>
+          <a:p>
+            <a:r>
+              <a:rPr lang="en-US" altLang="zh-CN" dirty="0"/>
+              <a:t>Verb-verb phrase </a:t>
+            </a:r>
+            <a:r>
+              <a:rPr lang="en-US" altLang="zh-CN" dirty="0" smtClean="0"/>
+              <a:t>recognition</a:t>
+            </a:r>
+            <a:endParaRPr lang="en-US" altLang="zh-CN" dirty="0">
+              <a:effectLst/>
+            </a:endParaRPr>
+          </a:p>
+        </p:txBody>
+      </p:sp>
+      <p:sp>
+        <p:nvSpPr>
+          <p:cNvPr id="3" name="内容占位符 2"/>
+          <p:cNvSpPr>
+            <a:spLocks noGrp="1"/>
+          </p:cNvSpPr>
+          <p:nvPr>
+            <p:ph idx="1"/>
+          </p:nvPr>
+        </p:nvSpPr>
+        <p:spPr/>
+        <p:txBody>
+          <a:bodyPr/>
+          <a:lstStyle/>
+          <a:p>
+            <a:endParaRPr kumimoji="1" lang="zh-CN" altLang="en-US" dirty="0"/>
+          </a:p>
+        </p:txBody>
+      </p:sp>
+      <p:sp>
+        <p:nvSpPr>
+          <p:cNvPr id="4" name="页脚占位符 3"/>
+          <p:cNvSpPr>
+            <a:spLocks noGrp="1"/>
+          </p:cNvSpPr>
+          <p:nvPr>
+            <p:ph type="ftr" sz="quarter" idx="11"/>
+          </p:nvPr>
+        </p:nvSpPr>
+        <p:spPr/>
+        <p:txBody>
+          <a:bodyPr/>
+          <a:lstStyle/>
+          <a:p>
+            <a:r>
+              <a:rPr lang="en-US" altLang="zh-CN" smtClean="0"/>
+              <a:t>PACLIC 32 Semantics</a:t>
+            </a:r>
+            <a:endParaRPr lang="zh-CN" altLang="en-US"/>
+          </a:p>
+        </p:txBody>
+      </p:sp>
+      <p:sp>
+        <p:nvSpPr>
+          <p:cNvPr id="5" name="幻灯片编号占位符 4"/>
+          <p:cNvSpPr>
+            <a:spLocks noGrp="1"/>
+          </p:cNvSpPr>
+          <p:nvPr>
+            <p:ph type="sldNum" sz="quarter" idx="12"/>
+          </p:nvPr>
+        </p:nvSpPr>
+        <p:spPr/>
+        <p:txBody>
+          <a:bodyPr/>
+          <a:lstStyle/>
+          <a:p>
+            <a:fld id="{3E9D6AB3-6D86-4BF2-AE34-936A8D37E25D}" type="slidenum">
+              <a:rPr lang="zh-CN" altLang="en-US" smtClean="0"/>
+              <a:t>22</a:t>
+            </a:fld>
+            <a:endParaRPr lang="zh-CN" altLang="en-US"/>
+          </a:p>
+        </p:txBody>
+      </p:sp>
+      <p:sp>
+        <p:nvSpPr>
+          <p:cNvPr id="6" name="矩形 5"/>
+          <p:cNvSpPr/>
+          <p:nvPr/>
+        </p:nvSpPr>
+        <p:spPr>
+          <a:xfrm>
+            <a:off x="10058253" y="365125"/>
+            <a:ext cx="1295547" cy="369332"/>
+          </a:xfrm>
+          <a:prstGeom prst="rect">
+            <a:avLst/>
+          </a:prstGeom>
+        </p:spPr>
+        <p:txBody>
+          <a:bodyPr wrap="none">
+            <a:spAutoFit/>
+          </a:bodyPr>
+          <a:lstStyle/>
+          <a:p>
+            <a:r>
+              <a:rPr lang="en-US" altLang="zh-CN"/>
+              <a:t>Experiment</a:t>
+            </a:r>
+            <a:endParaRPr lang="zh-CN" altLang="en-US" dirty="0"/>
+          </a:p>
+        </p:txBody>
+      </p:sp>
+    </p:spTree>
+    <p:extLst>
+      <p:ext uri="{BB962C8B-B14F-4D97-AF65-F5344CB8AC3E}">
+        <p14:creationId xmlns:p14="http://schemas.microsoft.com/office/powerpoint/2010/main" val="761372426"/>
+      </p:ext>
+    </p:extLst>
+  </p:cSld>
+  <p:clrMapOvr>
+    <a:masterClrMapping/>
+  </p:clrMapOvr>
+  <p:timing>
+    <p:tnLst>
+      <p:par>
+        <p:cTn id="1" dur="indefinite" restart="never" nodeType="tmRoot"/>
+      </p:par>
+    </p:tnLst>
+  </p:timing>
+</p:sld>
+</file>
+
+<file path=ppt/slides/slide23.xml><?xml version="1.0" encoding="utf-8"?>
+<p:sld xmlns:a="http://schemas.openxmlformats.org/drawingml/2006/main" xmlns:r="http://schemas.openxmlformats.org/officeDocument/2006/relationships" xmlns:p="http://schemas.openxmlformats.org/presentationml/2006/main">
+  <p:cSld>
+    <p:spTree>
+      <p:nvGrpSpPr>
+        <p:cNvPr id="1" name=""/>
+        <p:cNvGrpSpPr/>
+        <p:nvPr/>
+      </p:nvGrpSpPr>
+      <p:grpSpPr>
+        <a:xfrm>
+          <a:off x="0" y="0"/>
+          <a:ext cx="0" cy="0"/>
+          <a:chOff x="0" y="0"/>
+          <a:chExt cx="0" cy="0"/>
+        </a:xfrm>
+      </p:grpSpPr>
+      <p:sp>
+        <p:nvSpPr>
+          <p:cNvPr id="2" name="标题 1"/>
+          <p:cNvSpPr>
+            <a:spLocks noGrp="1"/>
+          </p:cNvSpPr>
+          <p:nvPr>
+            <p:ph type="title"/>
+          </p:nvPr>
+        </p:nvSpPr>
+        <p:spPr/>
+        <p:txBody>
+          <a:bodyPr/>
+          <a:lstStyle/>
+          <a:p>
+            <a:r>
+              <a:rPr lang="en-US" altLang="zh-CN" dirty="0"/>
+              <a:t>Conclusion and future work </a:t>
+            </a:r>
+            <a:endParaRPr kumimoji="1" lang="zh-CN" altLang="en-US" dirty="0"/>
+          </a:p>
+        </p:txBody>
+      </p:sp>
+      <p:sp>
+        <p:nvSpPr>
+          <p:cNvPr id="3" name="内容占位符 2"/>
+          <p:cNvSpPr>
+            <a:spLocks noGrp="1"/>
+          </p:cNvSpPr>
+          <p:nvPr>
+            <p:ph idx="1"/>
+          </p:nvPr>
+        </p:nvSpPr>
+        <p:spPr/>
+        <p:txBody>
+          <a:bodyPr/>
+          <a:lstStyle/>
+          <a:p>
+            <a:endParaRPr kumimoji="1" lang="zh-CN" altLang="en-US"/>
+          </a:p>
+        </p:txBody>
+      </p:sp>
+      <p:sp>
+        <p:nvSpPr>
+          <p:cNvPr id="4" name="页脚占位符 3"/>
+          <p:cNvSpPr>
+            <a:spLocks noGrp="1"/>
+          </p:cNvSpPr>
+          <p:nvPr>
+            <p:ph type="ftr" sz="quarter" idx="11"/>
+          </p:nvPr>
+        </p:nvSpPr>
+        <p:spPr/>
+        <p:txBody>
+          <a:bodyPr/>
+          <a:lstStyle/>
+          <a:p>
+            <a:r>
+              <a:rPr lang="en-US" altLang="zh-CN" smtClean="0"/>
+              <a:t>PACLIC 32 Semantics</a:t>
+            </a:r>
+            <a:endParaRPr lang="zh-CN" altLang="en-US"/>
+          </a:p>
+        </p:txBody>
+      </p:sp>
+      <p:sp>
+        <p:nvSpPr>
+          <p:cNvPr id="5" name="幻灯片编号占位符 4"/>
+          <p:cNvSpPr>
+            <a:spLocks noGrp="1"/>
+          </p:cNvSpPr>
+          <p:nvPr>
+            <p:ph type="sldNum" sz="quarter" idx="12"/>
+          </p:nvPr>
+        </p:nvSpPr>
+        <p:spPr/>
+        <p:txBody>
+          <a:bodyPr/>
+          <a:lstStyle/>
+          <a:p>
+            <a:fld id="{3E9D6AB3-6D86-4BF2-AE34-936A8D37E25D}" type="slidenum">
+              <a:rPr lang="zh-CN" altLang="en-US" smtClean="0"/>
+              <a:t>23</a:t>
+            </a:fld>
+            <a:endParaRPr lang="zh-CN" altLang="en-US"/>
+          </a:p>
+        </p:txBody>
+      </p:sp>
+    </p:spTree>
+    <p:extLst>
+      <p:ext uri="{BB962C8B-B14F-4D97-AF65-F5344CB8AC3E}">
+        <p14:creationId xmlns:p14="http://schemas.microsoft.com/office/powerpoint/2010/main" val="1002113766"/>
+      </p:ext>
+    </p:extLst>
+  </p:cSld>
+  <p:clrMapOvr>
+    <a:masterClrMapping/>
+  </p:clrMapOvr>
+  <p:timing>
+    <p:tnLst>
+      <p:par>
+        <p:cTn id="1" dur="indefinite" restart="never" nodeType="tmRoot"/>
+      </p:par>
+    </p:tnLst>
+  </p:timing>
+</p:sld>
+</file>
+
+<file path=ppt/slides/slide24.xml><?xml version="1.0" encoding="utf-8"?>
+<p:sld xmlns:a="http://schemas.openxmlformats.org/drawingml/2006/main" xmlns:r="http://schemas.openxmlformats.org/officeDocument/2006/relationships" xmlns:p="http://schemas.openxmlformats.org/presentationml/2006/main">
+  <p:cSld>
+    <p:spTree>
+      <p:nvGrpSpPr>
+        <p:cNvPr id="1" name=""/>
+        <p:cNvGrpSpPr/>
+        <p:nvPr/>
+      </p:nvGrpSpPr>
+      <p:grpSpPr>
+        <a:xfrm>
+          <a:off x="0" y="0"/>
+          <a:ext cx="0" cy="0"/>
+          <a:chOff x="0" y="0"/>
+          <a:chExt cx="0" cy="0"/>
+        </a:xfrm>
+      </p:grpSpPr>
+      <p:sp>
+        <p:nvSpPr>
+          <p:cNvPr id="2" name="标题 1"/>
+          <p:cNvSpPr>
+            <a:spLocks noGrp="1"/>
+          </p:cNvSpPr>
+          <p:nvPr>
+            <p:ph type="title"/>
+          </p:nvPr>
+        </p:nvSpPr>
+        <p:spPr/>
+        <p:txBody>
           <a:bodyPr>
             <a:normAutofit/>
           </a:bodyPr>
@@ -6333,7 +7103,7 @@
           <a:p>
             <a:fld id="{3E9D6AB3-6D86-4BF2-AE34-936A8D37E25D}" type="slidenum">
               <a:rPr lang="zh-CN" altLang="en-US" smtClean="0"/>
-              <a:t>22</a:t>
+              <a:t>24</a:t>
             </a:fld>
             <a:endParaRPr lang="zh-CN" altLang="en-US"/>
           </a:p>
@@ -6359,7 +7129,7 @@
 </p:sld>
 </file>
 
-<file path=ppt/slides/slide23.xml><?xml version="1.0" encoding="utf-8"?>
+<file path=ppt/slides/slide25.xml><?xml version="1.0" encoding="utf-8"?>
 <p:sld xmlns:a="http://schemas.openxmlformats.org/drawingml/2006/main" xmlns:r="http://schemas.openxmlformats.org/officeDocument/2006/relationships" xmlns:p="http://schemas.openxmlformats.org/presentationml/2006/main">
   <p:cSld>
     <p:spTree>
@@ -6661,9 +7431,46 @@
         </p:nvSpPr>
         <p:spPr/>
         <p:txBody>
-          <a:bodyPr/>
-          <a:lstStyle/>
-          <a:p>
+          <a:bodyPr>
+            <a:normAutofit/>
+          </a:bodyPr>
+          <a:lstStyle/>
+          <a:p>
+            <a:r>
+              <a:rPr lang="de-DE" altLang="zh-CN" dirty="0"/>
+              <a:t>What is collocation</a:t>
+            </a:r>
+            <a:r>
+              <a:rPr lang="de-DE" altLang="zh-CN" dirty="0" smtClean="0"/>
+              <a:t>?</a:t>
+            </a:r>
+          </a:p>
+          <a:p>
+            <a:endParaRPr kumimoji="1" lang="de-DE" altLang="zh-CN" dirty="0"/>
+          </a:p>
+          <a:p>
+            <a:pPr marL="228600" lvl="1">
+              <a:spcBef>
+                <a:spcPts val="1000"/>
+              </a:spcBef>
+            </a:pPr>
+            <a:r>
+              <a:rPr lang="en-US" altLang="zh-CN" sz="2800" dirty="0"/>
+              <a:t>Why collocation is meaningful for us?</a:t>
+            </a:r>
+            <a:endParaRPr lang="zh-CN" altLang="zh-CN" sz="2800" dirty="0"/>
+          </a:p>
+          <a:p>
+            <a:pPr marL="0" indent="0">
+              <a:buNone/>
+            </a:pPr>
+            <a:endParaRPr kumimoji="1" lang="en-US" altLang="zh-CN" dirty="0"/>
+          </a:p>
+          <a:p>
+            <a:r>
+              <a:rPr lang="de-DE" altLang="zh-CN" dirty="0"/>
+              <a:t>How to represent a collocation?</a:t>
+            </a:r>
             <a:endParaRPr kumimoji="1" lang="zh-CN" altLang="en-US" dirty="0"/>
           </a:p>
         </p:txBody>
@@ -6814,6 +7621,30 @@
           <a:bodyPr/>
           <a:lstStyle/>
           <a:p>
+            <a:endParaRPr lang="zh-CN" altLang="zh-CN" dirty="0"/>
+          </a:p>
+          <a:p>
+            <a:r>
+              <a:rPr lang="en-US" altLang="zh-CN" dirty="0"/>
+              <a:t>MWEs definition</a:t>
+            </a:r>
+            <a:endParaRPr lang="zh-CN" altLang="zh-CN" dirty="0"/>
+          </a:p>
+          <a:p>
+            <a:r>
+              <a:rPr lang="en-US" altLang="zh-CN" dirty="0"/>
+              <a:t>lexical chunks definition</a:t>
+            </a:r>
+            <a:endParaRPr lang="zh-CN" altLang="zh-CN" dirty="0"/>
+          </a:p>
+          <a:p>
+            <a:r>
+              <a:rPr lang="en-US" altLang="zh-CN" dirty="0"/>
+              <a:t>My definition of collocation</a:t>
+            </a:r>
+            <a:endParaRPr lang="zh-CN" altLang="zh-CN" dirty="0"/>
+          </a:p>
+          <a:p>
             <a:endParaRPr kumimoji="1" lang="zh-CN" altLang="en-US" dirty="0"/>
           </a:p>
         </p:txBody>
@@ -6979,7 +7810,7 @@
           <p:nvPr/>
         </p:nvPicPr>
         <p:blipFill>
-          <a:blip r:embed="rId2">
+          <a:blip r:embed="rId3">
             <a:extLst>
               <a:ext uri="{28A0092B-C50C-407E-A947-70E740481C1C}">
                 <a14:useLocalDpi xmlns:a14="http://schemas.microsoft.com/office/drawing/2010/main" val="0"/>
@@ -7341,8 +8172,32 @@
           <a:p>
             <a:pPr lvl="0"/>
             <a:r>
-              <a:rPr lang="en-US" altLang="zh-CN" dirty="0"/>
-              <a:t>Why collocation is meaningful for us?</a:t>
+              <a:rPr lang="de-DE" altLang="zh-CN" dirty="0" err="1"/>
+              <a:t>What</a:t>
+            </a:r>
+            <a:r>
+              <a:rPr lang="de-DE" altLang="zh-CN" dirty="0"/>
+              <a:t> </a:t>
+            </a:r>
+            <a:r>
+              <a:rPr lang="de-DE" altLang="zh-CN" dirty="0" err="1"/>
+              <a:t>is</a:t>
+            </a:r>
+            <a:r>
+              <a:rPr lang="de-DE" altLang="zh-CN" dirty="0"/>
+              <a:t> </a:t>
+            </a:r>
+            <a:r>
+              <a:rPr lang="de-DE" altLang="zh-CN" dirty="0" err="1"/>
+              <a:t>collocation</a:t>
+            </a:r>
+            <a:r>
+              <a:rPr lang="de-DE" altLang="zh-CN" dirty="0"/>
+              <a:t>?</a:t>
+            </a:r>
+            <a:r>
+              <a:rPr lang="zh-CN" altLang="zh-CN" dirty="0"/>
+              <a:t> </a:t>
             </a:r>
             <a:endParaRPr kumimoji="1" lang="zh-CN" altLang="en-US" dirty="0"/>
           </a:p>
@@ -7363,7 +8218,30 @@
           <a:bodyPr/>
           <a:lstStyle/>
           <a:p>
-            <a:endParaRPr kumimoji="1" lang="zh-CN" altLang="en-US" dirty="0"/>
+            <a:r>
+              <a:rPr lang="en-US" altLang="zh-CN" dirty="0" smtClean="0"/>
+              <a:t>Idiom</a:t>
+            </a:r>
+          </a:p>
+          <a:p>
+            <a:endParaRPr lang="en-US" altLang="zh-CN" dirty="0" smtClean="0"/>
+          </a:p>
+          <a:p>
+            <a:r>
+              <a:rPr lang="en-US" altLang="zh-CN" dirty="0" smtClean="0"/>
+              <a:t>MWEs</a:t>
+            </a:r>
+            <a:endParaRPr lang="zh-CN" altLang="zh-CN" dirty="0"/>
+          </a:p>
+          <a:p>
+            <a:endParaRPr lang="en-US" altLang="zh-CN" dirty="0" smtClean="0"/>
+          </a:p>
+          <a:p>
+            <a:r>
+              <a:rPr lang="en-US" altLang="zh-CN" dirty="0" smtClean="0"/>
+              <a:t>Lexical chunks</a:t>
+            </a:r>
+            <a:endParaRPr lang="zh-CN" altLang="zh-CN" dirty="0"/>
           </a:p>
         </p:txBody>
       </p:sp>
@@ -7449,7 +8327,7 @@
     </p:spTree>
     <p:extLst>
       <p:ext uri="{BB962C8B-B14F-4D97-AF65-F5344CB8AC3E}">
-        <p14:creationId xmlns:p14="http://schemas.microsoft.com/office/powerpoint/2010/main" val="614593207"/>
+        <p14:creationId xmlns:p14="http://schemas.microsoft.com/office/powerpoint/2010/main" val="123697409"/>
       </p:ext>
     </p:extLst>
   </p:cSld>
@@ -7501,7 +8379,7 @@
             <a:pPr lvl="0"/>
             <a:r>
               <a:rPr lang="de-DE" altLang="zh-CN" dirty="0" err="1"/>
-              <a:t>How</a:t>
+              <a:t>What</a:t>
             </a:r>
             <a:r>
               <a:rPr lang="de-DE" altLang="zh-CN" dirty="0"/>
@@ -7509,7 +8387,7 @@
             </a:r>
             <a:r>
               <a:rPr lang="de-DE" altLang="zh-CN" dirty="0" err="1"/>
-              <a:t>to</a:t>
+              <a:t>is</a:t>
             </a:r>
             <a:r>
               <a:rPr lang="de-DE" altLang="zh-CN" dirty="0"/>
@@ -7517,42 +8395,41 @@
             </a:r>
             <a:r>
               <a:rPr lang="de-DE" altLang="zh-CN" dirty="0" err="1"/>
-              <a:t>represent</a:t>
+              <a:t>collocation</a:t>
             </a:r>
             <a:r>
               <a:rPr lang="de-DE" altLang="zh-CN" dirty="0"/>
-              <a:t> a </a:t>
-            </a:r>
+              <a:t>?</a:t>
+            </a:r>
+            <a:r>
+              <a:rPr lang="zh-CN" altLang="zh-CN" dirty="0"/>
+              <a:t> </a:t>
+            </a:r>
+            <a:endParaRPr kumimoji="1" lang="zh-CN" altLang="en-US" dirty="0"/>
+          </a:p>
+        </p:txBody>
+      </p:sp>
+      <p:sp>
+        <p:nvSpPr>
+          <p:cNvPr id="3" name="内容占位符 2"/>
+          <p:cNvSpPr>
+            <a:spLocks noGrp="1"/>
+          </p:cNvSpPr>
+          <p:nvPr>
+            <p:ph idx="1"/>
+          </p:nvPr>
+        </p:nvSpPr>
+        <p:spPr/>
+        <p:txBody>
+          <a:bodyPr/>
+          <a:lstStyle/>
+          <a:p>
             <a:r>
               <a:rPr lang="en-US" altLang="zh-CN" dirty="0" smtClean="0"/>
-              <a:t>c</a:t>
-            </a:r>
-            <a:r>
-              <a:rPr lang="de-DE" altLang="zh-CN" dirty="0" err="1" smtClean="0"/>
-              <a:t>ollection</a:t>
-            </a:r>
-            <a:r>
-              <a:rPr lang="de-DE" altLang="zh-CN" dirty="0" smtClean="0"/>
-              <a:t>?</a:t>
-            </a:r>
-            <a:endParaRPr kumimoji="1" lang="zh-CN" altLang="en-US" dirty="0"/>
-          </a:p>
-        </p:txBody>
-      </p:sp>
-      <p:sp>
-        <p:nvSpPr>
-          <p:cNvPr id="3" name="内容占位符 2"/>
-          <p:cNvSpPr>
-            <a:spLocks noGrp="1"/>
-          </p:cNvSpPr>
-          <p:nvPr>
-            <p:ph idx="1"/>
-          </p:nvPr>
-        </p:nvSpPr>
-        <p:spPr/>
-        <p:txBody>
-          <a:bodyPr/>
-          <a:lstStyle/>
+              <a:t>My definition of collocation</a:t>
+            </a:r>
+            <a:endParaRPr lang="zh-CN" altLang="zh-CN" dirty="0" smtClean="0"/>
+          </a:p>
           <a:p>
             <a:endParaRPr kumimoji="1" lang="zh-CN" altLang="en-US" dirty="0"/>
           </a:p>
@@ -7626,11 +8503,11 @@
           <a:lstStyle/>
           <a:p>
             <a:r>
-              <a:rPr lang="en-US" altLang="zh-CN" dirty="0" smtClean="0"/>
+              <a:rPr lang="zh-CN" altLang="zh-CN" dirty="0"/>
               <a:t>I</a:t>
             </a:r>
             <a:r>
-              <a:rPr lang="fr-FR" altLang="zh-CN" dirty="0" err="1" smtClean="0"/>
+              <a:rPr lang="fr-FR" altLang="zh-CN" dirty="0" err="1"/>
               <a:t>ntroduction</a:t>
             </a:r>
             <a:endParaRPr kumimoji="1" lang="zh-CN" altLang="en-US" dirty="0"/>
@@ -7640,7 +8517,7 @@
     </p:spTree>
     <p:extLst>
       <p:ext uri="{BB962C8B-B14F-4D97-AF65-F5344CB8AC3E}">
-        <p14:creationId xmlns:p14="http://schemas.microsoft.com/office/powerpoint/2010/main" val="121537086"/>
+        <p14:creationId xmlns:p14="http://schemas.microsoft.com/office/powerpoint/2010/main" val="2346978819"/>
       </p:ext>
     </p:extLst>
   </p:cSld>
